--- a/隧道检测.pptx
+++ b/隧道检测.pptx
@@ -6,12 +6,14 @@
   </p:sldMasterIdLst>
   <p:sldIdLst>
     <p:sldId id="256" r:id="rId3"/>
-    <p:sldId id="257" r:id="rId4"/>
+    <p:sldId id="258" r:id="rId4"/>
+    <p:sldId id="259" r:id="rId5"/>
+    <p:sldId id="257" r:id="rId6"/>
   </p:sldIdLst>
   <p:sldSz cx="12192000" cy="6858000"/>
   <p:notesSz cx="6858000" cy="9144000"/>
   <p:custDataLst>
-    <p:tags r:id="rId8"/>
+    <p:tags r:id="rId10"/>
   </p:custDataLst>
   <p:defaultTextStyle>
     <a:defPPr>
@@ -3146,24 +3148,1465 @@
         <p:nvPr/>
       </p:nvGrpSpPr>
       <p:grpSpPr/>
+      <p:cxnSp>
+        <p:nvCxnSpPr>
+          <p:cNvPr id="4" name="直接连接符 3"/>
+          <p:cNvCxnSpPr/>
+          <p:nvPr/>
+        </p:nvCxnSpPr>
+        <p:spPr>
+          <a:xfrm>
+            <a:off x="13970" y="4624070"/>
+            <a:ext cx="12163425" cy="0"/>
+          </a:xfrm>
+          <a:prstGeom prst="line">
+            <a:avLst/>
+          </a:prstGeom>
+          <a:ln w="57150">
+            <a:prstDash val="solid"/>
+          </a:ln>
+          <a:effectLst>
+            <a:glow rad="101600">
+              <a:schemeClr val="accent2">
+                <a:satMod val="175000"/>
+                <a:alpha val="40000"/>
+              </a:schemeClr>
+            </a:glow>
+            <a:innerShdw blurRad="63500" dist="50800" dir="13500000">
+              <a:prstClr val="black">
+                <a:alpha val="50000"/>
+              </a:prstClr>
+            </a:innerShdw>
+            <a:softEdge rad="12700"/>
+          </a:effectLst>
+        </p:spPr>
+        <p:style>
+          <a:lnRef idx="1">
+            <a:schemeClr val="accent1"/>
+          </a:lnRef>
+          <a:fillRef idx="0">
+            <a:schemeClr val="accent1"/>
+          </a:fillRef>
+          <a:effectRef idx="0">
+            <a:schemeClr val="accent1"/>
+          </a:effectRef>
+          <a:fontRef idx="minor">
+            <a:schemeClr val="tx1"/>
+          </a:fontRef>
+        </p:style>
+      </p:cxnSp>
+      <p:cxnSp>
+        <p:nvCxnSpPr>
+          <p:cNvPr id="5" name="直接连接符 4"/>
+          <p:cNvCxnSpPr/>
+          <p:nvPr/>
+        </p:nvCxnSpPr>
+        <p:spPr>
+          <a:xfrm>
+            <a:off x="7200265" y="-7620"/>
+            <a:ext cx="0" cy="6851650"/>
+          </a:xfrm>
+          <a:prstGeom prst="line">
+            <a:avLst/>
+          </a:prstGeom>
+          <a:ln w="57150">
+            <a:prstDash val="solid"/>
+          </a:ln>
+          <a:effectLst>
+            <a:glow rad="101600">
+              <a:schemeClr val="accent2">
+                <a:satMod val="175000"/>
+                <a:alpha val="40000"/>
+              </a:schemeClr>
+            </a:glow>
+            <a:innerShdw blurRad="63500" dist="50800" dir="13500000">
+              <a:prstClr val="black">
+                <a:alpha val="50000"/>
+              </a:prstClr>
+            </a:innerShdw>
+            <a:softEdge rad="12700"/>
+          </a:effectLst>
+        </p:spPr>
+        <p:style>
+          <a:lnRef idx="1">
+            <a:schemeClr val="accent1"/>
+          </a:lnRef>
+          <a:fillRef idx="0">
+            <a:schemeClr val="accent1"/>
+          </a:fillRef>
+          <a:effectRef idx="0">
+            <a:schemeClr val="accent1"/>
+          </a:effectRef>
+          <a:fontRef idx="minor">
+            <a:schemeClr val="tx1"/>
+          </a:fontRef>
+        </p:style>
+      </p:cxnSp>
       <p:sp>
         <p:nvSpPr>
-          <p:cNvPr id="2" name="标题 1"/>
-          <p:cNvSpPr>
-            <a:spLocks noGrp="1"/>
-          </p:cNvSpPr>
-          <p:nvPr>
-            <p:ph type="title"/>
-          </p:nvPr>
+          <p:cNvPr id="6" name="文本框 5"/>
+          <p:cNvSpPr txBox="1"/>
+          <p:nvPr/>
         </p:nvSpPr>
-        <p:spPr/>
+        <p:spPr>
+          <a:xfrm>
+            <a:off x="0" y="4152265"/>
+            <a:ext cx="3171825" cy="368300"/>
+          </a:xfrm>
+          <a:prstGeom prst="rect">
+            <a:avLst/>
+          </a:prstGeom>
+          <a:noFill/>
+        </p:spPr>
         <p:txBody>
-          <a:bodyPr/>
+          <a:bodyPr wrap="square" rtlCol="0">
+            <a:spAutoFit/>
+          </a:bodyPr>
           <a:p>
+            <a:r>
+              <a:rPr lang="en-US" altLang="zh-CN"/>
+              <a:t>Unity</a:t>
+            </a:r>
+            <a:r>
+              <a:rPr lang="zh-CN" altLang="en-US"/>
+              <a:t>视频</a:t>
+            </a:r>
+            <a:r>
+              <a:rPr lang="en-US" altLang="zh-CN"/>
+              <a:t> / </a:t>
+            </a:r>
+            <a:r>
+              <a:rPr lang="zh-CN" altLang="en-US"/>
+              <a:t>路线规划图</a:t>
+            </a:r>
+            <a:r>
+              <a:rPr lang="zh-CN" altLang="en-US"/>
+              <a:t>视频</a:t>
+            </a:r>
             <a:endParaRPr lang="zh-CN" altLang="en-US"/>
           </a:p>
         </p:txBody>
       </p:sp>
+      <p:graphicFrame>
+        <p:nvGraphicFramePr>
+          <p:cNvPr id="9" name="表格 8"/>
+          <p:cNvGraphicFramePr/>
+          <p:nvPr>
+            <p:custDataLst>
+              <p:tags r:id="rId1"/>
+            </p:custDataLst>
+          </p:nvPr>
+        </p:nvGraphicFramePr>
+        <p:xfrm>
+          <a:off x="7282815" y="759460"/>
+          <a:ext cx="4909185" cy="1577340"/>
+        </p:xfrm>
+        <a:graphic>
+          <a:graphicData uri="http://schemas.openxmlformats.org/drawingml/2006/table">
+            <a:tbl>
+              <a:tblPr firstRow="1" bandRow="1">
+                <a:tableStyleId>{5C22544A-7EE6-4342-B048-85BDC9FD1C3A}</a:tableStyleId>
+              </a:tblPr>
+              <a:tblGrid>
+                <a:gridCol w="1355090"/>
+                <a:gridCol w="888523"/>
+                <a:gridCol w="888523"/>
+                <a:gridCol w="888523"/>
+                <a:gridCol w="888523"/>
+              </a:tblGrid>
+              <a:tr h="753110">
+                <a:tc>
+                  <a:txBody>
+                    <a:bodyPr/>
+                    <a:p>
+                      <a:pPr indent="0" algn="ctr">
+                        <a:lnSpc>
+                          <a:spcPct val="120000"/>
+                        </a:lnSpc>
+                        <a:spcBef>
+                          <a:spcPts val="0"/>
+                        </a:spcBef>
+                        <a:spcAft>
+                          <a:spcPts val="0"/>
+                        </a:spcAft>
+                        <a:buNone/>
+                      </a:pPr>
+                      <a:r>
+                        <a:rPr lang="zh-CN" altLang="en-US" sz="1600" b="1" spc="130">
+                          <a:solidFill>
+                            <a:srgbClr val="FFFFFF"/>
+                          </a:solidFill>
+                          <a:latin typeface="微软雅黑" panose="020B0503020204020204" charset="-122"/>
+                          <a:ea typeface="微软雅黑" panose="020B0503020204020204" charset="-122"/>
+                        </a:rPr>
+                        <a:t>日期</a:t>
+                      </a:r>
+                      <a:endParaRPr lang="zh-CN" altLang="en-US" sz="1600" b="1" spc="130">
+                        <a:solidFill>
+                          <a:srgbClr val="FFFFFF"/>
+                        </a:solidFill>
+                        <a:latin typeface="微软雅黑" panose="020B0503020204020204" charset="-122"/>
+                        <a:ea typeface="微软雅黑" panose="020B0503020204020204" charset="-122"/>
+                      </a:endParaRPr>
+                    </a:p>
+                  </a:txBody>
+                  <a:tcPr marL="45720" marR="45720" anchor="ctr">
+                    <a:lnL w="19050" cap="rnd">
+                      <a:solidFill>
+                        <a:srgbClr val="03A9F5"/>
+                      </a:solidFill>
+                      <a:prstDash val="solid"/>
+                    </a:lnL>
+                    <a:lnR w="3175">
+                      <a:solidFill>
+                        <a:srgbClr val="FFFFFF"/>
+                      </a:solidFill>
+                      <a:prstDash val="dot"/>
+                    </a:lnR>
+                    <a:lnT w="19050" cap="rnd">
+                      <a:solidFill>
+                        <a:srgbClr val="03A9F5"/>
+                      </a:solidFill>
+                      <a:prstDash val="solid"/>
+                    </a:lnT>
+                    <a:lnB w="19050">
+                      <a:solidFill>
+                        <a:srgbClr val="03A9F5"/>
+                      </a:solidFill>
+                      <a:prstDash val="solid"/>
+                    </a:lnB>
+                    <a:solidFill>
+                      <a:srgbClr val="03A9F5"/>
+                    </a:solidFill>
+                  </a:tcPr>
+                </a:tc>
+                <a:tc>
+                  <a:txBody>
+                    <a:bodyPr/>
+                    <a:p>
+                      <a:pPr indent="0" algn="ctr">
+                        <a:lnSpc>
+                          <a:spcPct val="120000"/>
+                        </a:lnSpc>
+                        <a:spcBef>
+                          <a:spcPts val="0"/>
+                        </a:spcBef>
+                        <a:spcAft>
+                          <a:spcPts val="0"/>
+                        </a:spcAft>
+                        <a:buNone/>
+                      </a:pPr>
+                      <a:r>
+                        <a:rPr lang="en-US" altLang="zh-CN" sz="1600" b="1" spc="130">
+                          <a:solidFill>
+                            <a:srgbClr val="FFFFFF"/>
+                          </a:solidFill>
+                          <a:latin typeface="微软雅黑" panose="020B0503020204020204" charset="-122"/>
+                          <a:ea typeface="微软雅黑" panose="020B0503020204020204" charset="-122"/>
+                        </a:rPr>
+                        <a:t>6.25</a:t>
+                      </a:r>
+                      <a:endParaRPr lang="en-US" altLang="zh-CN" sz="1600" b="1" spc="130">
+                        <a:solidFill>
+                          <a:srgbClr val="FFFFFF"/>
+                        </a:solidFill>
+                        <a:latin typeface="微软雅黑" panose="020B0503020204020204" charset="-122"/>
+                        <a:ea typeface="微软雅黑" panose="020B0503020204020204" charset="-122"/>
+                      </a:endParaRPr>
+                    </a:p>
+                  </a:txBody>
+                  <a:tcPr marL="45720" marR="45720" anchor="ctr">
+                    <a:lnL w="3175">
+                      <a:solidFill>
+                        <a:srgbClr val="FFFFFF"/>
+                      </a:solidFill>
+                      <a:prstDash val="dot"/>
+                    </a:lnL>
+                    <a:lnR w="3175">
+                      <a:solidFill>
+                        <a:srgbClr val="FFFFFF"/>
+                      </a:solidFill>
+                      <a:prstDash val="dot"/>
+                    </a:lnR>
+                    <a:lnT w="19050" cap="rnd">
+                      <a:solidFill>
+                        <a:srgbClr val="03A9F5"/>
+                      </a:solidFill>
+                      <a:prstDash val="solid"/>
+                    </a:lnT>
+                    <a:lnB w="19050">
+                      <a:solidFill>
+                        <a:srgbClr val="03A9F5"/>
+                      </a:solidFill>
+                      <a:prstDash val="solid"/>
+                    </a:lnB>
+                    <a:solidFill>
+                      <a:srgbClr val="03A9F5"/>
+                    </a:solidFill>
+                  </a:tcPr>
+                </a:tc>
+                <a:tc>
+                  <a:txBody>
+                    <a:bodyPr/>
+                    <a:p>
+                      <a:pPr indent="0" algn="ctr">
+                        <a:lnSpc>
+                          <a:spcPct val="120000"/>
+                        </a:lnSpc>
+                        <a:spcBef>
+                          <a:spcPts val="0"/>
+                        </a:spcBef>
+                        <a:spcAft>
+                          <a:spcPts val="0"/>
+                        </a:spcAft>
+                        <a:buNone/>
+                      </a:pPr>
+                      <a:r>
+                        <a:rPr lang="en-US" altLang="zh-CN" sz="1400" b="1" spc="130">
+                          <a:solidFill>
+                            <a:srgbClr val="FFFFFF"/>
+                          </a:solidFill>
+                          <a:latin typeface="微软雅黑" panose="020B0503020204020204" charset="-122"/>
+                          <a:ea typeface="微软雅黑" panose="020B0503020204020204" charset="-122"/>
+                        </a:rPr>
+                        <a:t>6.26</a:t>
+                      </a:r>
+                      <a:endParaRPr lang="en-US" altLang="zh-CN" sz="1400" b="1" spc="130">
+                        <a:solidFill>
+                          <a:srgbClr val="FFFFFF"/>
+                        </a:solidFill>
+                        <a:latin typeface="微软雅黑" panose="020B0503020204020204" charset="-122"/>
+                        <a:ea typeface="微软雅黑" panose="020B0503020204020204" charset="-122"/>
+                      </a:endParaRPr>
+                    </a:p>
+                  </a:txBody>
+                  <a:tcPr marL="45720" marR="45720" anchor="ctr">
+                    <a:lnL w="3175">
+                      <a:solidFill>
+                        <a:srgbClr val="FFFFFF"/>
+                      </a:solidFill>
+                      <a:prstDash val="dot"/>
+                    </a:lnL>
+                    <a:lnR w="3175">
+                      <a:solidFill>
+                        <a:srgbClr val="FFFFFF"/>
+                      </a:solidFill>
+                      <a:prstDash val="dot"/>
+                    </a:lnR>
+                    <a:lnT w="19050" cap="rnd">
+                      <a:solidFill>
+                        <a:srgbClr val="03A9F5"/>
+                      </a:solidFill>
+                      <a:prstDash val="solid"/>
+                    </a:lnT>
+                    <a:lnB w="19050">
+                      <a:solidFill>
+                        <a:srgbClr val="03A9F5"/>
+                      </a:solidFill>
+                      <a:prstDash val="solid"/>
+                    </a:lnB>
+                    <a:solidFill>
+                      <a:srgbClr val="03A9F5"/>
+                    </a:solidFill>
+                  </a:tcPr>
+                </a:tc>
+                <a:tc>
+                  <a:txBody>
+                    <a:bodyPr/>
+                    <a:p>
+                      <a:pPr algn="ctr">
+                        <a:lnSpc>
+                          <a:spcPct val="120000"/>
+                        </a:lnSpc>
+                        <a:spcBef>
+                          <a:spcPts val="0"/>
+                        </a:spcBef>
+                        <a:spcAft>
+                          <a:spcPts val="0"/>
+                        </a:spcAft>
+                        <a:buClrTx/>
+                        <a:buSzTx/>
+                        <a:buFontTx/>
+                        <a:buNone/>
+                      </a:pPr>
+                      <a:r>
+                        <a:rPr lang="en-US" altLang="zh-CN" sz="1400" b="1" spc="130">
+                          <a:solidFill>
+                            <a:srgbClr val="FFFFFF"/>
+                          </a:solidFill>
+                          <a:latin typeface="微软雅黑" panose="020B0503020204020204" charset="-122"/>
+                          <a:ea typeface="微软雅黑" panose="020B0503020204020204" charset="-122"/>
+                        </a:rPr>
+                        <a:t>6.27</a:t>
+                      </a:r>
+                      <a:endParaRPr lang="en-US" altLang="zh-CN" sz="1400" b="1" spc="130">
+                        <a:solidFill>
+                          <a:srgbClr val="FFFFFF"/>
+                        </a:solidFill>
+                        <a:latin typeface="微软雅黑" panose="020B0503020204020204" charset="-122"/>
+                        <a:ea typeface="微软雅黑" panose="020B0503020204020204" charset="-122"/>
+                      </a:endParaRPr>
+                    </a:p>
+                  </a:txBody>
+                  <a:tcPr marL="45720" marR="45720" anchor="ctr">
+                    <a:lnL w="3175">
+                      <a:solidFill>
+                        <a:srgbClr val="FFFFFF"/>
+                      </a:solidFill>
+                      <a:prstDash val="dot"/>
+                    </a:lnL>
+                    <a:lnR w="3175">
+                      <a:solidFill>
+                        <a:srgbClr val="FFFFFF"/>
+                      </a:solidFill>
+                      <a:prstDash val="dot"/>
+                    </a:lnR>
+                    <a:lnT w="19050" cap="rnd">
+                      <a:solidFill>
+                        <a:srgbClr val="03A9F5"/>
+                      </a:solidFill>
+                      <a:prstDash val="solid"/>
+                    </a:lnT>
+                    <a:lnB w="19050">
+                      <a:solidFill>
+                        <a:srgbClr val="03A9F5"/>
+                      </a:solidFill>
+                      <a:prstDash val="solid"/>
+                    </a:lnB>
+                    <a:solidFill>
+                      <a:srgbClr val="03A9F5"/>
+                    </a:solidFill>
+                  </a:tcPr>
+                </a:tc>
+                <a:tc>
+                  <a:txBody>
+                    <a:bodyPr/>
+                    <a:p>
+                      <a:pPr algn="ctr">
+                        <a:lnSpc>
+                          <a:spcPct val="120000"/>
+                        </a:lnSpc>
+                        <a:spcBef>
+                          <a:spcPts val="0"/>
+                        </a:spcBef>
+                        <a:spcAft>
+                          <a:spcPts val="0"/>
+                        </a:spcAft>
+                        <a:buClrTx/>
+                        <a:buSzTx/>
+                        <a:buFontTx/>
+                        <a:buNone/>
+                      </a:pPr>
+                      <a:r>
+                        <a:rPr lang="en-US" altLang="zh-CN" sz="1400" b="1" spc="130">
+                          <a:solidFill>
+                            <a:schemeClr val="accent4">
+                              <a:lumMod val="75000"/>
+                            </a:schemeClr>
+                          </a:solidFill>
+                          <a:latin typeface="微软雅黑" panose="020B0503020204020204" charset="-122"/>
+                          <a:ea typeface="微软雅黑" panose="020B0503020204020204" charset="-122"/>
+                        </a:rPr>
+                        <a:t>6.28</a:t>
+                      </a:r>
+                      <a:endParaRPr lang="en-US" altLang="zh-CN" sz="1400" b="1" spc="130">
+                        <a:solidFill>
+                          <a:schemeClr val="accent4">
+                            <a:lumMod val="75000"/>
+                          </a:schemeClr>
+                        </a:solidFill>
+                        <a:latin typeface="微软雅黑" panose="020B0503020204020204" charset="-122"/>
+                        <a:ea typeface="微软雅黑" panose="020B0503020204020204" charset="-122"/>
+                      </a:endParaRPr>
+                    </a:p>
+                  </a:txBody>
+                  <a:tcPr marL="45720" marR="45720" anchor="ctr">
+                    <a:lnL w="3175">
+                      <a:solidFill>
+                        <a:srgbClr val="FFFFFF"/>
+                      </a:solidFill>
+                      <a:prstDash val="dot"/>
+                    </a:lnL>
+                    <a:lnR w="19050" cap="rnd">
+                      <a:solidFill>
+                        <a:srgbClr val="03A9F5"/>
+                      </a:solidFill>
+                      <a:prstDash val="solid"/>
+                    </a:lnR>
+                    <a:lnT w="19050" cap="rnd">
+                      <a:solidFill>
+                        <a:srgbClr val="03A9F5"/>
+                      </a:solidFill>
+                      <a:prstDash val="solid"/>
+                    </a:lnT>
+                    <a:lnB w="19050">
+                      <a:solidFill>
+                        <a:srgbClr val="03A9F5"/>
+                      </a:solidFill>
+                      <a:prstDash val="solid"/>
+                    </a:lnB>
+                    <a:solidFill>
+                      <a:srgbClr val="03A9F5"/>
+                    </a:solidFill>
+                  </a:tcPr>
+                </a:tc>
+              </a:tr>
+              <a:tr h="824230">
+                <a:tc>
+                  <a:txBody>
+                    <a:bodyPr/>
+                    <a:p>
+                      <a:pPr indent="0" algn="ctr">
+                        <a:lnSpc>
+                          <a:spcPct val="120000"/>
+                        </a:lnSpc>
+                        <a:spcBef>
+                          <a:spcPts val="0"/>
+                        </a:spcBef>
+                        <a:spcAft>
+                          <a:spcPts val="0"/>
+                        </a:spcAft>
+                        <a:buNone/>
+                      </a:pPr>
+                      <a:r>
+                        <a:rPr lang="zh-CN" altLang="en-US" sz="1800" b="0" spc="130">
+                          <a:solidFill>
+                            <a:srgbClr val="002060"/>
+                          </a:solidFill>
+                          <a:latin typeface="微软雅黑" panose="020B0503020204020204" charset="-122"/>
+                          <a:ea typeface="微软雅黑" panose="020B0503020204020204" charset="-122"/>
+                        </a:rPr>
+                        <a:t>异常概率</a:t>
+                      </a:r>
+                      <a:endParaRPr lang="zh-CN" altLang="en-US" sz="1800" b="0" spc="130">
+                        <a:solidFill>
+                          <a:srgbClr val="002060"/>
+                        </a:solidFill>
+                        <a:latin typeface="微软雅黑" panose="020B0503020204020204" charset="-122"/>
+                        <a:ea typeface="微软雅黑" panose="020B0503020204020204" charset="-122"/>
+                      </a:endParaRPr>
+                    </a:p>
+                  </a:txBody>
+                  <a:tcPr marL="45720" marR="45720" anchor="ctr">
+                    <a:lnL w="19050" cap="rnd">
+                      <a:solidFill>
+                        <a:srgbClr val="03A9F5"/>
+                      </a:solidFill>
+                      <a:prstDash val="solid"/>
+                    </a:lnL>
+                    <a:lnR w="3175">
+                      <a:solidFill>
+                        <a:srgbClr val="03A9F5"/>
+                      </a:solidFill>
+                      <a:prstDash val="dot"/>
+                    </a:lnR>
+                    <a:lnT w="19050">
+                      <a:solidFill>
+                        <a:srgbClr val="03A9F5"/>
+                      </a:solidFill>
+                      <a:prstDash val="solid"/>
+                    </a:lnT>
+                    <a:lnB w="19050" cap="rnd">
+                      <a:solidFill>
+                        <a:srgbClr val="03A9F5"/>
+                      </a:solidFill>
+                      <a:prstDash val="solid"/>
+                    </a:lnB>
+                    <a:solidFill>
+                      <a:srgbClr val="F2F2F2"/>
+                    </a:solidFill>
+                  </a:tcPr>
+                </a:tc>
+                <a:tc>
+                  <a:txBody>
+                    <a:bodyPr/>
+                    <a:p>
+                      <a:pPr indent="0" algn="ctr">
+                        <a:lnSpc>
+                          <a:spcPct val="120000"/>
+                        </a:lnSpc>
+                        <a:spcBef>
+                          <a:spcPts val="0"/>
+                        </a:spcBef>
+                        <a:spcAft>
+                          <a:spcPts val="0"/>
+                        </a:spcAft>
+                        <a:buNone/>
+                      </a:pPr>
+                      <a:endParaRPr lang="zh-CN" altLang="en-US" sz="1800" b="0" spc="130">
+                        <a:solidFill>
+                          <a:srgbClr val="404040"/>
+                        </a:solidFill>
+                        <a:latin typeface="微软雅黑" panose="020B0503020204020204" charset="-122"/>
+                        <a:ea typeface="微软雅黑" panose="020B0503020204020204" charset="-122"/>
+                      </a:endParaRPr>
+                    </a:p>
+                  </a:txBody>
+                  <a:tcPr marL="45720" marR="45720" anchor="ctr">
+                    <a:lnL w="3175">
+                      <a:solidFill>
+                        <a:srgbClr val="03A9F5"/>
+                      </a:solidFill>
+                      <a:prstDash val="dot"/>
+                    </a:lnL>
+                    <a:lnR w="3175">
+                      <a:solidFill>
+                        <a:srgbClr val="03A9F5"/>
+                      </a:solidFill>
+                      <a:prstDash val="dot"/>
+                    </a:lnR>
+                    <a:lnT w="19050">
+                      <a:solidFill>
+                        <a:srgbClr val="03A9F5"/>
+                      </a:solidFill>
+                      <a:prstDash val="solid"/>
+                    </a:lnT>
+                    <a:lnB w="19050" cap="rnd">
+                      <a:solidFill>
+                        <a:srgbClr val="03A9F5"/>
+                      </a:solidFill>
+                      <a:prstDash val="solid"/>
+                    </a:lnB>
+                    <a:solidFill>
+                      <a:srgbClr val="F2F2F2"/>
+                    </a:solidFill>
+                  </a:tcPr>
+                </a:tc>
+                <a:tc>
+                  <a:txBody>
+                    <a:bodyPr/>
+                    <a:p>
+                      <a:pPr indent="0" algn="ctr">
+                        <a:lnSpc>
+                          <a:spcPct val="120000"/>
+                        </a:lnSpc>
+                        <a:spcBef>
+                          <a:spcPts val="0"/>
+                        </a:spcBef>
+                        <a:spcAft>
+                          <a:spcPts val="0"/>
+                        </a:spcAft>
+                        <a:buNone/>
+                      </a:pPr>
+                      <a:endParaRPr lang="zh-CN" altLang="en-US" sz="1800" b="0" spc="130">
+                        <a:solidFill>
+                          <a:srgbClr val="404040"/>
+                        </a:solidFill>
+                        <a:latin typeface="微软雅黑" panose="020B0503020204020204" charset="-122"/>
+                        <a:ea typeface="微软雅黑" panose="020B0503020204020204" charset="-122"/>
+                      </a:endParaRPr>
+                    </a:p>
+                  </a:txBody>
+                  <a:tcPr marL="45720" marR="45720" anchor="ctr">
+                    <a:lnL w="3175">
+                      <a:solidFill>
+                        <a:srgbClr val="03A9F5"/>
+                      </a:solidFill>
+                      <a:prstDash val="dot"/>
+                    </a:lnL>
+                    <a:lnR w="3175">
+                      <a:solidFill>
+                        <a:srgbClr val="03A9F5"/>
+                      </a:solidFill>
+                      <a:prstDash val="dot"/>
+                    </a:lnR>
+                    <a:lnT w="19050">
+                      <a:solidFill>
+                        <a:srgbClr val="03A9F5"/>
+                      </a:solidFill>
+                      <a:prstDash val="solid"/>
+                    </a:lnT>
+                    <a:lnB w="19050" cap="rnd">
+                      <a:solidFill>
+                        <a:srgbClr val="03A9F5"/>
+                      </a:solidFill>
+                      <a:prstDash val="solid"/>
+                    </a:lnB>
+                    <a:solidFill>
+                      <a:srgbClr val="F2F2F2"/>
+                    </a:solidFill>
+                  </a:tcPr>
+                </a:tc>
+                <a:tc>
+                  <a:txBody>
+                    <a:bodyPr/>
+                    <a:p>
+                      <a:pPr indent="0" algn="ctr">
+                        <a:lnSpc>
+                          <a:spcPct val="120000"/>
+                        </a:lnSpc>
+                        <a:spcBef>
+                          <a:spcPts val="0"/>
+                        </a:spcBef>
+                        <a:spcAft>
+                          <a:spcPts val="0"/>
+                        </a:spcAft>
+                        <a:buNone/>
+                      </a:pPr>
+                      <a:endParaRPr lang="zh-CN" altLang="en-US" sz="1800" b="0" spc="130">
+                        <a:solidFill>
+                          <a:srgbClr val="404040"/>
+                        </a:solidFill>
+                        <a:latin typeface="微软雅黑" panose="020B0503020204020204" charset="-122"/>
+                        <a:ea typeface="微软雅黑" panose="020B0503020204020204" charset="-122"/>
+                      </a:endParaRPr>
+                    </a:p>
+                  </a:txBody>
+                  <a:tcPr marL="45720" marR="45720" anchor="ctr">
+                    <a:lnL w="3175">
+                      <a:solidFill>
+                        <a:srgbClr val="03A9F5"/>
+                      </a:solidFill>
+                      <a:prstDash val="dot"/>
+                    </a:lnL>
+                    <a:lnR w="3175">
+                      <a:solidFill>
+                        <a:srgbClr val="03A9F5"/>
+                      </a:solidFill>
+                      <a:prstDash val="dot"/>
+                    </a:lnR>
+                    <a:lnT w="19050">
+                      <a:solidFill>
+                        <a:srgbClr val="03A9F5"/>
+                      </a:solidFill>
+                      <a:prstDash val="solid"/>
+                    </a:lnT>
+                    <a:lnB w="19050" cap="rnd">
+                      <a:solidFill>
+                        <a:srgbClr val="03A9F5"/>
+                      </a:solidFill>
+                      <a:prstDash val="solid"/>
+                    </a:lnB>
+                    <a:solidFill>
+                      <a:srgbClr val="F2F2F2"/>
+                    </a:solidFill>
+                  </a:tcPr>
+                </a:tc>
+                <a:tc>
+                  <a:txBody>
+                    <a:bodyPr/>
+                    <a:p>
+                      <a:pPr indent="0" algn="ctr">
+                        <a:lnSpc>
+                          <a:spcPct val="120000"/>
+                        </a:lnSpc>
+                        <a:spcBef>
+                          <a:spcPts val="0"/>
+                        </a:spcBef>
+                        <a:spcAft>
+                          <a:spcPts val="0"/>
+                        </a:spcAft>
+                        <a:buNone/>
+                      </a:pPr>
+                      <a:endParaRPr lang="zh-CN" altLang="en-US" sz="1800" b="0" spc="130">
+                        <a:solidFill>
+                          <a:srgbClr val="404040"/>
+                        </a:solidFill>
+                        <a:latin typeface="微软雅黑" panose="020B0503020204020204" charset="-122"/>
+                        <a:ea typeface="微软雅黑" panose="020B0503020204020204" charset="-122"/>
+                      </a:endParaRPr>
+                    </a:p>
+                  </a:txBody>
+                  <a:tcPr marL="45720" marR="45720" anchor="ctr">
+                    <a:lnL w="3175">
+                      <a:solidFill>
+                        <a:srgbClr val="03A9F5"/>
+                      </a:solidFill>
+                      <a:prstDash val="dot"/>
+                    </a:lnL>
+                    <a:lnR w="19050" cap="rnd">
+                      <a:solidFill>
+                        <a:srgbClr val="03A9F5"/>
+                      </a:solidFill>
+                      <a:prstDash val="solid"/>
+                    </a:lnR>
+                    <a:lnT w="19050">
+                      <a:solidFill>
+                        <a:srgbClr val="03A9F5"/>
+                      </a:solidFill>
+                      <a:prstDash val="solid"/>
+                    </a:lnT>
+                    <a:lnB w="19050" cap="rnd">
+                      <a:solidFill>
+                        <a:srgbClr val="03A9F5"/>
+                      </a:solidFill>
+                      <a:prstDash val="solid"/>
+                    </a:lnB>
+                    <a:solidFill>
+                      <a:srgbClr val="F2F2F2"/>
+                    </a:solidFill>
+                  </a:tcPr>
+                </a:tc>
+              </a:tr>
+            </a:tbl>
+          </a:graphicData>
+        </a:graphic>
+      </p:graphicFrame>
+      <p:graphicFrame>
+        <p:nvGraphicFramePr>
+          <p:cNvPr id="12" name="表格 11"/>
+          <p:cNvGraphicFramePr/>
+          <p:nvPr>
+            <p:custDataLst>
+              <p:tags r:id="rId2"/>
+            </p:custDataLst>
+          </p:nvPr>
+        </p:nvGraphicFramePr>
+        <p:xfrm>
+          <a:off x="7282815" y="2999105"/>
+          <a:ext cx="4909185" cy="1577340"/>
+        </p:xfrm>
+        <a:graphic>
+          <a:graphicData uri="http://schemas.openxmlformats.org/drawingml/2006/table">
+            <a:tbl>
+              <a:tblPr firstRow="1" bandRow="1">
+                <a:tableStyleId>{5C22544A-7EE6-4342-B048-85BDC9FD1C3A}</a:tableStyleId>
+              </a:tblPr>
+              <a:tblGrid>
+                <a:gridCol w="1341120"/>
+                <a:gridCol w="892016"/>
+                <a:gridCol w="892016"/>
+                <a:gridCol w="892016"/>
+                <a:gridCol w="892016"/>
+              </a:tblGrid>
+              <a:tr h="753110">
+                <a:tc>
+                  <a:txBody>
+                    <a:bodyPr/>
+                    <a:p>
+                      <a:pPr indent="0" algn="ctr">
+                        <a:lnSpc>
+                          <a:spcPct val="120000"/>
+                        </a:lnSpc>
+                        <a:spcBef>
+                          <a:spcPts val="0"/>
+                        </a:spcBef>
+                        <a:spcAft>
+                          <a:spcPts val="0"/>
+                        </a:spcAft>
+                        <a:buNone/>
+                      </a:pPr>
+                      <a:r>
+                        <a:rPr lang="zh-CN" altLang="en-US" sz="1600" b="1" spc="130">
+                          <a:solidFill>
+                            <a:srgbClr val="FFFFFF"/>
+                          </a:solidFill>
+                          <a:latin typeface="微软雅黑" panose="020B0503020204020204" charset="-122"/>
+                          <a:ea typeface="微软雅黑" panose="020B0503020204020204" charset="-122"/>
+                        </a:rPr>
+                        <a:t>点位</a:t>
+                      </a:r>
+                      <a:endParaRPr lang="zh-CN" altLang="en-US" sz="1600" b="1" spc="130">
+                        <a:solidFill>
+                          <a:srgbClr val="FFFFFF"/>
+                        </a:solidFill>
+                        <a:latin typeface="微软雅黑" panose="020B0503020204020204" charset="-122"/>
+                        <a:ea typeface="微软雅黑" panose="020B0503020204020204" charset="-122"/>
+                      </a:endParaRPr>
+                    </a:p>
+                  </a:txBody>
+                  <a:tcPr marL="45720" marR="45720" anchor="ctr">
+                    <a:lnL w="19050" cap="rnd">
+                      <a:solidFill>
+                        <a:srgbClr val="03A9F5"/>
+                      </a:solidFill>
+                      <a:prstDash val="solid"/>
+                    </a:lnL>
+                    <a:lnR w="3175">
+                      <a:solidFill>
+                        <a:srgbClr val="FFFFFF"/>
+                      </a:solidFill>
+                      <a:prstDash val="dot"/>
+                    </a:lnR>
+                    <a:lnT w="19050" cap="rnd">
+                      <a:solidFill>
+                        <a:srgbClr val="03A9F5"/>
+                      </a:solidFill>
+                      <a:prstDash val="solid"/>
+                    </a:lnT>
+                    <a:lnB w="19050">
+                      <a:solidFill>
+                        <a:srgbClr val="03A9F5"/>
+                      </a:solidFill>
+                      <a:prstDash val="solid"/>
+                    </a:lnB>
+                    <a:solidFill>
+                      <a:srgbClr val="03A9F5"/>
+                    </a:solidFill>
+                  </a:tcPr>
+                </a:tc>
+                <a:tc>
+                  <a:txBody>
+                    <a:bodyPr/>
+                    <a:p>
+                      <a:pPr indent="0" algn="ctr">
+                        <a:lnSpc>
+                          <a:spcPct val="120000"/>
+                        </a:lnSpc>
+                        <a:spcBef>
+                          <a:spcPts val="0"/>
+                        </a:spcBef>
+                        <a:spcAft>
+                          <a:spcPts val="0"/>
+                        </a:spcAft>
+                        <a:buNone/>
+                      </a:pPr>
+                      <a:r>
+                        <a:rPr lang="en-US" altLang="zh-CN" sz="1600" b="1" spc="130">
+                          <a:solidFill>
+                            <a:srgbClr val="FFFFFF"/>
+                          </a:solidFill>
+                          <a:latin typeface="微软雅黑" panose="020B0503020204020204" charset="-122"/>
+                          <a:ea typeface="微软雅黑" panose="020B0503020204020204" charset="-122"/>
+                        </a:rPr>
+                        <a:t>A</a:t>
+                      </a:r>
+                      <a:endParaRPr lang="en-US" altLang="zh-CN" sz="1600" b="1" spc="130">
+                        <a:solidFill>
+                          <a:srgbClr val="FFFFFF"/>
+                        </a:solidFill>
+                        <a:latin typeface="微软雅黑" panose="020B0503020204020204" charset="-122"/>
+                        <a:ea typeface="微软雅黑" panose="020B0503020204020204" charset="-122"/>
+                      </a:endParaRPr>
+                    </a:p>
+                  </a:txBody>
+                  <a:tcPr marL="45720" marR="45720" anchor="ctr">
+                    <a:lnL w="3175">
+                      <a:solidFill>
+                        <a:srgbClr val="FFFFFF"/>
+                      </a:solidFill>
+                      <a:prstDash val="dot"/>
+                    </a:lnL>
+                    <a:lnR w="3175">
+                      <a:solidFill>
+                        <a:srgbClr val="FFFFFF"/>
+                      </a:solidFill>
+                      <a:prstDash val="dot"/>
+                    </a:lnR>
+                    <a:lnT w="19050" cap="rnd">
+                      <a:solidFill>
+                        <a:srgbClr val="03A9F5"/>
+                      </a:solidFill>
+                      <a:prstDash val="solid"/>
+                    </a:lnT>
+                    <a:lnB w="19050">
+                      <a:solidFill>
+                        <a:srgbClr val="03A9F5"/>
+                      </a:solidFill>
+                      <a:prstDash val="solid"/>
+                    </a:lnB>
+                    <a:solidFill>
+                      <a:srgbClr val="03A9F5"/>
+                    </a:solidFill>
+                  </a:tcPr>
+                </a:tc>
+                <a:tc>
+                  <a:txBody>
+                    <a:bodyPr/>
+                    <a:p>
+                      <a:pPr indent="0" algn="ctr">
+                        <a:lnSpc>
+                          <a:spcPct val="120000"/>
+                        </a:lnSpc>
+                        <a:spcBef>
+                          <a:spcPts val="0"/>
+                        </a:spcBef>
+                        <a:spcAft>
+                          <a:spcPts val="0"/>
+                        </a:spcAft>
+                        <a:buNone/>
+                      </a:pPr>
+                      <a:r>
+                        <a:rPr lang="en-US" altLang="zh-CN" sz="1400" b="1" spc="130">
+                          <a:solidFill>
+                            <a:srgbClr val="FFFFFF"/>
+                          </a:solidFill>
+                          <a:latin typeface="微软雅黑" panose="020B0503020204020204" charset="-122"/>
+                          <a:ea typeface="微软雅黑" panose="020B0503020204020204" charset="-122"/>
+                        </a:rPr>
+                        <a:t>B</a:t>
+                      </a:r>
+                      <a:endParaRPr lang="en-US" altLang="zh-CN" sz="1400" b="1" spc="130">
+                        <a:solidFill>
+                          <a:srgbClr val="FFFFFF"/>
+                        </a:solidFill>
+                        <a:latin typeface="微软雅黑" panose="020B0503020204020204" charset="-122"/>
+                        <a:ea typeface="微软雅黑" panose="020B0503020204020204" charset="-122"/>
+                      </a:endParaRPr>
+                    </a:p>
+                  </a:txBody>
+                  <a:tcPr marL="45720" marR="45720" anchor="ctr">
+                    <a:lnL w="3175">
+                      <a:solidFill>
+                        <a:srgbClr val="FFFFFF"/>
+                      </a:solidFill>
+                      <a:prstDash val="dot"/>
+                    </a:lnL>
+                    <a:lnR w="3175">
+                      <a:solidFill>
+                        <a:srgbClr val="FFFFFF"/>
+                      </a:solidFill>
+                      <a:prstDash val="dot"/>
+                    </a:lnR>
+                    <a:lnT w="19050" cap="rnd">
+                      <a:solidFill>
+                        <a:srgbClr val="03A9F5"/>
+                      </a:solidFill>
+                      <a:prstDash val="solid"/>
+                    </a:lnT>
+                    <a:lnB w="19050">
+                      <a:solidFill>
+                        <a:srgbClr val="03A9F5"/>
+                      </a:solidFill>
+                      <a:prstDash val="solid"/>
+                    </a:lnB>
+                    <a:solidFill>
+                      <a:srgbClr val="03A9F5"/>
+                    </a:solidFill>
+                  </a:tcPr>
+                </a:tc>
+                <a:tc>
+                  <a:txBody>
+                    <a:bodyPr/>
+                    <a:p>
+                      <a:pPr algn="ctr">
+                        <a:lnSpc>
+                          <a:spcPct val="120000"/>
+                        </a:lnSpc>
+                        <a:spcBef>
+                          <a:spcPts val="0"/>
+                        </a:spcBef>
+                        <a:spcAft>
+                          <a:spcPts val="0"/>
+                        </a:spcAft>
+                        <a:buClrTx/>
+                        <a:buSzTx/>
+                        <a:buFontTx/>
+                        <a:buNone/>
+                      </a:pPr>
+                      <a:r>
+                        <a:rPr lang="en-US" altLang="zh-CN" sz="1400" b="1" spc="130">
+                          <a:solidFill>
+                            <a:srgbClr val="FFFFFF"/>
+                          </a:solidFill>
+                          <a:latin typeface="微软雅黑" panose="020B0503020204020204" charset="-122"/>
+                          <a:ea typeface="微软雅黑" panose="020B0503020204020204" charset="-122"/>
+                        </a:rPr>
+                        <a:t>C</a:t>
+                      </a:r>
+                      <a:endParaRPr lang="en-US" altLang="zh-CN" sz="1400" b="1" spc="130">
+                        <a:solidFill>
+                          <a:srgbClr val="FFFFFF"/>
+                        </a:solidFill>
+                        <a:latin typeface="微软雅黑" panose="020B0503020204020204" charset="-122"/>
+                        <a:ea typeface="微软雅黑" panose="020B0503020204020204" charset="-122"/>
+                      </a:endParaRPr>
+                    </a:p>
+                  </a:txBody>
+                  <a:tcPr marL="45720" marR="45720" anchor="ctr">
+                    <a:lnL w="3175">
+                      <a:solidFill>
+                        <a:srgbClr val="FFFFFF"/>
+                      </a:solidFill>
+                      <a:prstDash val="dot"/>
+                    </a:lnL>
+                    <a:lnR w="3175">
+                      <a:solidFill>
+                        <a:srgbClr val="FFFFFF"/>
+                      </a:solidFill>
+                      <a:prstDash val="dot"/>
+                    </a:lnR>
+                    <a:lnT w="19050" cap="rnd">
+                      <a:solidFill>
+                        <a:srgbClr val="03A9F5"/>
+                      </a:solidFill>
+                      <a:prstDash val="solid"/>
+                    </a:lnT>
+                    <a:lnB w="19050">
+                      <a:solidFill>
+                        <a:srgbClr val="03A9F5"/>
+                      </a:solidFill>
+                      <a:prstDash val="solid"/>
+                    </a:lnB>
+                    <a:solidFill>
+                      <a:srgbClr val="03A9F5"/>
+                    </a:solidFill>
+                  </a:tcPr>
+                </a:tc>
+                <a:tc>
+                  <a:txBody>
+                    <a:bodyPr/>
+                    <a:p>
+                      <a:pPr algn="ctr">
+                        <a:lnSpc>
+                          <a:spcPct val="120000"/>
+                        </a:lnSpc>
+                        <a:spcBef>
+                          <a:spcPts val="0"/>
+                        </a:spcBef>
+                        <a:spcAft>
+                          <a:spcPts val="0"/>
+                        </a:spcAft>
+                        <a:buClrTx/>
+                        <a:buSzTx/>
+                        <a:buFontTx/>
+                        <a:buNone/>
+                      </a:pPr>
+                      <a:r>
+                        <a:rPr lang="en-US" altLang="zh-CN" sz="1400" b="1" spc="130">
+                          <a:solidFill>
+                            <a:schemeClr val="accent4">
+                              <a:lumMod val="75000"/>
+                            </a:schemeClr>
+                          </a:solidFill>
+                          <a:latin typeface="微软雅黑" panose="020B0503020204020204" charset="-122"/>
+                          <a:ea typeface="微软雅黑" panose="020B0503020204020204" charset="-122"/>
+                        </a:rPr>
+                        <a:t>D</a:t>
+                      </a:r>
+                      <a:endParaRPr lang="en-US" altLang="zh-CN" sz="1400" b="1" spc="130">
+                        <a:solidFill>
+                          <a:schemeClr val="accent4">
+                            <a:lumMod val="75000"/>
+                          </a:schemeClr>
+                        </a:solidFill>
+                        <a:latin typeface="微软雅黑" panose="020B0503020204020204" charset="-122"/>
+                        <a:ea typeface="微软雅黑" panose="020B0503020204020204" charset="-122"/>
+                      </a:endParaRPr>
+                    </a:p>
+                  </a:txBody>
+                  <a:tcPr marL="45720" marR="45720" anchor="ctr">
+                    <a:lnL w="3175">
+                      <a:solidFill>
+                        <a:srgbClr val="FFFFFF"/>
+                      </a:solidFill>
+                      <a:prstDash val="dot"/>
+                    </a:lnL>
+                    <a:lnR w="19050" cap="rnd">
+                      <a:solidFill>
+                        <a:srgbClr val="03A9F5"/>
+                      </a:solidFill>
+                      <a:prstDash val="solid"/>
+                    </a:lnR>
+                    <a:lnT w="19050" cap="rnd">
+                      <a:solidFill>
+                        <a:srgbClr val="03A9F5"/>
+                      </a:solidFill>
+                      <a:prstDash val="solid"/>
+                    </a:lnT>
+                    <a:lnB w="19050">
+                      <a:solidFill>
+                        <a:srgbClr val="03A9F5"/>
+                      </a:solidFill>
+                      <a:prstDash val="solid"/>
+                    </a:lnB>
+                    <a:solidFill>
+                      <a:srgbClr val="03A9F5"/>
+                    </a:solidFill>
+                  </a:tcPr>
+                </a:tc>
+              </a:tr>
+              <a:tr h="824230">
+                <a:tc>
+                  <a:txBody>
+                    <a:bodyPr/>
+                    <a:p>
+                      <a:pPr indent="0" algn="ctr">
+                        <a:lnSpc>
+                          <a:spcPct val="120000"/>
+                        </a:lnSpc>
+                        <a:spcBef>
+                          <a:spcPts val="0"/>
+                        </a:spcBef>
+                        <a:spcAft>
+                          <a:spcPts val="0"/>
+                        </a:spcAft>
+                        <a:buNone/>
+                      </a:pPr>
+                      <a:r>
+                        <a:rPr lang="zh-CN" altLang="en-US" sz="1800" b="0" spc="130">
+                          <a:solidFill>
+                            <a:srgbClr val="002060"/>
+                          </a:solidFill>
+                          <a:latin typeface="微软雅黑" panose="020B0503020204020204" charset="-122"/>
+                          <a:ea typeface="微软雅黑" panose="020B0503020204020204" charset="-122"/>
+                        </a:rPr>
+                        <a:t>异常概率</a:t>
+                      </a:r>
+                      <a:r>
+                        <a:rPr lang="en-US" altLang="zh-CN" sz="1800" b="0" spc="130">
+                          <a:solidFill>
+                            <a:srgbClr val="002060"/>
+                          </a:solidFill>
+                          <a:latin typeface="微软雅黑" panose="020B0503020204020204" charset="-122"/>
+                          <a:ea typeface="微软雅黑" panose="020B0503020204020204" charset="-122"/>
+                        </a:rPr>
+                        <a:t>β</a:t>
+                      </a:r>
+                      <a:endParaRPr lang="en-US" altLang="zh-CN" sz="1800" b="0" spc="130">
+                        <a:solidFill>
+                          <a:srgbClr val="002060"/>
+                        </a:solidFill>
+                        <a:latin typeface="微软雅黑" panose="020B0503020204020204" charset="-122"/>
+                        <a:ea typeface="微软雅黑" panose="020B0503020204020204" charset="-122"/>
+                      </a:endParaRPr>
+                    </a:p>
+                  </a:txBody>
+                  <a:tcPr marL="45720" marR="45720" anchor="ctr">
+                    <a:lnL w="19050" cap="rnd">
+                      <a:solidFill>
+                        <a:srgbClr val="03A9F5"/>
+                      </a:solidFill>
+                      <a:prstDash val="solid"/>
+                    </a:lnL>
+                    <a:lnR w="3175">
+                      <a:solidFill>
+                        <a:srgbClr val="03A9F5"/>
+                      </a:solidFill>
+                      <a:prstDash val="dot"/>
+                    </a:lnR>
+                    <a:lnT w="19050">
+                      <a:solidFill>
+                        <a:srgbClr val="03A9F5"/>
+                      </a:solidFill>
+                      <a:prstDash val="solid"/>
+                    </a:lnT>
+                    <a:lnB w="19050" cap="rnd">
+                      <a:solidFill>
+                        <a:srgbClr val="03A9F5"/>
+                      </a:solidFill>
+                      <a:prstDash val="solid"/>
+                    </a:lnB>
+                    <a:solidFill>
+                      <a:srgbClr val="F2F2F2"/>
+                    </a:solidFill>
+                  </a:tcPr>
+                </a:tc>
+                <a:tc>
+                  <a:txBody>
+                    <a:bodyPr/>
+                    <a:p>
+                      <a:pPr indent="0" algn="ctr">
+                        <a:lnSpc>
+                          <a:spcPct val="120000"/>
+                        </a:lnSpc>
+                        <a:spcBef>
+                          <a:spcPts val="0"/>
+                        </a:spcBef>
+                        <a:spcAft>
+                          <a:spcPts val="0"/>
+                        </a:spcAft>
+                        <a:buNone/>
+                      </a:pPr>
+                      <a:endParaRPr lang="zh-CN" altLang="en-US" sz="1800" b="0" spc="130">
+                        <a:solidFill>
+                          <a:srgbClr val="404040"/>
+                        </a:solidFill>
+                        <a:latin typeface="微软雅黑" panose="020B0503020204020204" charset="-122"/>
+                        <a:ea typeface="微软雅黑" panose="020B0503020204020204" charset="-122"/>
+                      </a:endParaRPr>
+                    </a:p>
+                  </a:txBody>
+                  <a:tcPr marL="45720" marR="45720" anchor="ctr">
+                    <a:lnL w="3175">
+                      <a:solidFill>
+                        <a:srgbClr val="03A9F5"/>
+                      </a:solidFill>
+                      <a:prstDash val="dot"/>
+                    </a:lnL>
+                    <a:lnR w="3175">
+                      <a:solidFill>
+                        <a:srgbClr val="03A9F5"/>
+                      </a:solidFill>
+                      <a:prstDash val="dot"/>
+                    </a:lnR>
+                    <a:lnT w="19050">
+                      <a:solidFill>
+                        <a:srgbClr val="03A9F5"/>
+                      </a:solidFill>
+                      <a:prstDash val="solid"/>
+                    </a:lnT>
+                    <a:lnB w="19050" cap="rnd">
+                      <a:solidFill>
+                        <a:srgbClr val="03A9F5"/>
+                      </a:solidFill>
+                      <a:prstDash val="solid"/>
+                    </a:lnB>
+                    <a:solidFill>
+                      <a:srgbClr val="F2F2F2"/>
+                    </a:solidFill>
+                  </a:tcPr>
+                </a:tc>
+                <a:tc>
+                  <a:txBody>
+                    <a:bodyPr/>
+                    <a:p>
+                      <a:pPr indent="0" algn="ctr">
+                        <a:lnSpc>
+                          <a:spcPct val="120000"/>
+                        </a:lnSpc>
+                        <a:spcBef>
+                          <a:spcPts val="0"/>
+                        </a:spcBef>
+                        <a:spcAft>
+                          <a:spcPts val="0"/>
+                        </a:spcAft>
+                        <a:buNone/>
+                      </a:pPr>
+                      <a:endParaRPr lang="zh-CN" altLang="en-US" sz="1800" b="0" spc="130">
+                        <a:solidFill>
+                          <a:srgbClr val="404040"/>
+                        </a:solidFill>
+                        <a:latin typeface="微软雅黑" panose="020B0503020204020204" charset="-122"/>
+                        <a:ea typeface="微软雅黑" panose="020B0503020204020204" charset="-122"/>
+                      </a:endParaRPr>
+                    </a:p>
+                  </a:txBody>
+                  <a:tcPr marL="45720" marR="45720" anchor="ctr">
+                    <a:lnL w="3175">
+                      <a:solidFill>
+                        <a:srgbClr val="03A9F5"/>
+                      </a:solidFill>
+                      <a:prstDash val="dot"/>
+                    </a:lnL>
+                    <a:lnR w="3175">
+                      <a:solidFill>
+                        <a:srgbClr val="03A9F5"/>
+                      </a:solidFill>
+                      <a:prstDash val="dot"/>
+                    </a:lnR>
+                    <a:lnT w="19050">
+                      <a:solidFill>
+                        <a:srgbClr val="03A9F5"/>
+                      </a:solidFill>
+                      <a:prstDash val="solid"/>
+                    </a:lnT>
+                    <a:lnB w="19050" cap="rnd">
+                      <a:solidFill>
+                        <a:srgbClr val="03A9F5"/>
+                      </a:solidFill>
+                      <a:prstDash val="solid"/>
+                    </a:lnB>
+                    <a:solidFill>
+                      <a:srgbClr val="F2F2F2"/>
+                    </a:solidFill>
+                  </a:tcPr>
+                </a:tc>
+                <a:tc>
+                  <a:txBody>
+                    <a:bodyPr/>
+                    <a:p>
+                      <a:pPr indent="0" algn="ctr">
+                        <a:lnSpc>
+                          <a:spcPct val="120000"/>
+                        </a:lnSpc>
+                        <a:spcBef>
+                          <a:spcPts val="0"/>
+                        </a:spcBef>
+                        <a:spcAft>
+                          <a:spcPts val="0"/>
+                        </a:spcAft>
+                        <a:buNone/>
+                      </a:pPr>
+                      <a:endParaRPr lang="zh-CN" altLang="en-US" sz="1800" b="0" spc="130">
+                        <a:solidFill>
+                          <a:srgbClr val="404040"/>
+                        </a:solidFill>
+                        <a:latin typeface="微软雅黑" panose="020B0503020204020204" charset="-122"/>
+                        <a:ea typeface="微软雅黑" panose="020B0503020204020204" charset="-122"/>
+                      </a:endParaRPr>
+                    </a:p>
+                  </a:txBody>
+                  <a:tcPr marL="45720" marR="45720" anchor="ctr">
+                    <a:lnL w="3175">
+                      <a:solidFill>
+                        <a:srgbClr val="03A9F5"/>
+                      </a:solidFill>
+                      <a:prstDash val="dot"/>
+                    </a:lnL>
+                    <a:lnR w="3175">
+                      <a:solidFill>
+                        <a:srgbClr val="03A9F5"/>
+                      </a:solidFill>
+                      <a:prstDash val="dot"/>
+                    </a:lnR>
+                    <a:lnT w="19050">
+                      <a:solidFill>
+                        <a:srgbClr val="03A9F5"/>
+                      </a:solidFill>
+                      <a:prstDash val="solid"/>
+                    </a:lnT>
+                    <a:lnB w="19050" cap="rnd">
+                      <a:solidFill>
+                        <a:srgbClr val="03A9F5"/>
+                      </a:solidFill>
+                      <a:prstDash val="solid"/>
+                    </a:lnB>
+                    <a:solidFill>
+                      <a:srgbClr val="F2F2F2"/>
+                    </a:solidFill>
+                  </a:tcPr>
+                </a:tc>
+                <a:tc>
+                  <a:txBody>
+                    <a:bodyPr/>
+                    <a:p>
+                      <a:pPr indent="0" algn="ctr">
+                        <a:lnSpc>
+                          <a:spcPct val="120000"/>
+                        </a:lnSpc>
+                        <a:spcBef>
+                          <a:spcPts val="0"/>
+                        </a:spcBef>
+                        <a:spcAft>
+                          <a:spcPts val="0"/>
+                        </a:spcAft>
+                        <a:buNone/>
+                      </a:pPr>
+                      <a:endParaRPr lang="zh-CN" altLang="en-US" sz="1800" b="0" spc="130">
+                        <a:solidFill>
+                          <a:srgbClr val="404040"/>
+                        </a:solidFill>
+                        <a:latin typeface="微软雅黑" panose="020B0503020204020204" charset="-122"/>
+                        <a:ea typeface="微软雅黑" panose="020B0503020204020204" charset="-122"/>
+                      </a:endParaRPr>
+                    </a:p>
+                  </a:txBody>
+                  <a:tcPr marL="45720" marR="45720" anchor="ctr">
+                    <a:lnL w="3175">
+                      <a:solidFill>
+                        <a:srgbClr val="03A9F5"/>
+                      </a:solidFill>
+                      <a:prstDash val="dot"/>
+                    </a:lnL>
+                    <a:lnR w="19050" cap="rnd">
+                      <a:solidFill>
+                        <a:srgbClr val="03A9F5"/>
+                      </a:solidFill>
+                      <a:prstDash val="solid"/>
+                    </a:lnR>
+                    <a:lnT w="19050">
+                      <a:solidFill>
+                        <a:srgbClr val="03A9F5"/>
+                      </a:solidFill>
+                      <a:prstDash val="solid"/>
+                    </a:lnT>
+                    <a:lnB w="19050" cap="rnd">
+                      <a:solidFill>
+                        <a:srgbClr val="03A9F5"/>
+                      </a:solidFill>
+                      <a:prstDash val="solid"/>
+                    </a:lnB>
+                    <a:solidFill>
+                      <a:srgbClr val="F2F2F2"/>
+                    </a:solidFill>
+                  </a:tcPr>
+                </a:tc>
+              </a:tr>
+            </a:tbl>
+          </a:graphicData>
+        </a:graphic>
+      </p:graphicFrame>
       <p:grpSp>
         <p:nvGrpSpPr>
           <p:cNvPr id="39" name="组合 38"/>
@@ -3172,7 +4615,7 @@
         </p:nvGrpSpPr>
         <p:grpSpPr>
           <a:xfrm>
-            <a:off x="218440" y="3140075"/>
+            <a:off x="1131570" y="672465"/>
             <a:ext cx="5207635" cy="3117215"/>
             <a:chOff x="416" y="2258"/>
             <a:chExt cx="13898" cy="8052"/>
@@ -3180,7 +4623,7 @@
         </p:grpSpPr>
         <p:cxnSp>
           <p:nvCxnSpPr>
-            <p:cNvPr id="6" name="肘形连接符 5"/>
+            <p:cNvPr id="13" name="肘形连接符 12"/>
             <p:cNvCxnSpPr/>
             <p:nvPr/>
           </p:nvCxnSpPr>
@@ -3215,7 +4658,7 @@
         </p:cxnSp>
         <p:cxnSp>
           <p:nvCxnSpPr>
-            <p:cNvPr id="8" name="肘形连接符 7"/>
+            <p:cNvPr id="14" name="肘形连接符 13"/>
             <p:cNvCxnSpPr/>
             <p:nvPr/>
           </p:nvCxnSpPr>
@@ -3253,7 +4696,7 @@
         </p:cxnSp>
         <p:cxnSp>
           <p:nvCxnSpPr>
-            <p:cNvPr id="9" name="肘形连接符 8"/>
+            <p:cNvPr id="15" name="肘形连接符 14"/>
             <p:cNvCxnSpPr/>
             <p:nvPr/>
           </p:nvCxnSpPr>
@@ -3293,7 +4736,7 @@
         </p:cxnSp>
         <p:cxnSp>
           <p:nvCxnSpPr>
-            <p:cNvPr id="10" name="肘形连接符 9"/>
+            <p:cNvPr id="16" name="肘形连接符 15"/>
             <p:cNvCxnSpPr/>
             <p:nvPr/>
           </p:nvCxnSpPr>
@@ -3333,258 +4776,13 @@
         </p:cxnSp>
         <p:sp>
           <p:nvSpPr>
-            <p:cNvPr id="11" name="椭圆 10"/>
+            <p:cNvPr id="17" name="椭圆 16"/>
             <p:cNvSpPr/>
             <p:nvPr/>
           </p:nvSpPr>
           <p:spPr>
             <a:xfrm>
               <a:off x="1472" y="6510"/>
-              <a:ext cx="241" cy="241"/>
-            </a:xfrm>
-            <a:prstGeom prst="ellipse">
-              <a:avLst/>
-            </a:prstGeom>
-            <a:solidFill>
-              <a:schemeClr val="bg1">
-                <a:lumMod val="65000"/>
-              </a:schemeClr>
-            </a:solidFill>
-            <a:ln>
-              <a:solidFill>
-                <a:schemeClr val="bg1"/>
-              </a:solidFill>
-            </a:ln>
-          </p:spPr>
-          <p:style>
-            <a:lnRef idx="2">
-              <a:schemeClr val="accent1">
-                <a:shade val="50000"/>
-              </a:schemeClr>
-            </a:lnRef>
-            <a:fillRef idx="1">
-              <a:schemeClr val="accent1"/>
-            </a:fillRef>
-            <a:effectRef idx="0">
-              <a:schemeClr val="accent1"/>
-            </a:effectRef>
-            <a:fontRef idx="minor">
-              <a:schemeClr val="lt1"/>
-            </a:fontRef>
-          </p:style>
-          <p:txBody>
-            <a:bodyPr rtlCol="0" anchor="ctr"/>
-            <a:p>
-              <a:pPr algn="ctr"/>
-              <a:endParaRPr lang="zh-CN" altLang="en-US"/>
-            </a:p>
-          </p:txBody>
-        </p:sp>
-        <p:sp>
-          <p:nvSpPr>
-            <p:cNvPr id="12" name="椭圆 11"/>
-            <p:cNvSpPr/>
-            <p:nvPr/>
-          </p:nvSpPr>
-          <p:spPr>
-            <a:xfrm>
-              <a:off x="6566" y="6513"/>
-              <a:ext cx="241" cy="241"/>
-            </a:xfrm>
-            <a:prstGeom prst="ellipse">
-              <a:avLst/>
-            </a:prstGeom>
-            <a:solidFill>
-              <a:schemeClr val="bg1">
-                <a:lumMod val="65000"/>
-              </a:schemeClr>
-            </a:solidFill>
-            <a:ln>
-              <a:solidFill>
-                <a:schemeClr val="bg1"/>
-              </a:solidFill>
-            </a:ln>
-          </p:spPr>
-          <p:style>
-            <a:lnRef idx="2">
-              <a:schemeClr val="accent1">
-                <a:shade val="50000"/>
-              </a:schemeClr>
-            </a:lnRef>
-            <a:fillRef idx="1">
-              <a:schemeClr val="accent1"/>
-            </a:fillRef>
-            <a:effectRef idx="0">
-              <a:schemeClr val="accent1"/>
-            </a:effectRef>
-            <a:fontRef idx="minor">
-              <a:schemeClr val="lt1"/>
-            </a:fontRef>
-          </p:style>
-          <p:txBody>
-            <a:bodyPr rtlCol="0" anchor="ctr"/>
-            <a:p>
-              <a:pPr algn="ctr"/>
-              <a:endParaRPr lang="zh-CN" altLang="en-US"/>
-            </a:p>
-          </p:txBody>
-        </p:sp>
-        <p:sp>
-          <p:nvSpPr>
-            <p:cNvPr id="13" name="椭圆 12"/>
-            <p:cNvSpPr/>
-            <p:nvPr/>
-          </p:nvSpPr>
-          <p:spPr>
-            <a:xfrm>
-              <a:off x="6566" y="7611"/>
-              <a:ext cx="241" cy="241"/>
-            </a:xfrm>
-            <a:prstGeom prst="ellipse">
-              <a:avLst/>
-            </a:prstGeom>
-            <a:solidFill>
-              <a:schemeClr val="bg1">
-                <a:lumMod val="65000"/>
-              </a:schemeClr>
-            </a:solidFill>
-            <a:ln>
-              <a:solidFill>
-                <a:schemeClr val="bg1"/>
-              </a:solidFill>
-            </a:ln>
-          </p:spPr>
-          <p:style>
-            <a:lnRef idx="2">
-              <a:schemeClr val="accent1">
-                <a:shade val="50000"/>
-              </a:schemeClr>
-            </a:lnRef>
-            <a:fillRef idx="1">
-              <a:schemeClr val="accent1"/>
-            </a:fillRef>
-            <a:effectRef idx="0">
-              <a:schemeClr val="accent1"/>
-            </a:effectRef>
-            <a:fontRef idx="minor">
-              <a:schemeClr val="lt1"/>
-            </a:fontRef>
-          </p:style>
-          <p:txBody>
-            <a:bodyPr rtlCol="0" anchor="ctr"/>
-            <a:p>
-              <a:pPr algn="ctr"/>
-              <a:endParaRPr lang="zh-CN" altLang="en-US"/>
-            </a:p>
-          </p:txBody>
-        </p:sp>
-        <p:sp>
-          <p:nvSpPr>
-            <p:cNvPr id="14" name="椭圆 13"/>
-            <p:cNvSpPr/>
-            <p:nvPr/>
-          </p:nvSpPr>
-          <p:spPr>
-            <a:xfrm>
-              <a:off x="7975" y="6542"/>
-              <a:ext cx="241" cy="241"/>
-            </a:xfrm>
-            <a:prstGeom prst="ellipse">
-              <a:avLst/>
-            </a:prstGeom>
-            <a:solidFill>
-              <a:schemeClr val="bg1">
-                <a:lumMod val="65000"/>
-              </a:schemeClr>
-            </a:solidFill>
-            <a:ln>
-              <a:solidFill>
-                <a:schemeClr val="bg1"/>
-              </a:solidFill>
-            </a:ln>
-          </p:spPr>
-          <p:style>
-            <a:lnRef idx="2">
-              <a:schemeClr val="accent1">
-                <a:shade val="50000"/>
-              </a:schemeClr>
-            </a:lnRef>
-            <a:fillRef idx="1">
-              <a:schemeClr val="accent1"/>
-            </a:fillRef>
-            <a:effectRef idx="0">
-              <a:schemeClr val="accent1"/>
-            </a:effectRef>
-            <a:fontRef idx="minor">
-              <a:schemeClr val="lt1"/>
-            </a:fontRef>
-          </p:style>
-          <p:txBody>
-            <a:bodyPr rtlCol="0" anchor="ctr"/>
-            <a:p>
-              <a:pPr algn="ctr"/>
-              <a:endParaRPr lang="zh-CN" altLang="en-US"/>
-            </a:p>
-          </p:txBody>
-        </p:sp>
-        <p:sp>
-          <p:nvSpPr>
-            <p:cNvPr id="15" name="椭圆 14"/>
-            <p:cNvSpPr/>
-            <p:nvPr/>
-          </p:nvSpPr>
-          <p:spPr>
-            <a:xfrm>
-              <a:off x="9917" y="5571"/>
-              <a:ext cx="241" cy="241"/>
-            </a:xfrm>
-            <a:prstGeom prst="ellipse">
-              <a:avLst/>
-            </a:prstGeom>
-            <a:solidFill>
-              <a:schemeClr val="bg1">
-                <a:lumMod val="65000"/>
-              </a:schemeClr>
-            </a:solidFill>
-            <a:ln>
-              <a:solidFill>
-                <a:schemeClr val="bg1"/>
-              </a:solidFill>
-            </a:ln>
-          </p:spPr>
-          <p:style>
-            <a:lnRef idx="2">
-              <a:schemeClr val="accent1">
-                <a:shade val="50000"/>
-              </a:schemeClr>
-            </a:lnRef>
-            <a:fillRef idx="1">
-              <a:schemeClr val="accent1"/>
-            </a:fillRef>
-            <a:effectRef idx="0">
-              <a:schemeClr val="accent1"/>
-            </a:effectRef>
-            <a:fontRef idx="minor">
-              <a:schemeClr val="lt1"/>
-            </a:fontRef>
-          </p:style>
-          <p:txBody>
-            <a:bodyPr rtlCol="0" anchor="ctr"/>
-            <a:p>
-              <a:pPr algn="ctr"/>
-              <a:endParaRPr lang="zh-CN" altLang="en-US"/>
-            </a:p>
-          </p:txBody>
-        </p:sp>
-        <p:sp>
-          <p:nvSpPr>
-            <p:cNvPr id="16" name="椭圆 15"/>
-            <p:cNvSpPr/>
-            <p:nvPr/>
-          </p:nvSpPr>
-          <p:spPr>
-            <a:xfrm>
-              <a:off x="9917" y="6513"/>
               <a:ext cx="241" cy="241"/>
             </a:xfrm>
             <a:prstGeom prst="ellipse">
@@ -3633,7 +4831,7 @@
           </p:nvSpPr>
           <p:spPr>
             <a:xfrm>
-              <a:off x="5518" y="3057"/>
+              <a:off x="6566" y="6513"/>
               <a:ext cx="241" cy="241"/>
             </a:xfrm>
             <a:prstGeom prst="ellipse">
@@ -3682,7 +4880,7 @@
           </p:nvSpPr>
           <p:spPr>
             <a:xfrm>
-              <a:off x="6904" y="3057"/>
+              <a:off x="6566" y="7611"/>
               <a:ext cx="241" cy="241"/>
             </a:xfrm>
             <a:prstGeom prst="ellipse">
@@ -3731,7 +4929,7 @@
           </p:nvSpPr>
           <p:spPr>
             <a:xfrm>
-              <a:off x="8441" y="3057"/>
+              <a:off x="7975" y="6542"/>
               <a:ext cx="241" cy="241"/>
             </a:xfrm>
             <a:prstGeom prst="ellipse">
@@ -3780,7 +4978,7 @@
           </p:nvSpPr>
           <p:spPr>
             <a:xfrm>
-              <a:off x="3468" y="3057"/>
+              <a:off x="9917" y="5571"/>
               <a:ext cx="241" cy="241"/>
             </a:xfrm>
             <a:prstGeom prst="ellipse">
@@ -3829,7 +5027,7 @@
           </p:nvSpPr>
           <p:spPr>
             <a:xfrm>
-              <a:off x="3142" y="6542"/>
+              <a:off x="9917" y="6513"/>
               <a:ext cx="241" cy="241"/>
             </a:xfrm>
             <a:prstGeom prst="ellipse">
@@ -3878,7 +5076,7 @@
           </p:nvSpPr>
           <p:spPr>
             <a:xfrm>
-              <a:off x="4339" y="6541"/>
+              <a:off x="5518" y="3057"/>
               <a:ext cx="241" cy="241"/>
             </a:xfrm>
             <a:prstGeom prst="ellipse">
@@ -3927,7 +5125,7 @@
           </p:nvSpPr>
           <p:spPr>
             <a:xfrm>
-              <a:off x="5558" y="6513"/>
+              <a:off x="6904" y="3057"/>
               <a:ext cx="241" cy="241"/>
             </a:xfrm>
             <a:prstGeom prst="ellipse">
@@ -3976,7 +5174,7 @@
           </p:nvSpPr>
           <p:spPr>
             <a:xfrm>
-              <a:off x="2472" y="7611"/>
+              <a:off x="8441" y="3057"/>
               <a:ext cx="241" cy="241"/>
             </a:xfrm>
             <a:prstGeom prst="ellipse">
@@ -4025,7 +5223,7 @@
           </p:nvSpPr>
           <p:spPr>
             <a:xfrm>
-              <a:off x="3930" y="7611"/>
+              <a:off x="3468" y="3057"/>
               <a:ext cx="241" cy="241"/>
             </a:xfrm>
             <a:prstGeom prst="ellipse">
@@ -4074,7 +5272,7 @@
           </p:nvSpPr>
           <p:spPr>
             <a:xfrm>
-              <a:off x="5248" y="7611"/>
+              <a:off x="3142" y="6542"/>
               <a:ext cx="241" cy="241"/>
             </a:xfrm>
             <a:prstGeom prst="ellipse">
@@ -4123,7 +5321,7 @@
           </p:nvSpPr>
           <p:spPr>
             <a:xfrm>
-              <a:off x="6566" y="8975"/>
+              <a:off x="4339" y="6541"/>
               <a:ext cx="241" cy="241"/>
             </a:xfrm>
             <a:prstGeom prst="ellipse">
@@ -4172,7 +5370,7 @@
           </p:nvSpPr>
           <p:spPr>
             <a:xfrm>
-              <a:off x="6566" y="5401"/>
+              <a:off x="5558" y="6513"/>
               <a:ext cx="241" cy="241"/>
             </a:xfrm>
             <a:prstGeom prst="ellipse">
@@ -4221,7 +5419,7 @@
           </p:nvSpPr>
           <p:spPr>
             <a:xfrm>
-              <a:off x="5518" y="4437"/>
+              <a:off x="2472" y="7611"/>
               <a:ext cx="241" cy="241"/>
             </a:xfrm>
             <a:prstGeom prst="ellipse">
@@ -4270,7 +5468,7 @@
           </p:nvSpPr>
           <p:spPr>
             <a:xfrm>
-              <a:off x="11286" y="5571"/>
+              <a:off x="3930" y="7611"/>
               <a:ext cx="241" cy="241"/>
             </a:xfrm>
             <a:prstGeom prst="ellipse">
@@ -4319,7 +5517,7 @@
           </p:nvSpPr>
           <p:spPr>
             <a:xfrm>
-              <a:off x="12942" y="5571"/>
+              <a:off x="5248" y="7611"/>
               <a:ext cx="241" cy="241"/>
             </a:xfrm>
             <a:prstGeom prst="ellipse">
@@ -4368,7 +5566,7 @@
           </p:nvSpPr>
           <p:spPr>
             <a:xfrm>
-              <a:off x="11859" y="6510"/>
+              <a:off x="6566" y="8975"/>
               <a:ext cx="241" cy="241"/>
             </a:xfrm>
             <a:prstGeom prst="ellipse">
@@ -4417,7 +5615,7 @@
           </p:nvSpPr>
           <p:spPr>
             <a:xfrm>
-              <a:off x="13638" y="6510"/>
+              <a:off x="6566" y="5401"/>
               <a:ext cx="241" cy="241"/>
             </a:xfrm>
             <a:prstGeom prst="ellipse">
@@ -4466,7 +5664,7 @@
           </p:nvSpPr>
           <p:spPr>
             <a:xfrm>
-              <a:off x="9917" y="3410"/>
+              <a:off x="5518" y="4437"/>
               <a:ext cx="241" cy="241"/>
             </a:xfrm>
             <a:prstGeom prst="ellipse">
@@ -4515,7 +5713,7 @@
           </p:nvSpPr>
           <p:spPr>
             <a:xfrm>
-              <a:off x="9917" y="4545"/>
+              <a:off x="11286" y="5571"/>
               <a:ext cx="241" cy="241"/>
             </a:xfrm>
             <a:prstGeom prst="ellipse">
@@ -4564,7 +5762,7 @@
           </p:nvSpPr>
           <p:spPr>
             <a:xfrm>
-              <a:off x="9917" y="7814"/>
+              <a:off x="12942" y="5571"/>
               <a:ext cx="241" cy="241"/>
             </a:xfrm>
             <a:prstGeom prst="ellipse">
@@ -4613,6 +5811,251 @@
           </p:nvSpPr>
           <p:spPr>
             <a:xfrm>
+              <a:off x="11859" y="6510"/>
+              <a:ext cx="241" cy="241"/>
+            </a:xfrm>
+            <a:prstGeom prst="ellipse">
+              <a:avLst/>
+            </a:prstGeom>
+            <a:solidFill>
+              <a:schemeClr val="bg1">
+                <a:lumMod val="65000"/>
+              </a:schemeClr>
+            </a:solidFill>
+            <a:ln>
+              <a:solidFill>
+                <a:schemeClr val="bg1"/>
+              </a:solidFill>
+            </a:ln>
+          </p:spPr>
+          <p:style>
+            <a:lnRef idx="2">
+              <a:schemeClr val="accent1">
+                <a:shade val="50000"/>
+              </a:schemeClr>
+            </a:lnRef>
+            <a:fillRef idx="1">
+              <a:schemeClr val="accent1"/>
+            </a:fillRef>
+            <a:effectRef idx="0">
+              <a:schemeClr val="accent1"/>
+            </a:effectRef>
+            <a:fontRef idx="minor">
+              <a:schemeClr val="lt1"/>
+            </a:fontRef>
+          </p:style>
+          <p:txBody>
+            <a:bodyPr rtlCol="0" anchor="ctr"/>
+            <a:p>
+              <a:pPr algn="ctr"/>
+              <a:endParaRPr lang="zh-CN" altLang="en-US"/>
+            </a:p>
+          </p:txBody>
+        </p:sp>
+        <p:sp>
+          <p:nvSpPr>
+            <p:cNvPr id="40" name="椭圆 39"/>
+            <p:cNvSpPr/>
+            <p:nvPr/>
+          </p:nvSpPr>
+          <p:spPr>
+            <a:xfrm>
+              <a:off x="13638" y="6510"/>
+              <a:ext cx="241" cy="241"/>
+            </a:xfrm>
+            <a:prstGeom prst="ellipse">
+              <a:avLst/>
+            </a:prstGeom>
+            <a:solidFill>
+              <a:schemeClr val="bg1">
+                <a:lumMod val="65000"/>
+              </a:schemeClr>
+            </a:solidFill>
+            <a:ln>
+              <a:solidFill>
+                <a:schemeClr val="bg1"/>
+              </a:solidFill>
+            </a:ln>
+          </p:spPr>
+          <p:style>
+            <a:lnRef idx="2">
+              <a:schemeClr val="accent1">
+                <a:shade val="50000"/>
+              </a:schemeClr>
+            </a:lnRef>
+            <a:fillRef idx="1">
+              <a:schemeClr val="accent1"/>
+            </a:fillRef>
+            <a:effectRef idx="0">
+              <a:schemeClr val="accent1"/>
+            </a:effectRef>
+            <a:fontRef idx="minor">
+              <a:schemeClr val="lt1"/>
+            </a:fontRef>
+          </p:style>
+          <p:txBody>
+            <a:bodyPr rtlCol="0" anchor="ctr"/>
+            <a:p>
+              <a:pPr algn="ctr"/>
+              <a:endParaRPr lang="zh-CN" altLang="en-US"/>
+            </a:p>
+          </p:txBody>
+        </p:sp>
+        <p:sp>
+          <p:nvSpPr>
+            <p:cNvPr id="41" name="椭圆 40"/>
+            <p:cNvSpPr/>
+            <p:nvPr/>
+          </p:nvSpPr>
+          <p:spPr>
+            <a:xfrm>
+              <a:off x="9917" y="3410"/>
+              <a:ext cx="241" cy="241"/>
+            </a:xfrm>
+            <a:prstGeom prst="ellipse">
+              <a:avLst/>
+            </a:prstGeom>
+            <a:solidFill>
+              <a:schemeClr val="bg1">
+                <a:lumMod val="65000"/>
+              </a:schemeClr>
+            </a:solidFill>
+            <a:ln>
+              <a:solidFill>
+                <a:schemeClr val="bg1"/>
+              </a:solidFill>
+            </a:ln>
+          </p:spPr>
+          <p:style>
+            <a:lnRef idx="2">
+              <a:schemeClr val="accent1">
+                <a:shade val="50000"/>
+              </a:schemeClr>
+            </a:lnRef>
+            <a:fillRef idx="1">
+              <a:schemeClr val="accent1"/>
+            </a:fillRef>
+            <a:effectRef idx="0">
+              <a:schemeClr val="accent1"/>
+            </a:effectRef>
+            <a:fontRef idx="minor">
+              <a:schemeClr val="lt1"/>
+            </a:fontRef>
+          </p:style>
+          <p:txBody>
+            <a:bodyPr rtlCol="0" anchor="ctr"/>
+            <a:p>
+              <a:pPr algn="ctr"/>
+              <a:endParaRPr lang="zh-CN" altLang="en-US"/>
+            </a:p>
+          </p:txBody>
+        </p:sp>
+        <p:sp>
+          <p:nvSpPr>
+            <p:cNvPr id="42" name="椭圆 41"/>
+            <p:cNvSpPr/>
+            <p:nvPr/>
+          </p:nvSpPr>
+          <p:spPr>
+            <a:xfrm>
+              <a:off x="9917" y="4545"/>
+              <a:ext cx="241" cy="241"/>
+            </a:xfrm>
+            <a:prstGeom prst="ellipse">
+              <a:avLst/>
+            </a:prstGeom>
+            <a:solidFill>
+              <a:schemeClr val="bg1">
+                <a:lumMod val="65000"/>
+              </a:schemeClr>
+            </a:solidFill>
+            <a:ln>
+              <a:solidFill>
+                <a:schemeClr val="bg1"/>
+              </a:solidFill>
+            </a:ln>
+          </p:spPr>
+          <p:style>
+            <a:lnRef idx="2">
+              <a:schemeClr val="accent1">
+                <a:shade val="50000"/>
+              </a:schemeClr>
+            </a:lnRef>
+            <a:fillRef idx="1">
+              <a:schemeClr val="accent1"/>
+            </a:fillRef>
+            <a:effectRef idx="0">
+              <a:schemeClr val="accent1"/>
+            </a:effectRef>
+            <a:fontRef idx="minor">
+              <a:schemeClr val="lt1"/>
+            </a:fontRef>
+          </p:style>
+          <p:txBody>
+            <a:bodyPr rtlCol="0" anchor="ctr"/>
+            <a:p>
+              <a:pPr algn="ctr"/>
+              <a:endParaRPr lang="zh-CN" altLang="en-US"/>
+            </a:p>
+          </p:txBody>
+        </p:sp>
+        <p:sp>
+          <p:nvSpPr>
+            <p:cNvPr id="43" name="椭圆 42"/>
+            <p:cNvSpPr/>
+            <p:nvPr/>
+          </p:nvSpPr>
+          <p:spPr>
+            <a:xfrm>
+              <a:off x="9917" y="7814"/>
+              <a:ext cx="241" cy="241"/>
+            </a:xfrm>
+            <a:prstGeom prst="ellipse">
+              <a:avLst/>
+            </a:prstGeom>
+            <a:solidFill>
+              <a:schemeClr val="bg1">
+                <a:lumMod val="65000"/>
+              </a:schemeClr>
+            </a:solidFill>
+            <a:ln>
+              <a:solidFill>
+                <a:schemeClr val="bg1"/>
+              </a:solidFill>
+            </a:ln>
+          </p:spPr>
+          <p:style>
+            <a:lnRef idx="2">
+              <a:schemeClr val="accent1">
+                <a:shade val="50000"/>
+              </a:schemeClr>
+            </a:lnRef>
+            <a:fillRef idx="1">
+              <a:schemeClr val="accent1"/>
+            </a:fillRef>
+            <a:effectRef idx="0">
+              <a:schemeClr val="accent1"/>
+            </a:effectRef>
+            <a:fontRef idx="minor">
+              <a:schemeClr val="lt1"/>
+            </a:fontRef>
+          </p:style>
+          <p:txBody>
+            <a:bodyPr rtlCol="0" anchor="ctr"/>
+            <a:p>
+              <a:pPr algn="ctr"/>
+              <a:endParaRPr lang="zh-CN" altLang="en-US"/>
+            </a:p>
+          </p:txBody>
+        </p:sp>
+        <p:sp>
+          <p:nvSpPr>
+            <p:cNvPr id="44" name="椭圆 43"/>
+            <p:cNvSpPr/>
+            <p:nvPr/>
+          </p:nvSpPr>
+          <p:spPr>
+            <a:xfrm>
               <a:off x="9917" y="9235"/>
               <a:ext cx="241" cy="241"/>
             </a:xfrm>
@@ -4655,15 +6098,1532 @@
           </p:txBody>
         </p:sp>
       </p:grpSp>
+    </p:spTree>
+    <p:custDataLst>
+      <p:tags r:id="rId3"/>
+    </p:custDataLst>
+  </p:cSld>
+  <p:clrMapOvr>
+    <a:masterClrMapping/>
+  </p:clrMapOvr>
+</p:sld>
+</file>
+
+<file path=ppt/slides/slide3.xml><?xml version="1.0" encoding="utf-8"?>
+<p:sld xmlns:a="http://schemas.openxmlformats.org/drawingml/2006/main" xmlns:r="http://schemas.openxmlformats.org/officeDocument/2006/relationships" xmlns:p="http://schemas.openxmlformats.org/presentationml/2006/main">
+  <p:cSld>
+    <p:spTree>
+      <p:nvGrpSpPr>
+        <p:cNvPr id="1" name=""/>
+        <p:cNvGrpSpPr/>
+        <p:nvPr/>
+      </p:nvGrpSpPr>
+      <p:grpSpPr/>
       <p:sp>
         <p:nvSpPr>
-          <p:cNvPr id="40" name="等腰三角形 39"/>
+          <p:cNvPr id="49" name="矩形 48"/>
+          <p:cNvSpPr/>
+          <p:nvPr/>
+        </p:nvSpPr>
+        <p:spPr>
+          <a:xfrm>
+            <a:off x="5554980" y="3508375"/>
+            <a:ext cx="1645285" cy="1094105"/>
+          </a:xfrm>
+          <a:prstGeom prst="rect">
+            <a:avLst/>
+          </a:prstGeom>
+        </p:spPr>
+        <p:style>
+          <a:lnRef idx="2">
+            <a:schemeClr val="accent1"/>
+          </a:lnRef>
+          <a:fillRef idx="1">
+            <a:schemeClr val="lt1"/>
+          </a:fillRef>
+          <a:effectRef idx="0">
+            <a:schemeClr val="accent1"/>
+          </a:effectRef>
+          <a:fontRef idx="minor">
+            <a:schemeClr val="dk1"/>
+          </a:fontRef>
+        </p:style>
+        <p:txBody>
+          <a:bodyPr rtlCol="0" anchor="ctr"/>
+          <a:p>
+            <a:pPr algn="ctr"/>
+            <a:endParaRPr lang="zh-CN" altLang="en-US"/>
+          </a:p>
+        </p:txBody>
+      </p:sp>
+      <p:cxnSp>
+        <p:nvCxnSpPr>
+          <p:cNvPr id="4" name="直接连接符 3"/>
+          <p:cNvCxnSpPr/>
+          <p:nvPr/>
+        </p:nvCxnSpPr>
+        <p:spPr>
+          <a:xfrm>
+            <a:off x="13970" y="4624070"/>
+            <a:ext cx="12163425" cy="0"/>
+          </a:xfrm>
+          <a:prstGeom prst="line">
+            <a:avLst/>
+          </a:prstGeom>
+          <a:ln w="57150">
+            <a:prstDash val="solid"/>
+          </a:ln>
+          <a:effectLst>
+            <a:glow rad="101600">
+              <a:schemeClr val="accent2">
+                <a:satMod val="175000"/>
+                <a:alpha val="40000"/>
+              </a:schemeClr>
+            </a:glow>
+            <a:innerShdw blurRad="63500" dist="50800" dir="13500000">
+              <a:prstClr val="black">
+                <a:alpha val="50000"/>
+              </a:prstClr>
+            </a:innerShdw>
+            <a:softEdge rad="12700"/>
+          </a:effectLst>
+        </p:spPr>
+        <p:style>
+          <a:lnRef idx="1">
+            <a:schemeClr val="accent1"/>
+          </a:lnRef>
+          <a:fillRef idx="0">
+            <a:schemeClr val="accent1"/>
+          </a:fillRef>
+          <a:effectRef idx="0">
+            <a:schemeClr val="accent1"/>
+          </a:effectRef>
+          <a:fontRef idx="minor">
+            <a:schemeClr val="tx1"/>
+          </a:fontRef>
+        </p:style>
+      </p:cxnSp>
+      <p:cxnSp>
+        <p:nvCxnSpPr>
+          <p:cNvPr id="5" name="直接连接符 4"/>
+          <p:cNvCxnSpPr/>
+          <p:nvPr/>
+        </p:nvCxnSpPr>
+        <p:spPr>
+          <a:xfrm>
+            <a:off x="7200265" y="-7620"/>
+            <a:ext cx="0" cy="6851650"/>
+          </a:xfrm>
+          <a:prstGeom prst="line">
+            <a:avLst/>
+          </a:prstGeom>
+          <a:ln w="57150">
+            <a:prstDash val="solid"/>
+          </a:ln>
+          <a:effectLst>
+            <a:glow rad="101600">
+              <a:schemeClr val="accent2">
+                <a:satMod val="175000"/>
+                <a:alpha val="40000"/>
+              </a:schemeClr>
+            </a:glow>
+            <a:innerShdw blurRad="63500" dist="50800" dir="13500000">
+              <a:prstClr val="black">
+                <a:alpha val="50000"/>
+              </a:prstClr>
+            </a:innerShdw>
+            <a:softEdge rad="12700"/>
+          </a:effectLst>
+        </p:spPr>
+        <p:style>
+          <a:lnRef idx="1">
+            <a:schemeClr val="accent1"/>
+          </a:lnRef>
+          <a:fillRef idx="0">
+            <a:schemeClr val="accent1"/>
+          </a:fillRef>
+          <a:effectRef idx="0">
+            <a:schemeClr val="accent1"/>
+          </a:effectRef>
+          <a:fontRef idx="minor">
+            <a:schemeClr val="tx1"/>
+          </a:fontRef>
+        </p:style>
+      </p:cxnSp>
+      <p:sp>
+        <p:nvSpPr>
+          <p:cNvPr id="6" name="文本框 5"/>
+          <p:cNvSpPr txBox="1"/>
+          <p:nvPr/>
+        </p:nvSpPr>
+        <p:spPr>
+          <a:xfrm>
+            <a:off x="-19685" y="4161155"/>
+            <a:ext cx="3171825" cy="368300"/>
+          </a:xfrm>
+          <a:prstGeom prst="rect">
+            <a:avLst/>
+          </a:prstGeom>
+          <a:noFill/>
+        </p:spPr>
+        <p:txBody>
+          <a:bodyPr wrap="square" rtlCol="0">
+            <a:spAutoFit/>
+          </a:bodyPr>
+          <a:p>
+            <a:r>
+              <a:rPr lang="en-US" altLang="zh-CN"/>
+              <a:t>Unity</a:t>
+            </a:r>
+            <a:r>
+              <a:rPr lang="zh-CN" altLang="en-US"/>
+              <a:t>视频</a:t>
+            </a:r>
+            <a:r>
+              <a:rPr lang="en-US" altLang="zh-CN"/>
+              <a:t> / </a:t>
+            </a:r>
+            <a:r>
+              <a:rPr lang="zh-CN" altLang="en-US"/>
+              <a:t>路线规划图</a:t>
+            </a:r>
+            <a:r>
+              <a:rPr lang="zh-CN" altLang="en-US"/>
+              <a:t>视频</a:t>
+            </a:r>
+            <a:endParaRPr lang="zh-CN" altLang="en-US"/>
+          </a:p>
+        </p:txBody>
+      </p:sp>
+      <p:graphicFrame>
+        <p:nvGraphicFramePr>
+          <p:cNvPr id="9" name="表格 8"/>
+          <p:cNvGraphicFramePr/>
+          <p:nvPr>
+            <p:custDataLst>
+              <p:tags r:id="rId1"/>
+            </p:custDataLst>
+          </p:nvPr>
+        </p:nvGraphicFramePr>
+        <p:xfrm>
+          <a:off x="7282815" y="759460"/>
+          <a:ext cx="4909185" cy="1577340"/>
+        </p:xfrm>
+        <a:graphic>
+          <a:graphicData uri="http://schemas.openxmlformats.org/drawingml/2006/table">
+            <a:tbl>
+              <a:tblPr firstRow="1" bandRow="1">
+                <a:tableStyleId>{5C22544A-7EE6-4342-B048-85BDC9FD1C3A}</a:tableStyleId>
+              </a:tblPr>
+              <a:tblGrid>
+                <a:gridCol w="1355090"/>
+                <a:gridCol w="888523"/>
+                <a:gridCol w="888523"/>
+                <a:gridCol w="888523"/>
+                <a:gridCol w="888523"/>
+              </a:tblGrid>
+              <a:tr h="753110">
+                <a:tc>
+                  <a:txBody>
+                    <a:bodyPr/>
+                    <a:p>
+                      <a:pPr indent="0" algn="ctr">
+                        <a:lnSpc>
+                          <a:spcPct val="120000"/>
+                        </a:lnSpc>
+                        <a:spcBef>
+                          <a:spcPts val="0"/>
+                        </a:spcBef>
+                        <a:spcAft>
+                          <a:spcPts val="0"/>
+                        </a:spcAft>
+                        <a:buNone/>
+                      </a:pPr>
+                      <a:r>
+                        <a:rPr lang="zh-CN" altLang="en-US" sz="1600" b="1" spc="130">
+                          <a:solidFill>
+                            <a:srgbClr val="FFFFFF"/>
+                          </a:solidFill>
+                          <a:latin typeface="微软雅黑" panose="020B0503020204020204" charset="-122"/>
+                          <a:ea typeface="微软雅黑" panose="020B0503020204020204" charset="-122"/>
+                        </a:rPr>
+                        <a:t>日期</a:t>
+                      </a:r>
+                      <a:endParaRPr lang="zh-CN" altLang="en-US" sz="1600" b="1" spc="130">
+                        <a:solidFill>
+                          <a:srgbClr val="FFFFFF"/>
+                        </a:solidFill>
+                        <a:latin typeface="微软雅黑" panose="020B0503020204020204" charset="-122"/>
+                        <a:ea typeface="微软雅黑" panose="020B0503020204020204" charset="-122"/>
+                      </a:endParaRPr>
+                    </a:p>
+                  </a:txBody>
+                  <a:tcPr marL="45720" marR="45720" anchor="ctr">
+                    <a:lnL w="19050" cap="rnd">
+                      <a:solidFill>
+                        <a:srgbClr val="03A9F5"/>
+                      </a:solidFill>
+                      <a:prstDash val="solid"/>
+                    </a:lnL>
+                    <a:lnR w="3175">
+                      <a:solidFill>
+                        <a:srgbClr val="FFFFFF"/>
+                      </a:solidFill>
+                      <a:prstDash val="dot"/>
+                    </a:lnR>
+                    <a:lnT w="19050" cap="rnd">
+                      <a:solidFill>
+                        <a:srgbClr val="03A9F5"/>
+                      </a:solidFill>
+                      <a:prstDash val="solid"/>
+                    </a:lnT>
+                    <a:lnB w="19050">
+                      <a:solidFill>
+                        <a:srgbClr val="03A9F5"/>
+                      </a:solidFill>
+                      <a:prstDash val="solid"/>
+                    </a:lnB>
+                    <a:solidFill>
+                      <a:srgbClr val="03A9F5"/>
+                    </a:solidFill>
+                  </a:tcPr>
+                </a:tc>
+                <a:tc>
+                  <a:txBody>
+                    <a:bodyPr/>
+                    <a:p>
+                      <a:pPr indent="0" algn="ctr">
+                        <a:lnSpc>
+                          <a:spcPct val="120000"/>
+                        </a:lnSpc>
+                        <a:spcBef>
+                          <a:spcPts val="0"/>
+                        </a:spcBef>
+                        <a:spcAft>
+                          <a:spcPts val="0"/>
+                        </a:spcAft>
+                        <a:buNone/>
+                      </a:pPr>
+                      <a:r>
+                        <a:rPr lang="en-US" altLang="zh-CN" sz="1600" b="1" spc="130">
+                          <a:solidFill>
+                            <a:srgbClr val="FFFFFF"/>
+                          </a:solidFill>
+                          <a:latin typeface="微软雅黑" panose="020B0503020204020204" charset="-122"/>
+                          <a:ea typeface="微软雅黑" panose="020B0503020204020204" charset="-122"/>
+                        </a:rPr>
+                        <a:t>6.25</a:t>
+                      </a:r>
+                      <a:endParaRPr lang="en-US" altLang="zh-CN" sz="1600" b="1" spc="130">
+                        <a:solidFill>
+                          <a:srgbClr val="FFFFFF"/>
+                        </a:solidFill>
+                        <a:latin typeface="微软雅黑" panose="020B0503020204020204" charset="-122"/>
+                        <a:ea typeface="微软雅黑" panose="020B0503020204020204" charset="-122"/>
+                      </a:endParaRPr>
+                    </a:p>
+                  </a:txBody>
+                  <a:tcPr marL="45720" marR="45720" anchor="ctr">
+                    <a:lnL w="3175">
+                      <a:solidFill>
+                        <a:srgbClr val="FFFFFF"/>
+                      </a:solidFill>
+                      <a:prstDash val="dot"/>
+                    </a:lnL>
+                    <a:lnR w="3175">
+                      <a:solidFill>
+                        <a:srgbClr val="FFFFFF"/>
+                      </a:solidFill>
+                      <a:prstDash val="dot"/>
+                    </a:lnR>
+                    <a:lnT w="19050" cap="rnd">
+                      <a:solidFill>
+                        <a:srgbClr val="03A9F5"/>
+                      </a:solidFill>
+                      <a:prstDash val="solid"/>
+                    </a:lnT>
+                    <a:lnB w="19050">
+                      <a:solidFill>
+                        <a:srgbClr val="03A9F5"/>
+                      </a:solidFill>
+                      <a:prstDash val="solid"/>
+                    </a:lnB>
+                    <a:solidFill>
+                      <a:srgbClr val="03A9F5"/>
+                    </a:solidFill>
+                  </a:tcPr>
+                </a:tc>
+                <a:tc>
+                  <a:txBody>
+                    <a:bodyPr/>
+                    <a:p>
+                      <a:pPr indent="0" algn="ctr">
+                        <a:lnSpc>
+                          <a:spcPct val="120000"/>
+                        </a:lnSpc>
+                        <a:spcBef>
+                          <a:spcPts val="0"/>
+                        </a:spcBef>
+                        <a:spcAft>
+                          <a:spcPts val="0"/>
+                        </a:spcAft>
+                        <a:buNone/>
+                      </a:pPr>
+                      <a:r>
+                        <a:rPr lang="en-US" altLang="zh-CN" sz="1400" b="1" spc="130">
+                          <a:solidFill>
+                            <a:srgbClr val="FFFFFF"/>
+                          </a:solidFill>
+                          <a:latin typeface="微软雅黑" panose="020B0503020204020204" charset="-122"/>
+                          <a:ea typeface="微软雅黑" panose="020B0503020204020204" charset="-122"/>
+                        </a:rPr>
+                        <a:t>6.26</a:t>
+                      </a:r>
+                      <a:endParaRPr lang="en-US" altLang="zh-CN" sz="1400" b="1" spc="130">
+                        <a:solidFill>
+                          <a:srgbClr val="FFFFFF"/>
+                        </a:solidFill>
+                        <a:latin typeface="微软雅黑" panose="020B0503020204020204" charset="-122"/>
+                        <a:ea typeface="微软雅黑" panose="020B0503020204020204" charset="-122"/>
+                      </a:endParaRPr>
+                    </a:p>
+                  </a:txBody>
+                  <a:tcPr marL="45720" marR="45720" anchor="ctr">
+                    <a:lnL w="3175">
+                      <a:solidFill>
+                        <a:srgbClr val="FFFFFF"/>
+                      </a:solidFill>
+                      <a:prstDash val="dot"/>
+                    </a:lnL>
+                    <a:lnR w="3175">
+                      <a:solidFill>
+                        <a:srgbClr val="FFFFFF"/>
+                      </a:solidFill>
+                      <a:prstDash val="dot"/>
+                    </a:lnR>
+                    <a:lnT w="19050" cap="rnd">
+                      <a:solidFill>
+                        <a:srgbClr val="03A9F5"/>
+                      </a:solidFill>
+                      <a:prstDash val="solid"/>
+                    </a:lnT>
+                    <a:lnB w="19050">
+                      <a:solidFill>
+                        <a:srgbClr val="03A9F5"/>
+                      </a:solidFill>
+                      <a:prstDash val="solid"/>
+                    </a:lnB>
+                    <a:solidFill>
+                      <a:srgbClr val="03A9F5"/>
+                    </a:solidFill>
+                  </a:tcPr>
+                </a:tc>
+                <a:tc>
+                  <a:txBody>
+                    <a:bodyPr/>
+                    <a:p>
+                      <a:pPr algn="ctr">
+                        <a:lnSpc>
+                          <a:spcPct val="120000"/>
+                        </a:lnSpc>
+                        <a:spcBef>
+                          <a:spcPts val="0"/>
+                        </a:spcBef>
+                        <a:spcAft>
+                          <a:spcPts val="0"/>
+                        </a:spcAft>
+                        <a:buClrTx/>
+                        <a:buSzTx/>
+                        <a:buFontTx/>
+                        <a:buNone/>
+                      </a:pPr>
+                      <a:r>
+                        <a:rPr lang="en-US" altLang="zh-CN" sz="1400" b="1" spc="130">
+                          <a:solidFill>
+                            <a:srgbClr val="FFFFFF"/>
+                          </a:solidFill>
+                          <a:latin typeface="微软雅黑" panose="020B0503020204020204" charset="-122"/>
+                          <a:ea typeface="微软雅黑" panose="020B0503020204020204" charset="-122"/>
+                        </a:rPr>
+                        <a:t>6.27</a:t>
+                      </a:r>
+                      <a:endParaRPr lang="en-US" altLang="zh-CN" sz="1400" b="1" spc="130">
+                        <a:solidFill>
+                          <a:srgbClr val="FFFFFF"/>
+                        </a:solidFill>
+                        <a:latin typeface="微软雅黑" panose="020B0503020204020204" charset="-122"/>
+                        <a:ea typeface="微软雅黑" panose="020B0503020204020204" charset="-122"/>
+                      </a:endParaRPr>
+                    </a:p>
+                  </a:txBody>
+                  <a:tcPr marL="45720" marR="45720" anchor="ctr">
+                    <a:lnL w="3175">
+                      <a:solidFill>
+                        <a:srgbClr val="FFFFFF"/>
+                      </a:solidFill>
+                      <a:prstDash val="dot"/>
+                    </a:lnL>
+                    <a:lnR w="3175">
+                      <a:solidFill>
+                        <a:srgbClr val="FFFFFF"/>
+                      </a:solidFill>
+                      <a:prstDash val="dot"/>
+                    </a:lnR>
+                    <a:lnT w="19050" cap="rnd">
+                      <a:solidFill>
+                        <a:srgbClr val="03A9F5"/>
+                      </a:solidFill>
+                      <a:prstDash val="solid"/>
+                    </a:lnT>
+                    <a:lnB w="19050">
+                      <a:solidFill>
+                        <a:srgbClr val="03A9F5"/>
+                      </a:solidFill>
+                      <a:prstDash val="solid"/>
+                    </a:lnB>
+                    <a:solidFill>
+                      <a:srgbClr val="03A9F5"/>
+                    </a:solidFill>
+                  </a:tcPr>
+                </a:tc>
+                <a:tc>
+                  <a:txBody>
+                    <a:bodyPr/>
+                    <a:p>
+                      <a:pPr algn="ctr">
+                        <a:lnSpc>
+                          <a:spcPct val="120000"/>
+                        </a:lnSpc>
+                        <a:spcBef>
+                          <a:spcPts val="0"/>
+                        </a:spcBef>
+                        <a:spcAft>
+                          <a:spcPts val="0"/>
+                        </a:spcAft>
+                        <a:buClrTx/>
+                        <a:buSzTx/>
+                        <a:buFontTx/>
+                        <a:buNone/>
+                      </a:pPr>
+                      <a:r>
+                        <a:rPr lang="en-US" altLang="zh-CN" sz="1400" b="1" spc="130">
+                          <a:solidFill>
+                            <a:schemeClr val="accent4">
+                              <a:lumMod val="75000"/>
+                            </a:schemeClr>
+                          </a:solidFill>
+                          <a:latin typeface="微软雅黑" panose="020B0503020204020204" charset="-122"/>
+                          <a:ea typeface="微软雅黑" panose="020B0503020204020204" charset="-122"/>
+                        </a:rPr>
+                        <a:t>6.28</a:t>
+                      </a:r>
+                      <a:endParaRPr lang="en-US" altLang="zh-CN" sz="1400" b="1" spc="130">
+                        <a:solidFill>
+                          <a:schemeClr val="accent4">
+                            <a:lumMod val="75000"/>
+                          </a:schemeClr>
+                        </a:solidFill>
+                        <a:latin typeface="微软雅黑" panose="020B0503020204020204" charset="-122"/>
+                        <a:ea typeface="微软雅黑" panose="020B0503020204020204" charset="-122"/>
+                      </a:endParaRPr>
+                    </a:p>
+                  </a:txBody>
+                  <a:tcPr marL="45720" marR="45720" anchor="ctr">
+                    <a:lnL w="3175">
+                      <a:solidFill>
+                        <a:srgbClr val="FFFFFF"/>
+                      </a:solidFill>
+                      <a:prstDash val="dot"/>
+                    </a:lnL>
+                    <a:lnR w="19050" cap="rnd">
+                      <a:solidFill>
+                        <a:srgbClr val="03A9F5"/>
+                      </a:solidFill>
+                      <a:prstDash val="solid"/>
+                    </a:lnR>
+                    <a:lnT w="19050" cap="rnd">
+                      <a:solidFill>
+                        <a:srgbClr val="03A9F5"/>
+                      </a:solidFill>
+                      <a:prstDash val="solid"/>
+                    </a:lnT>
+                    <a:lnB w="19050">
+                      <a:solidFill>
+                        <a:srgbClr val="03A9F5"/>
+                      </a:solidFill>
+                      <a:prstDash val="solid"/>
+                    </a:lnB>
+                    <a:solidFill>
+                      <a:srgbClr val="03A9F5"/>
+                    </a:solidFill>
+                  </a:tcPr>
+                </a:tc>
+              </a:tr>
+              <a:tr h="824230">
+                <a:tc>
+                  <a:txBody>
+                    <a:bodyPr/>
+                    <a:p>
+                      <a:pPr indent="0" algn="ctr">
+                        <a:lnSpc>
+                          <a:spcPct val="120000"/>
+                        </a:lnSpc>
+                        <a:spcBef>
+                          <a:spcPts val="0"/>
+                        </a:spcBef>
+                        <a:spcAft>
+                          <a:spcPts val="0"/>
+                        </a:spcAft>
+                        <a:buNone/>
+                      </a:pPr>
+                      <a:r>
+                        <a:rPr lang="zh-CN" altLang="en-US" sz="1800" b="0" spc="130">
+                          <a:solidFill>
+                            <a:srgbClr val="002060"/>
+                          </a:solidFill>
+                          <a:latin typeface="微软雅黑" panose="020B0503020204020204" charset="-122"/>
+                          <a:ea typeface="微软雅黑" panose="020B0503020204020204" charset="-122"/>
+                        </a:rPr>
+                        <a:t>异常概率</a:t>
+                      </a:r>
+                      <a:endParaRPr lang="zh-CN" altLang="en-US" sz="1800" b="0" spc="130">
+                        <a:solidFill>
+                          <a:srgbClr val="002060"/>
+                        </a:solidFill>
+                        <a:latin typeface="微软雅黑" panose="020B0503020204020204" charset="-122"/>
+                        <a:ea typeface="微软雅黑" panose="020B0503020204020204" charset="-122"/>
+                      </a:endParaRPr>
+                    </a:p>
+                  </a:txBody>
+                  <a:tcPr marL="45720" marR="45720" anchor="ctr">
+                    <a:lnL w="19050" cap="rnd">
+                      <a:solidFill>
+                        <a:srgbClr val="03A9F5"/>
+                      </a:solidFill>
+                      <a:prstDash val="solid"/>
+                    </a:lnL>
+                    <a:lnR w="3175">
+                      <a:solidFill>
+                        <a:srgbClr val="03A9F5"/>
+                      </a:solidFill>
+                      <a:prstDash val="dot"/>
+                    </a:lnR>
+                    <a:lnT w="19050">
+                      <a:solidFill>
+                        <a:srgbClr val="03A9F5"/>
+                      </a:solidFill>
+                      <a:prstDash val="solid"/>
+                    </a:lnT>
+                    <a:lnB w="19050" cap="rnd">
+                      <a:solidFill>
+                        <a:srgbClr val="03A9F5"/>
+                      </a:solidFill>
+                      <a:prstDash val="solid"/>
+                    </a:lnB>
+                    <a:solidFill>
+                      <a:srgbClr val="F2F2F2"/>
+                    </a:solidFill>
+                  </a:tcPr>
+                </a:tc>
+                <a:tc>
+                  <a:txBody>
+                    <a:bodyPr/>
+                    <a:p>
+                      <a:pPr indent="0" algn="ctr">
+                        <a:lnSpc>
+                          <a:spcPct val="120000"/>
+                        </a:lnSpc>
+                        <a:spcBef>
+                          <a:spcPts val="0"/>
+                        </a:spcBef>
+                        <a:spcAft>
+                          <a:spcPts val="0"/>
+                        </a:spcAft>
+                        <a:buNone/>
+                      </a:pPr>
+                      <a:endParaRPr lang="zh-CN" altLang="en-US" sz="1800" b="0" spc="130">
+                        <a:solidFill>
+                          <a:srgbClr val="404040"/>
+                        </a:solidFill>
+                        <a:latin typeface="微软雅黑" panose="020B0503020204020204" charset="-122"/>
+                        <a:ea typeface="微软雅黑" panose="020B0503020204020204" charset="-122"/>
+                      </a:endParaRPr>
+                    </a:p>
+                  </a:txBody>
+                  <a:tcPr marL="45720" marR="45720" anchor="ctr">
+                    <a:lnL w="3175">
+                      <a:solidFill>
+                        <a:srgbClr val="03A9F5"/>
+                      </a:solidFill>
+                      <a:prstDash val="dot"/>
+                    </a:lnL>
+                    <a:lnR w="3175">
+                      <a:solidFill>
+                        <a:srgbClr val="03A9F5"/>
+                      </a:solidFill>
+                      <a:prstDash val="dot"/>
+                    </a:lnR>
+                    <a:lnT w="19050">
+                      <a:solidFill>
+                        <a:srgbClr val="03A9F5"/>
+                      </a:solidFill>
+                      <a:prstDash val="solid"/>
+                    </a:lnT>
+                    <a:lnB w="19050" cap="rnd">
+                      <a:solidFill>
+                        <a:srgbClr val="03A9F5"/>
+                      </a:solidFill>
+                      <a:prstDash val="solid"/>
+                    </a:lnB>
+                    <a:solidFill>
+                      <a:srgbClr val="F2F2F2"/>
+                    </a:solidFill>
+                  </a:tcPr>
+                </a:tc>
+                <a:tc>
+                  <a:txBody>
+                    <a:bodyPr/>
+                    <a:p>
+                      <a:pPr indent="0" algn="ctr">
+                        <a:lnSpc>
+                          <a:spcPct val="120000"/>
+                        </a:lnSpc>
+                        <a:spcBef>
+                          <a:spcPts val="0"/>
+                        </a:spcBef>
+                        <a:spcAft>
+                          <a:spcPts val="0"/>
+                        </a:spcAft>
+                        <a:buNone/>
+                      </a:pPr>
+                      <a:endParaRPr lang="zh-CN" altLang="en-US" sz="1800" b="0" spc="130">
+                        <a:solidFill>
+                          <a:srgbClr val="404040"/>
+                        </a:solidFill>
+                        <a:latin typeface="微软雅黑" panose="020B0503020204020204" charset="-122"/>
+                        <a:ea typeface="微软雅黑" panose="020B0503020204020204" charset="-122"/>
+                      </a:endParaRPr>
+                    </a:p>
+                  </a:txBody>
+                  <a:tcPr marL="45720" marR="45720" anchor="ctr">
+                    <a:lnL w="3175">
+                      <a:solidFill>
+                        <a:srgbClr val="03A9F5"/>
+                      </a:solidFill>
+                      <a:prstDash val="dot"/>
+                    </a:lnL>
+                    <a:lnR w="3175">
+                      <a:solidFill>
+                        <a:srgbClr val="03A9F5"/>
+                      </a:solidFill>
+                      <a:prstDash val="dot"/>
+                    </a:lnR>
+                    <a:lnT w="19050">
+                      <a:solidFill>
+                        <a:srgbClr val="03A9F5"/>
+                      </a:solidFill>
+                      <a:prstDash val="solid"/>
+                    </a:lnT>
+                    <a:lnB w="19050" cap="rnd">
+                      <a:solidFill>
+                        <a:srgbClr val="03A9F5"/>
+                      </a:solidFill>
+                      <a:prstDash val="solid"/>
+                    </a:lnB>
+                    <a:solidFill>
+                      <a:srgbClr val="F2F2F2"/>
+                    </a:solidFill>
+                  </a:tcPr>
+                </a:tc>
+                <a:tc>
+                  <a:txBody>
+                    <a:bodyPr/>
+                    <a:p>
+                      <a:pPr indent="0" algn="ctr">
+                        <a:lnSpc>
+                          <a:spcPct val="120000"/>
+                        </a:lnSpc>
+                        <a:spcBef>
+                          <a:spcPts val="0"/>
+                        </a:spcBef>
+                        <a:spcAft>
+                          <a:spcPts val="0"/>
+                        </a:spcAft>
+                        <a:buNone/>
+                      </a:pPr>
+                      <a:endParaRPr lang="zh-CN" altLang="en-US" sz="1800" b="0" spc="130">
+                        <a:solidFill>
+                          <a:srgbClr val="404040"/>
+                        </a:solidFill>
+                        <a:latin typeface="微软雅黑" panose="020B0503020204020204" charset="-122"/>
+                        <a:ea typeface="微软雅黑" panose="020B0503020204020204" charset="-122"/>
+                      </a:endParaRPr>
+                    </a:p>
+                  </a:txBody>
+                  <a:tcPr marL="45720" marR="45720" anchor="ctr">
+                    <a:lnL w="3175">
+                      <a:solidFill>
+                        <a:srgbClr val="03A9F5"/>
+                      </a:solidFill>
+                      <a:prstDash val="dot"/>
+                    </a:lnL>
+                    <a:lnR w="3175">
+                      <a:solidFill>
+                        <a:srgbClr val="03A9F5"/>
+                      </a:solidFill>
+                      <a:prstDash val="dot"/>
+                    </a:lnR>
+                    <a:lnT w="19050">
+                      <a:solidFill>
+                        <a:srgbClr val="03A9F5"/>
+                      </a:solidFill>
+                      <a:prstDash val="solid"/>
+                    </a:lnT>
+                    <a:lnB w="19050" cap="rnd">
+                      <a:solidFill>
+                        <a:srgbClr val="03A9F5"/>
+                      </a:solidFill>
+                      <a:prstDash val="solid"/>
+                    </a:lnB>
+                    <a:solidFill>
+                      <a:srgbClr val="F2F2F2"/>
+                    </a:solidFill>
+                  </a:tcPr>
+                </a:tc>
+                <a:tc>
+                  <a:txBody>
+                    <a:bodyPr/>
+                    <a:p>
+                      <a:pPr indent="0" algn="ctr">
+                        <a:lnSpc>
+                          <a:spcPct val="120000"/>
+                        </a:lnSpc>
+                        <a:spcBef>
+                          <a:spcPts val="0"/>
+                        </a:spcBef>
+                        <a:spcAft>
+                          <a:spcPts val="0"/>
+                        </a:spcAft>
+                        <a:buNone/>
+                      </a:pPr>
+                      <a:endParaRPr lang="zh-CN" altLang="en-US" sz="1800" b="0" spc="130">
+                        <a:solidFill>
+                          <a:srgbClr val="404040"/>
+                        </a:solidFill>
+                        <a:latin typeface="微软雅黑" panose="020B0503020204020204" charset="-122"/>
+                        <a:ea typeface="微软雅黑" panose="020B0503020204020204" charset="-122"/>
+                      </a:endParaRPr>
+                    </a:p>
+                  </a:txBody>
+                  <a:tcPr marL="45720" marR="45720" anchor="ctr">
+                    <a:lnL w="3175">
+                      <a:solidFill>
+                        <a:srgbClr val="03A9F5"/>
+                      </a:solidFill>
+                      <a:prstDash val="dot"/>
+                    </a:lnL>
+                    <a:lnR w="19050" cap="rnd">
+                      <a:solidFill>
+                        <a:srgbClr val="03A9F5"/>
+                      </a:solidFill>
+                      <a:prstDash val="solid"/>
+                    </a:lnR>
+                    <a:lnT w="19050">
+                      <a:solidFill>
+                        <a:srgbClr val="03A9F5"/>
+                      </a:solidFill>
+                      <a:prstDash val="solid"/>
+                    </a:lnT>
+                    <a:lnB w="19050" cap="rnd">
+                      <a:solidFill>
+                        <a:srgbClr val="03A9F5"/>
+                      </a:solidFill>
+                      <a:prstDash val="solid"/>
+                    </a:lnB>
+                    <a:solidFill>
+                      <a:srgbClr val="F2F2F2"/>
+                    </a:solidFill>
+                  </a:tcPr>
+                </a:tc>
+              </a:tr>
+            </a:tbl>
+          </a:graphicData>
+        </a:graphic>
+      </p:graphicFrame>
+      <p:graphicFrame>
+        <p:nvGraphicFramePr>
+          <p:cNvPr id="12" name="表格 11"/>
+          <p:cNvGraphicFramePr/>
+          <p:nvPr>
+            <p:custDataLst>
+              <p:tags r:id="rId2"/>
+            </p:custDataLst>
+          </p:nvPr>
+        </p:nvGraphicFramePr>
+        <p:xfrm>
+          <a:off x="7282815" y="2999105"/>
+          <a:ext cx="4909185" cy="1577340"/>
+        </p:xfrm>
+        <a:graphic>
+          <a:graphicData uri="http://schemas.openxmlformats.org/drawingml/2006/table">
+            <a:tbl>
+              <a:tblPr firstRow="1" bandRow="1">
+                <a:tableStyleId>{5C22544A-7EE6-4342-B048-85BDC9FD1C3A}</a:tableStyleId>
+              </a:tblPr>
+              <a:tblGrid>
+                <a:gridCol w="1341120"/>
+                <a:gridCol w="892016"/>
+                <a:gridCol w="892016"/>
+                <a:gridCol w="892016"/>
+                <a:gridCol w="892016"/>
+              </a:tblGrid>
+              <a:tr h="753110">
+                <a:tc>
+                  <a:txBody>
+                    <a:bodyPr/>
+                    <a:p>
+                      <a:pPr indent="0" algn="ctr">
+                        <a:lnSpc>
+                          <a:spcPct val="120000"/>
+                        </a:lnSpc>
+                        <a:spcBef>
+                          <a:spcPts val="0"/>
+                        </a:spcBef>
+                        <a:spcAft>
+                          <a:spcPts val="0"/>
+                        </a:spcAft>
+                        <a:buNone/>
+                      </a:pPr>
+                      <a:r>
+                        <a:rPr lang="zh-CN" altLang="en-US" sz="1600" b="1" spc="130">
+                          <a:solidFill>
+                            <a:srgbClr val="FFFFFF"/>
+                          </a:solidFill>
+                          <a:latin typeface="微软雅黑" panose="020B0503020204020204" charset="-122"/>
+                          <a:ea typeface="微软雅黑" panose="020B0503020204020204" charset="-122"/>
+                        </a:rPr>
+                        <a:t>点位</a:t>
+                      </a:r>
+                      <a:endParaRPr lang="zh-CN" altLang="en-US" sz="1600" b="1" spc="130">
+                        <a:solidFill>
+                          <a:srgbClr val="FFFFFF"/>
+                        </a:solidFill>
+                        <a:latin typeface="微软雅黑" panose="020B0503020204020204" charset="-122"/>
+                        <a:ea typeface="微软雅黑" panose="020B0503020204020204" charset="-122"/>
+                      </a:endParaRPr>
+                    </a:p>
+                  </a:txBody>
+                  <a:tcPr marL="45720" marR="45720" anchor="ctr">
+                    <a:lnL w="19050" cap="rnd">
+                      <a:solidFill>
+                        <a:srgbClr val="03A9F5"/>
+                      </a:solidFill>
+                      <a:prstDash val="solid"/>
+                    </a:lnL>
+                    <a:lnR w="3175">
+                      <a:solidFill>
+                        <a:srgbClr val="FFFFFF"/>
+                      </a:solidFill>
+                      <a:prstDash val="dot"/>
+                    </a:lnR>
+                    <a:lnT w="19050" cap="rnd">
+                      <a:solidFill>
+                        <a:srgbClr val="03A9F5"/>
+                      </a:solidFill>
+                      <a:prstDash val="solid"/>
+                    </a:lnT>
+                    <a:lnB w="19050">
+                      <a:solidFill>
+                        <a:srgbClr val="03A9F5"/>
+                      </a:solidFill>
+                      <a:prstDash val="solid"/>
+                    </a:lnB>
+                    <a:solidFill>
+                      <a:srgbClr val="03A9F5"/>
+                    </a:solidFill>
+                  </a:tcPr>
+                </a:tc>
+                <a:tc>
+                  <a:txBody>
+                    <a:bodyPr/>
+                    <a:p>
+                      <a:pPr indent="0" algn="ctr">
+                        <a:lnSpc>
+                          <a:spcPct val="120000"/>
+                        </a:lnSpc>
+                        <a:spcBef>
+                          <a:spcPts val="0"/>
+                        </a:spcBef>
+                        <a:spcAft>
+                          <a:spcPts val="0"/>
+                        </a:spcAft>
+                        <a:buNone/>
+                      </a:pPr>
+                      <a:r>
+                        <a:rPr lang="en-US" altLang="zh-CN" sz="1600" b="1" spc="130">
+                          <a:solidFill>
+                            <a:srgbClr val="FFFFFF"/>
+                          </a:solidFill>
+                          <a:latin typeface="微软雅黑" panose="020B0503020204020204" charset="-122"/>
+                          <a:ea typeface="微软雅黑" panose="020B0503020204020204" charset="-122"/>
+                        </a:rPr>
+                        <a:t>A</a:t>
+                      </a:r>
+                      <a:endParaRPr lang="en-US" altLang="zh-CN" sz="1600" b="1" spc="130">
+                        <a:solidFill>
+                          <a:srgbClr val="FFFFFF"/>
+                        </a:solidFill>
+                        <a:latin typeface="微软雅黑" panose="020B0503020204020204" charset="-122"/>
+                        <a:ea typeface="微软雅黑" panose="020B0503020204020204" charset="-122"/>
+                      </a:endParaRPr>
+                    </a:p>
+                  </a:txBody>
+                  <a:tcPr marL="45720" marR="45720" anchor="ctr">
+                    <a:lnL w="3175">
+                      <a:solidFill>
+                        <a:srgbClr val="FFFFFF"/>
+                      </a:solidFill>
+                      <a:prstDash val="dot"/>
+                    </a:lnL>
+                    <a:lnR w="3175">
+                      <a:solidFill>
+                        <a:srgbClr val="FFFFFF"/>
+                      </a:solidFill>
+                      <a:prstDash val="dot"/>
+                    </a:lnR>
+                    <a:lnT w="19050" cap="rnd">
+                      <a:solidFill>
+                        <a:srgbClr val="03A9F5"/>
+                      </a:solidFill>
+                      <a:prstDash val="solid"/>
+                    </a:lnT>
+                    <a:lnB w="19050">
+                      <a:solidFill>
+                        <a:srgbClr val="03A9F5"/>
+                      </a:solidFill>
+                      <a:prstDash val="solid"/>
+                    </a:lnB>
+                    <a:solidFill>
+                      <a:srgbClr val="03A9F5"/>
+                    </a:solidFill>
+                  </a:tcPr>
+                </a:tc>
+                <a:tc>
+                  <a:txBody>
+                    <a:bodyPr/>
+                    <a:p>
+                      <a:pPr indent="0" algn="ctr">
+                        <a:lnSpc>
+                          <a:spcPct val="120000"/>
+                        </a:lnSpc>
+                        <a:spcBef>
+                          <a:spcPts val="0"/>
+                        </a:spcBef>
+                        <a:spcAft>
+                          <a:spcPts val="0"/>
+                        </a:spcAft>
+                        <a:buNone/>
+                      </a:pPr>
+                      <a:r>
+                        <a:rPr lang="en-US" altLang="zh-CN" sz="1400" b="1" spc="130">
+                          <a:solidFill>
+                            <a:srgbClr val="FFFFFF"/>
+                          </a:solidFill>
+                          <a:latin typeface="微软雅黑" panose="020B0503020204020204" charset="-122"/>
+                          <a:ea typeface="微软雅黑" panose="020B0503020204020204" charset="-122"/>
+                        </a:rPr>
+                        <a:t>B</a:t>
+                      </a:r>
+                      <a:endParaRPr lang="en-US" altLang="zh-CN" sz="1400" b="1" spc="130">
+                        <a:solidFill>
+                          <a:srgbClr val="FFFFFF"/>
+                        </a:solidFill>
+                        <a:latin typeface="微软雅黑" panose="020B0503020204020204" charset="-122"/>
+                        <a:ea typeface="微软雅黑" panose="020B0503020204020204" charset="-122"/>
+                      </a:endParaRPr>
+                    </a:p>
+                  </a:txBody>
+                  <a:tcPr marL="45720" marR="45720" anchor="ctr">
+                    <a:lnL w="3175">
+                      <a:solidFill>
+                        <a:srgbClr val="FFFFFF"/>
+                      </a:solidFill>
+                      <a:prstDash val="dot"/>
+                    </a:lnL>
+                    <a:lnR w="3175">
+                      <a:solidFill>
+                        <a:srgbClr val="FFFFFF"/>
+                      </a:solidFill>
+                      <a:prstDash val="dot"/>
+                    </a:lnR>
+                    <a:lnT w="19050" cap="rnd">
+                      <a:solidFill>
+                        <a:srgbClr val="03A9F5"/>
+                      </a:solidFill>
+                      <a:prstDash val="solid"/>
+                    </a:lnT>
+                    <a:lnB w="19050">
+                      <a:solidFill>
+                        <a:srgbClr val="03A9F5"/>
+                      </a:solidFill>
+                      <a:prstDash val="solid"/>
+                    </a:lnB>
+                    <a:solidFill>
+                      <a:srgbClr val="03A9F5"/>
+                    </a:solidFill>
+                  </a:tcPr>
+                </a:tc>
+                <a:tc>
+                  <a:txBody>
+                    <a:bodyPr/>
+                    <a:p>
+                      <a:pPr algn="ctr">
+                        <a:lnSpc>
+                          <a:spcPct val="120000"/>
+                        </a:lnSpc>
+                        <a:spcBef>
+                          <a:spcPts val="0"/>
+                        </a:spcBef>
+                        <a:spcAft>
+                          <a:spcPts val="0"/>
+                        </a:spcAft>
+                        <a:buClrTx/>
+                        <a:buSzTx/>
+                        <a:buFontTx/>
+                        <a:buNone/>
+                      </a:pPr>
+                      <a:r>
+                        <a:rPr lang="en-US" altLang="zh-CN" sz="1400" b="1" spc="130">
+                          <a:solidFill>
+                            <a:srgbClr val="FFFFFF"/>
+                          </a:solidFill>
+                          <a:latin typeface="微软雅黑" panose="020B0503020204020204" charset="-122"/>
+                          <a:ea typeface="微软雅黑" panose="020B0503020204020204" charset="-122"/>
+                        </a:rPr>
+                        <a:t>C</a:t>
+                      </a:r>
+                      <a:endParaRPr lang="en-US" altLang="zh-CN" sz="1400" b="1" spc="130">
+                        <a:solidFill>
+                          <a:srgbClr val="FFFFFF"/>
+                        </a:solidFill>
+                        <a:latin typeface="微软雅黑" panose="020B0503020204020204" charset="-122"/>
+                        <a:ea typeface="微软雅黑" panose="020B0503020204020204" charset="-122"/>
+                      </a:endParaRPr>
+                    </a:p>
+                  </a:txBody>
+                  <a:tcPr marL="45720" marR="45720" anchor="ctr">
+                    <a:lnL w="3175">
+                      <a:solidFill>
+                        <a:srgbClr val="FFFFFF"/>
+                      </a:solidFill>
+                      <a:prstDash val="dot"/>
+                    </a:lnL>
+                    <a:lnR w="3175">
+                      <a:solidFill>
+                        <a:srgbClr val="FFFFFF"/>
+                      </a:solidFill>
+                      <a:prstDash val="dot"/>
+                    </a:lnR>
+                    <a:lnT w="19050" cap="rnd">
+                      <a:solidFill>
+                        <a:srgbClr val="03A9F5"/>
+                      </a:solidFill>
+                      <a:prstDash val="solid"/>
+                    </a:lnT>
+                    <a:lnB w="19050">
+                      <a:solidFill>
+                        <a:srgbClr val="03A9F5"/>
+                      </a:solidFill>
+                      <a:prstDash val="solid"/>
+                    </a:lnB>
+                    <a:solidFill>
+                      <a:srgbClr val="03A9F5"/>
+                    </a:solidFill>
+                  </a:tcPr>
+                </a:tc>
+                <a:tc>
+                  <a:txBody>
+                    <a:bodyPr/>
+                    <a:p>
+                      <a:pPr algn="ctr">
+                        <a:lnSpc>
+                          <a:spcPct val="120000"/>
+                        </a:lnSpc>
+                        <a:spcBef>
+                          <a:spcPts val="0"/>
+                        </a:spcBef>
+                        <a:spcAft>
+                          <a:spcPts val="0"/>
+                        </a:spcAft>
+                        <a:buClrTx/>
+                        <a:buSzTx/>
+                        <a:buFontTx/>
+                        <a:buNone/>
+                      </a:pPr>
+                      <a:r>
+                        <a:rPr lang="en-US" altLang="zh-CN" sz="1400" b="1" spc="130">
+                          <a:solidFill>
+                            <a:schemeClr val="accent4">
+                              <a:lumMod val="75000"/>
+                            </a:schemeClr>
+                          </a:solidFill>
+                          <a:latin typeface="微软雅黑" panose="020B0503020204020204" charset="-122"/>
+                          <a:ea typeface="微软雅黑" panose="020B0503020204020204" charset="-122"/>
+                        </a:rPr>
+                        <a:t>D</a:t>
+                      </a:r>
+                      <a:endParaRPr lang="en-US" altLang="zh-CN" sz="1400" b="1" spc="130">
+                        <a:solidFill>
+                          <a:schemeClr val="accent4">
+                            <a:lumMod val="75000"/>
+                          </a:schemeClr>
+                        </a:solidFill>
+                        <a:latin typeface="微软雅黑" panose="020B0503020204020204" charset="-122"/>
+                        <a:ea typeface="微软雅黑" panose="020B0503020204020204" charset="-122"/>
+                      </a:endParaRPr>
+                    </a:p>
+                  </a:txBody>
+                  <a:tcPr marL="45720" marR="45720" anchor="ctr">
+                    <a:lnL w="3175">
+                      <a:solidFill>
+                        <a:srgbClr val="FFFFFF"/>
+                      </a:solidFill>
+                      <a:prstDash val="dot"/>
+                    </a:lnL>
+                    <a:lnR w="19050" cap="rnd">
+                      <a:solidFill>
+                        <a:srgbClr val="03A9F5"/>
+                      </a:solidFill>
+                      <a:prstDash val="solid"/>
+                    </a:lnR>
+                    <a:lnT w="19050" cap="rnd">
+                      <a:solidFill>
+                        <a:srgbClr val="03A9F5"/>
+                      </a:solidFill>
+                      <a:prstDash val="solid"/>
+                    </a:lnT>
+                    <a:lnB w="19050">
+                      <a:solidFill>
+                        <a:srgbClr val="03A9F5"/>
+                      </a:solidFill>
+                      <a:prstDash val="solid"/>
+                    </a:lnB>
+                    <a:solidFill>
+                      <a:srgbClr val="03A9F5"/>
+                    </a:solidFill>
+                  </a:tcPr>
+                </a:tc>
+              </a:tr>
+              <a:tr h="824230">
+                <a:tc>
+                  <a:txBody>
+                    <a:bodyPr/>
+                    <a:p>
+                      <a:pPr indent="0" algn="ctr">
+                        <a:lnSpc>
+                          <a:spcPct val="120000"/>
+                        </a:lnSpc>
+                        <a:spcBef>
+                          <a:spcPts val="0"/>
+                        </a:spcBef>
+                        <a:spcAft>
+                          <a:spcPts val="0"/>
+                        </a:spcAft>
+                        <a:buNone/>
+                      </a:pPr>
+                      <a:r>
+                        <a:rPr lang="zh-CN" altLang="en-US" sz="1800" b="0" spc="130">
+                          <a:solidFill>
+                            <a:srgbClr val="002060"/>
+                          </a:solidFill>
+                          <a:latin typeface="微软雅黑" panose="020B0503020204020204" charset="-122"/>
+                          <a:ea typeface="微软雅黑" panose="020B0503020204020204" charset="-122"/>
+                        </a:rPr>
+                        <a:t>异常概率</a:t>
+                      </a:r>
+                      <a:r>
+                        <a:rPr lang="en-US" altLang="zh-CN" sz="1800" b="0" spc="130">
+                          <a:solidFill>
+                            <a:srgbClr val="002060"/>
+                          </a:solidFill>
+                          <a:latin typeface="微软雅黑" panose="020B0503020204020204" charset="-122"/>
+                          <a:ea typeface="微软雅黑" panose="020B0503020204020204" charset="-122"/>
+                        </a:rPr>
+                        <a:t>β</a:t>
+                      </a:r>
+                      <a:endParaRPr lang="en-US" altLang="zh-CN" sz="1800" b="0" spc="130">
+                        <a:solidFill>
+                          <a:srgbClr val="002060"/>
+                        </a:solidFill>
+                        <a:latin typeface="微软雅黑" panose="020B0503020204020204" charset="-122"/>
+                        <a:ea typeface="微软雅黑" panose="020B0503020204020204" charset="-122"/>
+                      </a:endParaRPr>
+                    </a:p>
+                  </a:txBody>
+                  <a:tcPr marL="45720" marR="45720" anchor="ctr">
+                    <a:lnL w="19050" cap="rnd">
+                      <a:solidFill>
+                        <a:srgbClr val="03A9F5"/>
+                      </a:solidFill>
+                      <a:prstDash val="solid"/>
+                    </a:lnL>
+                    <a:lnR w="3175">
+                      <a:solidFill>
+                        <a:srgbClr val="03A9F5"/>
+                      </a:solidFill>
+                      <a:prstDash val="dot"/>
+                    </a:lnR>
+                    <a:lnT w="19050">
+                      <a:solidFill>
+                        <a:srgbClr val="03A9F5"/>
+                      </a:solidFill>
+                      <a:prstDash val="solid"/>
+                    </a:lnT>
+                    <a:lnB w="19050" cap="rnd">
+                      <a:solidFill>
+                        <a:srgbClr val="03A9F5"/>
+                      </a:solidFill>
+                      <a:prstDash val="solid"/>
+                    </a:lnB>
+                    <a:solidFill>
+                      <a:srgbClr val="F2F2F2"/>
+                    </a:solidFill>
+                  </a:tcPr>
+                </a:tc>
+                <a:tc>
+                  <a:txBody>
+                    <a:bodyPr/>
+                    <a:p>
+                      <a:pPr indent="0" algn="ctr">
+                        <a:lnSpc>
+                          <a:spcPct val="120000"/>
+                        </a:lnSpc>
+                        <a:spcBef>
+                          <a:spcPts val="0"/>
+                        </a:spcBef>
+                        <a:spcAft>
+                          <a:spcPts val="0"/>
+                        </a:spcAft>
+                        <a:buNone/>
+                      </a:pPr>
+                      <a:endParaRPr lang="zh-CN" altLang="en-US" sz="1800" b="0" spc="130">
+                        <a:solidFill>
+                          <a:srgbClr val="404040"/>
+                        </a:solidFill>
+                        <a:latin typeface="微软雅黑" panose="020B0503020204020204" charset="-122"/>
+                        <a:ea typeface="微软雅黑" panose="020B0503020204020204" charset="-122"/>
+                      </a:endParaRPr>
+                    </a:p>
+                  </a:txBody>
+                  <a:tcPr marL="45720" marR="45720" anchor="ctr">
+                    <a:lnL w="3175">
+                      <a:solidFill>
+                        <a:srgbClr val="03A9F5"/>
+                      </a:solidFill>
+                      <a:prstDash val="dot"/>
+                    </a:lnL>
+                    <a:lnR w="3175">
+                      <a:solidFill>
+                        <a:srgbClr val="03A9F5"/>
+                      </a:solidFill>
+                      <a:prstDash val="dot"/>
+                    </a:lnR>
+                    <a:lnT w="19050">
+                      <a:solidFill>
+                        <a:srgbClr val="03A9F5"/>
+                      </a:solidFill>
+                      <a:prstDash val="solid"/>
+                    </a:lnT>
+                    <a:lnB w="19050" cap="rnd">
+                      <a:solidFill>
+                        <a:srgbClr val="03A9F5"/>
+                      </a:solidFill>
+                      <a:prstDash val="solid"/>
+                    </a:lnB>
+                    <a:solidFill>
+                      <a:srgbClr val="F2F2F2"/>
+                    </a:solidFill>
+                  </a:tcPr>
+                </a:tc>
+                <a:tc>
+                  <a:txBody>
+                    <a:bodyPr/>
+                    <a:p>
+                      <a:pPr indent="0" algn="ctr">
+                        <a:lnSpc>
+                          <a:spcPct val="120000"/>
+                        </a:lnSpc>
+                        <a:spcBef>
+                          <a:spcPts val="0"/>
+                        </a:spcBef>
+                        <a:spcAft>
+                          <a:spcPts val="0"/>
+                        </a:spcAft>
+                        <a:buNone/>
+                      </a:pPr>
+                      <a:endParaRPr lang="zh-CN" altLang="en-US" sz="1800" b="0" spc="130">
+                        <a:solidFill>
+                          <a:srgbClr val="404040"/>
+                        </a:solidFill>
+                        <a:latin typeface="微软雅黑" panose="020B0503020204020204" charset="-122"/>
+                        <a:ea typeface="微软雅黑" panose="020B0503020204020204" charset="-122"/>
+                      </a:endParaRPr>
+                    </a:p>
+                  </a:txBody>
+                  <a:tcPr marL="45720" marR="45720" anchor="ctr">
+                    <a:lnL w="3175">
+                      <a:solidFill>
+                        <a:srgbClr val="03A9F5"/>
+                      </a:solidFill>
+                      <a:prstDash val="dot"/>
+                    </a:lnL>
+                    <a:lnR w="3175">
+                      <a:solidFill>
+                        <a:srgbClr val="03A9F5"/>
+                      </a:solidFill>
+                      <a:prstDash val="dot"/>
+                    </a:lnR>
+                    <a:lnT w="19050">
+                      <a:solidFill>
+                        <a:srgbClr val="03A9F5"/>
+                      </a:solidFill>
+                      <a:prstDash val="solid"/>
+                    </a:lnT>
+                    <a:lnB w="19050" cap="rnd">
+                      <a:solidFill>
+                        <a:srgbClr val="03A9F5"/>
+                      </a:solidFill>
+                      <a:prstDash val="solid"/>
+                    </a:lnB>
+                    <a:solidFill>
+                      <a:srgbClr val="F2F2F2"/>
+                    </a:solidFill>
+                  </a:tcPr>
+                </a:tc>
+                <a:tc>
+                  <a:txBody>
+                    <a:bodyPr/>
+                    <a:p>
+                      <a:pPr indent="0" algn="ctr">
+                        <a:lnSpc>
+                          <a:spcPct val="120000"/>
+                        </a:lnSpc>
+                        <a:spcBef>
+                          <a:spcPts val="0"/>
+                        </a:spcBef>
+                        <a:spcAft>
+                          <a:spcPts val="0"/>
+                        </a:spcAft>
+                        <a:buNone/>
+                      </a:pPr>
+                      <a:endParaRPr lang="zh-CN" altLang="en-US" sz="1800" b="0" spc="130">
+                        <a:solidFill>
+                          <a:srgbClr val="404040"/>
+                        </a:solidFill>
+                        <a:latin typeface="微软雅黑" panose="020B0503020204020204" charset="-122"/>
+                        <a:ea typeface="微软雅黑" panose="020B0503020204020204" charset="-122"/>
+                      </a:endParaRPr>
+                    </a:p>
+                  </a:txBody>
+                  <a:tcPr marL="45720" marR="45720" anchor="ctr">
+                    <a:lnL w="3175">
+                      <a:solidFill>
+                        <a:srgbClr val="03A9F5"/>
+                      </a:solidFill>
+                      <a:prstDash val="dot"/>
+                    </a:lnL>
+                    <a:lnR w="3175">
+                      <a:solidFill>
+                        <a:srgbClr val="03A9F5"/>
+                      </a:solidFill>
+                      <a:prstDash val="dot"/>
+                    </a:lnR>
+                    <a:lnT w="19050">
+                      <a:solidFill>
+                        <a:srgbClr val="03A9F5"/>
+                      </a:solidFill>
+                      <a:prstDash val="solid"/>
+                    </a:lnT>
+                    <a:lnB w="19050" cap="rnd">
+                      <a:solidFill>
+                        <a:srgbClr val="03A9F5"/>
+                      </a:solidFill>
+                      <a:prstDash val="solid"/>
+                    </a:lnB>
+                    <a:solidFill>
+                      <a:srgbClr val="F2F2F2"/>
+                    </a:solidFill>
+                  </a:tcPr>
+                </a:tc>
+                <a:tc>
+                  <a:txBody>
+                    <a:bodyPr/>
+                    <a:p>
+                      <a:pPr indent="0" algn="ctr">
+                        <a:lnSpc>
+                          <a:spcPct val="120000"/>
+                        </a:lnSpc>
+                        <a:spcBef>
+                          <a:spcPts val="0"/>
+                        </a:spcBef>
+                        <a:spcAft>
+                          <a:spcPts val="0"/>
+                        </a:spcAft>
+                        <a:buNone/>
+                      </a:pPr>
+                      <a:endParaRPr lang="zh-CN" altLang="en-US" sz="1800" b="0" spc="130">
+                        <a:solidFill>
+                          <a:srgbClr val="404040"/>
+                        </a:solidFill>
+                        <a:latin typeface="微软雅黑" panose="020B0503020204020204" charset="-122"/>
+                        <a:ea typeface="微软雅黑" panose="020B0503020204020204" charset="-122"/>
+                      </a:endParaRPr>
+                    </a:p>
+                  </a:txBody>
+                  <a:tcPr marL="45720" marR="45720" anchor="ctr">
+                    <a:lnL w="3175">
+                      <a:solidFill>
+                        <a:srgbClr val="03A9F5"/>
+                      </a:solidFill>
+                      <a:prstDash val="dot"/>
+                    </a:lnL>
+                    <a:lnR w="19050" cap="rnd">
+                      <a:solidFill>
+                        <a:srgbClr val="03A9F5"/>
+                      </a:solidFill>
+                      <a:prstDash val="solid"/>
+                    </a:lnR>
+                    <a:lnT w="19050">
+                      <a:solidFill>
+                        <a:srgbClr val="03A9F5"/>
+                      </a:solidFill>
+                      <a:prstDash val="solid"/>
+                    </a:lnT>
+                    <a:lnB w="19050" cap="rnd">
+                      <a:solidFill>
+                        <a:srgbClr val="03A9F5"/>
+                      </a:solidFill>
+                      <a:prstDash val="solid"/>
+                    </a:lnB>
+                    <a:solidFill>
+                      <a:srgbClr val="F2F2F2"/>
+                    </a:solidFill>
+                  </a:tcPr>
+                </a:tc>
+              </a:tr>
+            </a:tbl>
+          </a:graphicData>
+        </a:graphic>
+      </p:graphicFrame>
+      <p:sp>
+        <p:nvSpPr>
+          <p:cNvPr id="2" name="等腰三角形 1"/>
           <p:cNvSpPr/>
           <p:nvPr/>
         </p:nvSpPr>
         <p:spPr>
           <a:xfrm rot="10800000">
-            <a:off x="423545" y="4464685"/>
+            <a:off x="5756910" y="1624330"/>
             <a:ext cx="190500" cy="236220"/>
           </a:xfrm>
           <a:prstGeom prst="triangle">
@@ -4709,13 +7669,13 @@
       </p:sp>
       <p:sp>
         <p:nvSpPr>
-          <p:cNvPr id="41" name="等腰三角形 40"/>
+          <p:cNvPr id="3" name="等腰三角形 2"/>
           <p:cNvSpPr/>
           <p:nvPr/>
         </p:nvSpPr>
         <p:spPr>
-          <a:xfrm rot="10800000">
-            <a:off x="1299845" y="4464685"/>
+          <a:xfrm rot="16200000">
+            <a:off x="4932680" y="3441700"/>
             <a:ext cx="190500" cy="236220"/>
           </a:xfrm>
           <a:prstGeom prst="triangle">
@@ -4759,6 +7719,3833 @@
           </a:p>
         </p:txBody>
       </p:sp>
+      <p:sp>
+        <p:nvSpPr>
+          <p:cNvPr id="7" name="等腰三角形 6"/>
+          <p:cNvSpPr/>
+          <p:nvPr/>
+        </p:nvSpPr>
+        <p:spPr>
+          <a:xfrm rot="16200000">
+            <a:off x="2780665" y="880745"/>
+            <a:ext cx="190500" cy="236220"/>
+          </a:xfrm>
+          <a:prstGeom prst="triangle">
+            <a:avLst>
+              <a:gd name="adj" fmla="val 46000"/>
+            </a:avLst>
+          </a:prstGeom>
+          <a:solidFill>
+            <a:schemeClr val="accent4">
+              <a:lumMod val="60000"/>
+              <a:lumOff val="40000"/>
+            </a:schemeClr>
+          </a:solidFill>
+          <a:ln>
+            <a:solidFill>
+              <a:srgbClr val="FFFF00"/>
+            </a:solidFill>
+          </a:ln>
+        </p:spPr>
+        <p:style>
+          <a:lnRef idx="2">
+            <a:schemeClr val="accent1">
+              <a:shade val="50000"/>
+            </a:schemeClr>
+          </a:lnRef>
+          <a:fillRef idx="1">
+            <a:schemeClr val="accent1"/>
+          </a:fillRef>
+          <a:effectRef idx="0">
+            <a:schemeClr val="accent1"/>
+          </a:effectRef>
+          <a:fontRef idx="minor">
+            <a:schemeClr val="lt1"/>
+          </a:fontRef>
+        </p:style>
+        <p:txBody>
+          <a:bodyPr rtlCol="0" anchor="ctr"/>
+          <a:p>
+            <a:pPr algn="ctr"/>
+            <a:endParaRPr lang="zh-CN" altLang="en-US"/>
+          </a:p>
+        </p:txBody>
+      </p:sp>
+      <p:sp>
+        <p:nvSpPr>
+          <p:cNvPr id="8" name="等腰三角形 7"/>
+          <p:cNvSpPr/>
+          <p:nvPr/>
+        </p:nvSpPr>
+        <p:spPr>
+          <a:xfrm rot="10800000">
+            <a:off x="4370070" y="367665"/>
+            <a:ext cx="190500" cy="236220"/>
+          </a:xfrm>
+          <a:prstGeom prst="triangle">
+            <a:avLst>
+              <a:gd name="adj" fmla="val 46000"/>
+            </a:avLst>
+          </a:prstGeom>
+          <a:solidFill>
+            <a:schemeClr val="accent4">
+              <a:lumMod val="60000"/>
+              <a:lumOff val="40000"/>
+            </a:schemeClr>
+          </a:solidFill>
+          <a:ln>
+            <a:solidFill>
+              <a:srgbClr val="FFFF00"/>
+            </a:solidFill>
+          </a:ln>
+        </p:spPr>
+        <p:style>
+          <a:lnRef idx="2">
+            <a:schemeClr val="accent1">
+              <a:shade val="50000"/>
+            </a:schemeClr>
+          </a:lnRef>
+          <a:fillRef idx="1">
+            <a:schemeClr val="accent1"/>
+          </a:fillRef>
+          <a:effectRef idx="0">
+            <a:schemeClr val="accent1"/>
+          </a:effectRef>
+          <a:fontRef idx="minor">
+            <a:schemeClr val="lt1"/>
+          </a:fontRef>
+        </p:style>
+        <p:txBody>
+          <a:bodyPr rtlCol="0" anchor="ctr"/>
+          <a:p>
+            <a:pPr algn="ctr"/>
+            <a:endParaRPr lang="zh-CN" altLang="en-US"/>
+          </a:p>
+        </p:txBody>
+      </p:sp>
+      <p:sp>
+        <p:nvSpPr>
+          <p:cNvPr id="10" name="等腰三角形 9"/>
+          <p:cNvSpPr/>
+          <p:nvPr/>
+        </p:nvSpPr>
+        <p:spPr>
+          <a:xfrm>
+            <a:off x="5456555" y="2514600"/>
+            <a:ext cx="190500" cy="236220"/>
+          </a:xfrm>
+          <a:prstGeom prst="triangle">
+            <a:avLst>
+              <a:gd name="adj" fmla="val 46000"/>
+            </a:avLst>
+          </a:prstGeom>
+          <a:solidFill>
+            <a:schemeClr val="accent4">
+              <a:lumMod val="60000"/>
+              <a:lumOff val="40000"/>
+            </a:schemeClr>
+          </a:solidFill>
+          <a:ln>
+            <a:solidFill>
+              <a:srgbClr val="FFFF00"/>
+            </a:solidFill>
+          </a:ln>
+        </p:spPr>
+        <p:style>
+          <a:lnRef idx="2">
+            <a:schemeClr val="accent1">
+              <a:shade val="50000"/>
+            </a:schemeClr>
+          </a:lnRef>
+          <a:fillRef idx="1">
+            <a:schemeClr val="accent1"/>
+          </a:fillRef>
+          <a:effectRef idx="0">
+            <a:schemeClr val="accent1"/>
+          </a:effectRef>
+          <a:fontRef idx="minor">
+            <a:schemeClr val="lt1"/>
+          </a:fontRef>
+        </p:style>
+        <p:txBody>
+          <a:bodyPr rtlCol="0" anchor="ctr"/>
+          <a:p>
+            <a:pPr algn="ctr"/>
+            <a:endParaRPr lang="zh-CN" altLang="en-US"/>
+          </a:p>
+        </p:txBody>
+      </p:sp>
+      <p:sp>
+        <p:nvSpPr>
+          <p:cNvPr id="11" name="等腰三角形 10"/>
+          <p:cNvSpPr/>
+          <p:nvPr/>
+        </p:nvSpPr>
+        <p:spPr>
+          <a:xfrm rot="10800000">
+            <a:off x="1984375" y="3614420"/>
+            <a:ext cx="190500" cy="236220"/>
+          </a:xfrm>
+          <a:prstGeom prst="triangle">
+            <a:avLst>
+              <a:gd name="adj" fmla="val 46000"/>
+            </a:avLst>
+          </a:prstGeom>
+          <a:solidFill>
+            <a:schemeClr val="accent4">
+              <a:lumMod val="60000"/>
+              <a:lumOff val="40000"/>
+            </a:schemeClr>
+          </a:solidFill>
+          <a:ln>
+            <a:solidFill>
+              <a:srgbClr val="FFFF00"/>
+            </a:solidFill>
+          </a:ln>
+        </p:spPr>
+        <p:style>
+          <a:lnRef idx="2">
+            <a:schemeClr val="accent1">
+              <a:shade val="50000"/>
+            </a:schemeClr>
+          </a:lnRef>
+          <a:fillRef idx="1">
+            <a:schemeClr val="accent1"/>
+          </a:fillRef>
+          <a:effectRef idx="0">
+            <a:schemeClr val="accent1"/>
+          </a:effectRef>
+          <a:fontRef idx="minor">
+            <a:schemeClr val="lt1"/>
+          </a:fontRef>
+        </p:style>
+        <p:txBody>
+          <a:bodyPr rtlCol="0" anchor="ctr"/>
+          <a:p>
+            <a:pPr algn="ctr"/>
+            <a:endParaRPr lang="zh-CN" altLang="en-US"/>
+          </a:p>
+        </p:txBody>
+      </p:sp>
+      <p:sp>
+        <p:nvSpPr>
+          <p:cNvPr id="46" name="矩形 45"/>
+          <p:cNvSpPr/>
+          <p:nvPr/>
+        </p:nvSpPr>
+        <p:spPr>
+          <a:xfrm>
+            <a:off x="858520" y="2099945"/>
+            <a:ext cx="292735" cy="236855"/>
+          </a:xfrm>
+          <a:prstGeom prst="rect">
+            <a:avLst/>
+          </a:prstGeom>
+        </p:spPr>
+        <p:style>
+          <a:lnRef idx="0">
+            <a:schemeClr val="accent1"/>
+          </a:lnRef>
+          <a:fillRef idx="3">
+            <a:schemeClr val="accent1"/>
+          </a:fillRef>
+          <a:effectRef idx="3">
+            <a:schemeClr val="accent1"/>
+          </a:effectRef>
+          <a:fontRef idx="minor">
+            <a:schemeClr val="lt1"/>
+          </a:fontRef>
+        </p:style>
+        <p:txBody>
+          <a:bodyPr rtlCol="0" anchor="ctr"/>
+          <a:p>
+            <a:pPr algn="ctr"/>
+            <a:endParaRPr lang="zh-CN" altLang="en-US"/>
+          </a:p>
+        </p:txBody>
+      </p:sp>
+      <p:sp>
+        <p:nvSpPr>
+          <p:cNvPr id="47" name="等腰三角形 46"/>
+          <p:cNvSpPr/>
+          <p:nvPr/>
+        </p:nvSpPr>
+        <p:spPr>
+          <a:xfrm rot="10800000">
+            <a:off x="5855970" y="3713480"/>
+            <a:ext cx="190500" cy="236220"/>
+          </a:xfrm>
+          <a:prstGeom prst="triangle">
+            <a:avLst>
+              <a:gd name="adj" fmla="val 46000"/>
+            </a:avLst>
+          </a:prstGeom>
+          <a:solidFill>
+            <a:schemeClr val="accent4">
+              <a:lumMod val="60000"/>
+              <a:lumOff val="40000"/>
+            </a:schemeClr>
+          </a:solidFill>
+          <a:ln>
+            <a:solidFill>
+              <a:srgbClr val="FFFF00"/>
+            </a:solidFill>
+          </a:ln>
+        </p:spPr>
+        <p:style>
+          <a:lnRef idx="2">
+            <a:schemeClr val="accent1">
+              <a:shade val="50000"/>
+            </a:schemeClr>
+          </a:lnRef>
+          <a:fillRef idx="1">
+            <a:schemeClr val="accent1"/>
+          </a:fillRef>
+          <a:effectRef idx="0">
+            <a:schemeClr val="accent1"/>
+          </a:effectRef>
+          <a:fontRef idx="minor">
+            <a:schemeClr val="lt1"/>
+          </a:fontRef>
+        </p:style>
+        <p:txBody>
+          <a:bodyPr rtlCol="0" anchor="ctr"/>
+          <a:p>
+            <a:pPr algn="ctr"/>
+            <a:endParaRPr lang="zh-CN" altLang="en-US"/>
+          </a:p>
+        </p:txBody>
+      </p:sp>
+      <p:sp>
+        <p:nvSpPr>
+          <p:cNvPr id="48" name="矩形 47"/>
+          <p:cNvSpPr/>
+          <p:nvPr/>
+        </p:nvSpPr>
+        <p:spPr>
+          <a:xfrm>
+            <a:off x="5805170" y="4102100"/>
+            <a:ext cx="292735" cy="236855"/>
+          </a:xfrm>
+          <a:prstGeom prst="rect">
+            <a:avLst/>
+          </a:prstGeom>
+        </p:spPr>
+        <p:style>
+          <a:lnRef idx="0">
+            <a:schemeClr val="accent1"/>
+          </a:lnRef>
+          <a:fillRef idx="3">
+            <a:schemeClr val="accent1"/>
+          </a:fillRef>
+          <a:effectRef idx="3">
+            <a:schemeClr val="accent1"/>
+          </a:effectRef>
+          <a:fontRef idx="minor">
+            <a:schemeClr val="lt1"/>
+          </a:fontRef>
+        </p:style>
+        <p:txBody>
+          <a:bodyPr rtlCol="0" anchor="ctr"/>
+          <a:p>
+            <a:pPr algn="ctr"/>
+            <a:endParaRPr lang="zh-CN" altLang="en-US"/>
+          </a:p>
+        </p:txBody>
+      </p:sp>
+      <p:sp>
+        <p:nvSpPr>
+          <p:cNvPr id="50" name="文本框 49"/>
+          <p:cNvSpPr txBox="1"/>
+          <p:nvPr/>
+        </p:nvSpPr>
+        <p:spPr>
+          <a:xfrm>
+            <a:off x="6233795" y="3677920"/>
+            <a:ext cx="864870" cy="306705"/>
+          </a:xfrm>
+          <a:prstGeom prst="rect">
+            <a:avLst/>
+          </a:prstGeom>
+          <a:noFill/>
+        </p:spPr>
+        <p:txBody>
+          <a:bodyPr wrap="square" rtlCol="0">
+            <a:spAutoFit/>
+          </a:bodyPr>
+          <a:p>
+            <a:pPr algn="l">
+              <a:buClrTx/>
+              <a:buSzTx/>
+              <a:buFontTx/>
+            </a:pPr>
+            <a:r>
+              <a:rPr lang="zh-CN" altLang="en-US" sz="1400">
+                <a:solidFill>
+                  <a:srgbClr val="002060"/>
+                </a:solidFill>
+                <a:effectLst>
+                  <a:outerShdw blurRad="38100" dist="25400" dir="5400000" algn="ctr" rotWithShape="0">
+                    <a:srgbClr val="6E747A">
+                      <a:alpha val="43000"/>
+                    </a:srgbClr>
+                  </a:outerShdw>
+                </a:effectLst>
+              </a:rPr>
+              <a:t>监测点</a:t>
+            </a:r>
+            <a:endParaRPr lang="zh-CN" altLang="en-US" sz="1400">
+              <a:solidFill>
+                <a:srgbClr val="002060"/>
+              </a:solidFill>
+              <a:effectLst>
+                <a:outerShdw blurRad="38100" dist="25400" dir="5400000" algn="ctr" rotWithShape="0">
+                  <a:srgbClr val="6E747A">
+                    <a:alpha val="43000"/>
+                  </a:srgbClr>
+                </a:outerShdw>
+              </a:effectLst>
+            </a:endParaRPr>
+          </a:p>
+        </p:txBody>
+      </p:sp>
+      <p:sp>
+        <p:nvSpPr>
+          <p:cNvPr id="51" name="文本框 50"/>
+          <p:cNvSpPr txBox="1"/>
+          <p:nvPr/>
+        </p:nvSpPr>
+        <p:spPr>
+          <a:xfrm>
+            <a:off x="6233795" y="4067175"/>
+            <a:ext cx="864870" cy="306705"/>
+          </a:xfrm>
+          <a:prstGeom prst="rect">
+            <a:avLst/>
+          </a:prstGeom>
+          <a:noFill/>
+        </p:spPr>
+        <p:txBody>
+          <a:bodyPr wrap="square" rtlCol="0">
+            <a:spAutoFit/>
+          </a:bodyPr>
+          <a:p>
+            <a:pPr algn="l">
+              <a:buClrTx/>
+              <a:buSzTx/>
+              <a:buFontTx/>
+            </a:pPr>
+            <a:r>
+              <a:rPr lang="zh-CN" altLang="en-US" sz="1400">
+                <a:solidFill>
+                  <a:srgbClr val="002060"/>
+                </a:solidFill>
+                <a:effectLst>
+                  <a:outerShdw blurRad="38100" dist="25400" dir="5400000" algn="ctr" rotWithShape="0">
+                    <a:srgbClr val="6E747A">
+                      <a:alpha val="43000"/>
+                    </a:srgbClr>
+                  </a:outerShdw>
+                </a:effectLst>
+              </a:rPr>
+              <a:t>检测车</a:t>
+            </a:r>
+            <a:endParaRPr lang="zh-CN" altLang="en-US" sz="1400">
+              <a:solidFill>
+                <a:srgbClr val="002060"/>
+              </a:solidFill>
+              <a:effectLst>
+                <a:outerShdw blurRad="38100" dist="25400" dir="5400000" algn="ctr" rotWithShape="0">
+                  <a:srgbClr val="6E747A">
+                    <a:alpha val="43000"/>
+                  </a:srgbClr>
+                </a:outerShdw>
+              </a:effectLst>
+            </a:endParaRPr>
+          </a:p>
+        </p:txBody>
+      </p:sp>
+      <p:sp>
+        <p:nvSpPr>
+          <p:cNvPr id="52" name="文本框 51"/>
+          <p:cNvSpPr txBox="1"/>
+          <p:nvPr/>
+        </p:nvSpPr>
+        <p:spPr>
+          <a:xfrm>
+            <a:off x="1917700" y="3357245"/>
+            <a:ext cx="323850" cy="306705"/>
+          </a:xfrm>
+          <a:prstGeom prst="rect">
+            <a:avLst/>
+          </a:prstGeom>
+          <a:noFill/>
+        </p:spPr>
+        <p:txBody>
+          <a:bodyPr wrap="square" rtlCol="0" anchor="t">
+            <a:spAutoFit/>
+          </a:bodyPr>
+          <a:p>
+            <a:pPr algn="l">
+              <a:buClrTx/>
+              <a:buSzTx/>
+              <a:buFontTx/>
+            </a:pPr>
+            <a:r>
+              <a:rPr lang="en-US" altLang="zh-CN" sz="1400">
+                <a:solidFill>
+                  <a:srgbClr val="002060"/>
+                </a:solidFill>
+                <a:effectLst>
+                  <a:outerShdw blurRad="38100" dist="25400" dir="5400000" algn="ctr" rotWithShape="0">
+                    <a:srgbClr val="6E747A">
+                      <a:alpha val="43000"/>
+                    </a:srgbClr>
+                  </a:outerShdw>
+                </a:effectLst>
+                <a:sym typeface="+mn-ea"/>
+              </a:rPr>
+              <a:t>A</a:t>
+            </a:r>
+            <a:endParaRPr lang="en-US" altLang="zh-CN" sz="1400">
+              <a:solidFill>
+                <a:srgbClr val="002060"/>
+              </a:solidFill>
+              <a:effectLst>
+                <a:outerShdw blurRad="38100" dist="25400" dir="5400000" algn="ctr" rotWithShape="0">
+                  <a:srgbClr val="6E747A">
+                    <a:alpha val="43000"/>
+                  </a:srgbClr>
+                </a:outerShdw>
+              </a:effectLst>
+              <a:sym typeface="+mn-ea"/>
+            </a:endParaRPr>
+          </a:p>
+        </p:txBody>
+      </p:sp>
+      <p:sp>
+        <p:nvSpPr>
+          <p:cNvPr id="53" name="文本框 52"/>
+          <p:cNvSpPr txBox="1"/>
+          <p:nvPr/>
+        </p:nvSpPr>
+        <p:spPr>
+          <a:xfrm>
+            <a:off x="2945765" y="845185"/>
+            <a:ext cx="323850" cy="306705"/>
+          </a:xfrm>
+          <a:prstGeom prst="rect">
+            <a:avLst/>
+          </a:prstGeom>
+          <a:noFill/>
+        </p:spPr>
+        <p:txBody>
+          <a:bodyPr wrap="square" rtlCol="0" anchor="t">
+            <a:spAutoFit/>
+          </a:bodyPr>
+          <a:p>
+            <a:pPr algn="l">
+              <a:buClrTx/>
+              <a:buSzTx/>
+              <a:buFontTx/>
+            </a:pPr>
+            <a:r>
+              <a:rPr lang="en-US" altLang="zh-CN" sz="1400">
+                <a:solidFill>
+                  <a:srgbClr val="002060"/>
+                </a:solidFill>
+                <a:effectLst>
+                  <a:outerShdw blurRad="38100" dist="25400" dir="5400000" algn="ctr" rotWithShape="0">
+                    <a:srgbClr val="6E747A">
+                      <a:alpha val="43000"/>
+                    </a:srgbClr>
+                  </a:outerShdw>
+                </a:effectLst>
+                <a:sym typeface="+mn-ea"/>
+              </a:rPr>
+              <a:t>B</a:t>
+            </a:r>
+            <a:endParaRPr lang="en-US" altLang="zh-CN" sz="1400">
+              <a:solidFill>
+                <a:srgbClr val="002060"/>
+              </a:solidFill>
+              <a:effectLst>
+                <a:outerShdw blurRad="38100" dist="25400" dir="5400000" algn="ctr" rotWithShape="0">
+                  <a:srgbClr val="6E747A">
+                    <a:alpha val="43000"/>
+                  </a:srgbClr>
+                </a:outerShdw>
+              </a:effectLst>
+              <a:sym typeface="+mn-ea"/>
+            </a:endParaRPr>
+          </a:p>
+        </p:txBody>
+      </p:sp>
+      <p:grpSp>
+        <p:nvGrpSpPr>
+          <p:cNvPr id="55" name="组合 54"/>
+          <p:cNvGrpSpPr/>
+          <p:nvPr/>
+        </p:nvGrpSpPr>
+        <p:grpSpPr>
+          <a:xfrm>
+            <a:off x="218440" y="277495"/>
+            <a:ext cx="6697345" cy="4010025"/>
+            <a:chOff x="1222" y="4989"/>
+            <a:chExt cx="8201" cy="4910"/>
+          </a:xfrm>
+        </p:grpSpPr>
+        <p:cxnSp>
+          <p:nvCxnSpPr>
+            <p:cNvPr id="56" name="肘形连接符 55"/>
+            <p:cNvCxnSpPr/>
+            <p:nvPr/>
+          </p:nvCxnSpPr>
+          <p:spPr>
+            <a:xfrm>
+              <a:off x="2524" y="5536"/>
+              <a:ext cx="4380" cy="4270"/>
+            </a:xfrm>
+            <a:prstGeom prst="bentConnector3">
+              <a:avLst>
+                <a:gd name="adj1" fmla="val 99908"/>
+              </a:avLst>
+            </a:prstGeom>
+            <a:ln w="63500" cap="rnd">
+              <a:round/>
+            </a:ln>
+          </p:spPr>
+          <p:style>
+            <a:lnRef idx="1">
+              <a:schemeClr val="accent1"/>
+            </a:lnRef>
+            <a:fillRef idx="0">
+              <a:schemeClr val="accent1"/>
+            </a:fillRef>
+            <a:effectRef idx="0">
+              <a:schemeClr val="accent1"/>
+            </a:effectRef>
+            <a:fontRef idx="minor">
+              <a:schemeClr val="tx1"/>
+            </a:fontRef>
+          </p:style>
+        </p:cxnSp>
+        <p:cxnSp>
+          <p:nvCxnSpPr>
+            <p:cNvPr id="57" name="肘形连接符 56"/>
+            <p:cNvCxnSpPr/>
+            <p:nvPr/>
+          </p:nvCxnSpPr>
+          <p:spPr>
+            <a:xfrm flipV="1">
+              <a:off x="1222" y="7653"/>
+              <a:ext cx="8092" cy="4"/>
+            </a:xfrm>
+            <a:prstGeom prst="bentConnector3">
+              <a:avLst>
+                <a:gd name="adj1" fmla="val 50004"/>
+              </a:avLst>
+            </a:prstGeom>
+            <a:ln w="63500" cap="rnd">
+              <a:solidFill>
+                <a:srgbClr val="C00000"/>
+              </a:solidFill>
+              <a:round/>
+            </a:ln>
+          </p:spPr>
+          <p:style>
+            <a:lnRef idx="1">
+              <a:schemeClr val="accent1"/>
+            </a:lnRef>
+            <a:fillRef idx="0">
+              <a:schemeClr val="accent1"/>
+            </a:fillRef>
+            <a:effectRef idx="0">
+              <a:schemeClr val="accent1"/>
+            </a:effectRef>
+            <a:fontRef idx="minor">
+              <a:schemeClr val="tx1"/>
+            </a:fontRef>
+          </p:style>
+        </p:cxnSp>
+        <p:cxnSp>
+          <p:nvCxnSpPr>
+            <p:cNvPr id="58" name="肘形连接符 57"/>
+            <p:cNvCxnSpPr/>
+            <p:nvPr/>
+          </p:nvCxnSpPr>
+          <p:spPr>
+            <a:xfrm rot="5400000" flipV="1">
+              <a:off x="2156" y="7140"/>
+              <a:ext cx="4910" cy="608"/>
+            </a:xfrm>
+            <a:prstGeom prst="bentConnector3">
+              <a:avLst>
+                <a:gd name="adj1" fmla="val 32695"/>
+              </a:avLst>
+            </a:prstGeom>
+            <a:ln w="63500" cap="rnd">
+              <a:solidFill>
+                <a:schemeClr val="accent4">
+                  <a:lumMod val="75000"/>
+                </a:schemeClr>
+              </a:solidFill>
+              <a:round/>
+            </a:ln>
+          </p:spPr>
+          <p:style>
+            <a:lnRef idx="1">
+              <a:schemeClr val="accent1"/>
+            </a:lnRef>
+            <a:fillRef idx="0">
+              <a:schemeClr val="accent1"/>
+            </a:fillRef>
+            <a:effectRef idx="0">
+              <a:schemeClr val="accent1"/>
+            </a:effectRef>
+            <a:fontRef idx="minor">
+              <a:schemeClr val="tx1"/>
+            </a:fontRef>
+          </p:style>
+        </p:cxnSp>
+        <p:cxnSp>
+          <p:nvCxnSpPr>
+            <p:cNvPr id="59" name="肘形连接符 58"/>
+            <p:cNvCxnSpPr/>
+            <p:nvPr/>
+          </p:nvCxnSpPr>
+          <p:spPr>
+            <a:xfrm flipV="1">
+              <a:off x="2063" y="7075"/>
+              <a:ext cx="7360" cy="2359"/>
+            </a:xfrm>
+            <a:prstGeom prst="bentConnector3">
+              <a:avLst>
+                <a:gd name="adj1" fmla="val 50014"/>
+              </a:avLst>
+            </a:prstGeom>
+            <a:ln w="63500" cap="rnd">
+              <a:solidFill>
+                <a:schemeClr val="accent3">
+                  <a:lumMod val="75000"/>
+                </a:schemeClr>
+              </a:solidFill>
+              <a:round/>
+            </a:ln>
+          </p:spPr>
+          <p:style>
+            <a:lnRef idx="1">
+              <a:schemeClr val="accent1"/>
+            </a:lnRef>
+            <a:fillRef idx="0">
+              <a:schemeClr val="accent1"/>
+            </a:fillRef>
+            <a:effectRef idx="0">
+              <a:schemeClr val="accent1"/>
+            </a:effectRef>
+            <a:fontRef idx="minor">
+              <a:schemeClr val="tx1"/>
+            </a:fontRef>
+          </p:style>
+        </p:cxnSp>
+        <p:sp>
+          <p:nvSpPr>
+            <p:cNvPr id="60" name="椭圆 59"/>
+            <p:cNvSpPr/>
+            <p:nvPr/>
+          </p:nvSpPr>
+          <p:spPr>
+            <a:xfrm>
+              <a:off x="1845" y="7581"/>
+              <a:ext cx="142" cy="147"/>
+            </a:xfrm>
+            <a:prstGeom prst="ellipse">
+              <a:avLst/>
+            </a:prstGeom>
+            <a:solidFill>
+              <a:schemeClr val="bg1">
+                <a:lumMod val="65000"/>
+              </a:schemeClr>
+            </a:solidFill>
+            <a:ln>
+              <a:solidFill>
+                <a:schemeClr val="bg1"/>
+              </a:solidFill>
+            </a:ln>
+          </p:spPr>
+          <p:style>
+            <a:lnRef idx="2">
+              <a:schemeClr val="accent1">
+                <a:shade val="50000"/>
+              </a:schemeClr>
+            </a:lnRef>
+            <a:fillRef idx="1">
+              <a:schemeClr val="accent1"/>
+            </a:fillRef>
+            <a:effectRef idx="0">
+              <a:schemeClr val="accent1"/>
+            </a:effectRef>
+            <a:fontRef idx="minor">
+              <a:schemeClr val="lt1"/>
+            </a:fontRef>
+          </p:style>
+          <p:txBody>
+            <a:bodyPr rtlCol="0" anchor="ctr"/>
+            <a:p>
+              <a:pPr algn="ctr"/>
+              <a:endParaRPr lang="zh-CN" altLang="en-US"/>
+            </a:p>
+          </p:txBody>
+        </p:sp>
+        <p:sp>
+          <p:nvSpPr>
+            <p:cNvPr id="61" name="椭圆 60"/>
+            <p:cNvSpPr/>
+            <p:nvPr/>
+          </p:nvSpPr>
+          <p:spPr>
+            <a:xfrm>
+              <a:off x="4851" y="7583"/>
+              <a:ext cx="142" cy="147"/>
+            </a:xfrm>
+            <a:prstGeom prst="ellipse">
+              <a:avLst/>
+            </a:prstGeom>
+            <a:solidFill>
+              <a:schemeClr val="bg1">
+                <a:lumMod val="65000"/>
+              </a:schemeClr>
+            </a:solidFill>
+            <a:ln>
+              <a:solidFill>
+                <a:schemeClr val="bg1"/>
+              </a:solidFill>
+            </a:ln>
+          </p:spPr>
+          <p:style>
+            <a:lnRef idx="2">
+              <a:schemeClr val="accent1">
+                <a:shade val="50000"/>
+              </a:schemeClr>
+            </a:lnRef>
+            <a:fillRef idx="1">
+              <a:schemeClr val="accent1"/>
+            </a:fillRef>
+            <a:effectRef idx="0">
+              <a:schemeClr val="accent1"/>
+            </a:effectRef>
+            <a:fontRef idx="minor">
+              <a:schemeClr val="lt1"/>
+            </a:fontRef>
+          </p:style>
+          <p:txBody>
+            <a:bodyPr rtlCol="0" anchor="ctr"/>
+            <a:p>
+              <a:pPr algn="ctr"/>
+              <a:endParaRPr lang="zh-CN" altLang="en-US"/>
+            </a:p>
+          </p:txBody>
+        </p:sp>
+        <p:sp>
+          <p:nvSpPr>
+            <p:cNvPr id="62" name="椭圆 61"/>
+            <p:cNvSpPr/>
+            <p:nvPr/>
+          </p:nvSpPr>
+          <p:spPr>
+            <a:xfrm>
+              <a:off x="4845" y="8427"/>
+              <a:ext cx="142" cy="147"/>
+            </a:xfrm>
+            <a:prstGeom prst="ellipse">
+              <a:avLst/>
+            </a:prstGeom>
+            <a:solidFill>
+              <a:schemeClr val="bg1">
+                <a:lumMod val="65000"/>
+              </a:schemeClr>
+            </a:solidFill>
+            <a:ln>
+              <a:solidFill>
+                <a:schemeClr val="bg1"/>
+              </a:solidFill>
+            </a:ln>
+          </p:spPr>
+          <p:style>
+            <a:lnRef idx="2">
+              <a:schemeClr val="accent1">
+                <a:shade val="50000"/>
+              </a:schemeClr>
+            </a:lnRef>
+            <a:fillRef idx="1">
+              <a:schemeClr val="accent1"/>
+            </a:fillRef>
+            <a:effectRef idx="0">
+              <a:schemeClr val="accent1"/>
+            </a:effectRef>
+            <a:fontRef idx="minor">
+              <a:schemeClr val="lt1"/>
+            </a:fontRef>
+          </p:style>
+          <p:txBody>
+            <a:bodyPr rtlCol="0" anchor="ctr"/>
+            <a:p>
+              <a:pPr algn="ctr"/>
+              <a:endParaRPr lang="zh-CN" altLang="en-US"/>
+            </a:p>
+          </p:txBody>
+        </p:sp>
+        <p:sp>
+          <p:nvSpPr>
+            <p:cNvPr id="63" name="椭圆 62"/>
+            <p:cNvSpPr/>
+            <p:nvPr/>
+          </p:nvSpPr>
+          <p:spPr>
+            <a:xfrm>
+              <a:off x="5682" y="7601"/>
+              <a:ext cx="142" cy="147"/>
+            </a:xfrm>
+            <a:prstGeom prst="ellipse">
+              <a:avLst/>
+            </a:prstGeom>
+            <a:solidFill>
+              <a:schemeClr val="bg1">
+                <a:lumMod val="65000"/>
+              </a:schemeClr>
+            </a:solidFill>
+            <a:ln>
+              <a:solidFill>
+                <a:schemeClr val="bg1"/>
+              </a:solidFill>
+            </a:ln>
+          </p:spPr>
+          <p:style>
+            <a:lnRef idx="2">
+              <a:schemeClr val="accent1">
+                <a:shade val="50000"/>
+              </a:schemeClr>
+            </a:lnRef>
+            <a:fillRef idx="1">
+              <a:schemeClr val="accent1"/>
+            </a:fillRef>
+            <a:effectRef idx="0">
+              <a:schemeClr val="accent1"/>
+            </a:effectRef>
+            <a:fontRef idx="minor">
+              <a:schemeClr val="lt1"/>
+            </a:fontRef>
+          </p:style>
+          <p:txBody>
+            <a:bodyPr rtlCol="0" anchor="ctr"/>
+            <a:p>
+              <a:pPr algn="ctr"/>
+              <a:endParaRPr lang="zh-CN" altLang="en-US"/>
+            </a:p>
+          </p:txBody>
+        </p:sp>
+        <p:sp>
+          <p:nvSpPr>
+            <p:cNvPr id="64" name="椭圆 63"/>
+            <p:cNvSpPr/>
+            <p:nvPr/>
+          </p:nvSpPr>
+          <p:spPr>
+            <a:xfrm>
+              <a:off x="6828" y="7009"/>
+              <a:ext cx="142" cy="147"/>
+            </a:xfrm>
+            <a:prstGeom prst="ellipse">
+              <a:avLst/>
+            </a:prstGeom>
+            <a:solidFill>
+              <a:schemeClr val="bg1">
+                <a:lumMod val="65000"/>
+              </a:schemeClr>
+            </a:solidFill>
+            <a:ln>
+              <a:solidFill>
+                <a:schemeClr val="bg1"/>
+              </a:solidFill>
+            </a:ln>
+          </p:spPr>
+          <p:style>
+            <a:lnRef idx="2">
+              <a:schemeClr val="accent1">
+                <a:shade val="50000"/>
+              </a:schemeClr>
+            </a:lnRef>
+            <a:fillRef idx="1">
+              <a:schemeClr val="accent1"/>
+            </a:fillRef>
+            <a:effectRef idx="0">
+              <a:schemeClr val="accent1"/>
+            </a:effectRef>
+            <a:fontRef idx="minor">
+              <a:schemeClr val="lt1"/>
+            </a:fontRef>
+          </p:style>
+          <p:txBody>
+            <a:bodyPr rtlCol="0" anchor="ctr"/>
+            <a:p>
+              <a:pPr algn="ctr"/>
+              <a:endParaRPr lang="zh-CN" altLang="en-US"/>
+            </a:p>
+          </p:txBody>
+        </p:sp>
+        <p:sp>
+          <p:nvSpPr>
+            <p:cNvPr id="65" name="椭圆 64"/>
+            <p:cNvSpPr/>
+            <p:nvPr/>
+          </p:nvSpPr>
+          <p:spPr>
+            <a:xfrm>
+              <a:off x="6828" y="7583"/>
+              <a:ext cx="142" cy="147"/>
+            </a:xfrm>
+            <a:prstGeom prst="ellipse">
+              <a:avLst/>
+            </a:prstGeom>
+            <a:solidFill>
+              <a:schemeClr val="bg1">
+                <a:lumMod val="65000"/>
+              </a:schemeClr>
+            </a:solidFill>
+            <a:ln>
+              <a:solidFill>
+                <a:schemeClr val="bg1"/>
+              </a:solidFill>
+            </a:ln>
+          </p:spPr>
+          <p:style>
+            <a:lnRef idx="2">
+              <a:schemeClr val="accent1">
+                <a:shade val="50000"/>
+              </a:schemeClr>
+            </a:lnRef>
+            <a:fillRef idx="1">
+              <a:schemeClr val="accent1"/>
+            </a:fillRef>
+            <a:effectRef idx="0">
+              <a:schemeClr val="accent1"/>
+            </a:effectRef>
+            <a:fontRef idx="minor">
+              <a:schemeClr val="lt1"/>
+            </a:fontRef>
+          </p:style>
+          <p:txBody>
+            <a:bodyPr rtlCol="0" anchor="ctr"/>
+            <a:p>
+              <a:pPr algn="ctr"/>
+              <a:endParaRPr lang="zh-CN" altLang="en-US"/>
+            </a:p>
+          </p:txBody>
+        </p:sp>
+        <p:sp>
+          <p:nvSpPr>
+            <p:cNvPr id="66" name="椭圆 65"/>
+            <p:cNvSpPr/>
+            <p:nvPr/>
+          </p:nvSpPr>
+          <p:spPr>
+            <a:xfrm>
+              <a:off x="4233" y="5476"/>
+              <a:ext cx="142" cy="147"/>
+            </a:xfrm>
+            <a:prstGeom prst="ellipse">
+              <a:avLst/>
+            </a:prstGeom>
+            <a:solidFill>
+              <a:schemeClr val="bg1">
+                <a:lumMod val="65000"/>
+              </a:schemeClr>
+            </a:solidFill>
+            <a:ln>
+              <a:solidFill>
+                <a:schemeClr val="bg1"/>
+              </a:solidFill>
+            </a:ln>
+          </p:spPr>
+          <p:style>
+            <a:lnRef idx="2">
+              <a:schemeClr val="accent1">
+                <a:shade val="50000"/>
+              </a:schemeClr>
+            </a:lnRef>
+            <a:fillRef idx="1">
+              <a:schemeClr val="accent1"/>
+            </a:fillRef>
+            <a:effectRef idx="0">
+              <a:schemeClr val="accent1"/>
+            </a:effectRef>
+            <a:fontRef idx="minor">
+              <a:schemeClr val="lt1"/>
+            </a:fontRef>
+          </p:style>
+          <p:txBody>
+            <a:bodyPr rtlCol="0" anchor="ctr"/>
+            <a:p>
+              <a:pPr algn="ctr"/>
+              <a:endParaRPr lang="zh-CN" altLang="en-US"/>
+            </a:p>
+          </p:txBody>
+        </p:sp>
+        <p:sp>
+          <p:nvSpPr>
+            <p:cNvPr id="67" name="椭圆 66"/>
+            <p:cNvSpPr/>
+            <p:nvPr/>
+          </p:nvSpPr>
+          <p:spPr>
+            <a:xfrm>
+              <a:off x="5050" y="5476"/>
+              <a:ext cx="142" cy="147"/>
+            </a:xfrm>
+            <a:prstGeom prst="ellipse">
+              <a:avLst/>
+            </a:prstGeom>
+            <a:solidFill>
+              <a:schemeClr val="bg1">
+                <a:lumMod val="65000"/>
+              </a:schemeClr>
+            </a:solidFill>
+            <a:ln>
+              <a:solidFill>
+                <a:schemeClr val="bg1"/>
+              </a:solidFill>
+            </a:ln>
+          </p:spPr>
+          <p:style>
+            <a:lnRef idx="2">
+              <a:schemeClr val="accent1">
+                <a:shade val="50000"/>
+              </a:schemeClr>
+            </a:lnRef>
+            <a:fillRef idx="1">
+              <a:schemeClr val="accent1"/>
+            </a:fillRef>
+            <a:effectRef idx="0">
+              <a:schemeClr val="accent1"/>
+            </a:effectRef>
+            <a:fontRef idx="minor">
+              <a:schemeClr val="lt1"/>
+            </a:fontRef>
+          </p:style>
+          <p:txBody>
+            <a:bodyPr rtlCol="0" anchor="ctr"/>
+            <a:p>
+              <a:pPr algn="ctr"/>
+              <a:endParaRPr lang="zh-CN" altLang="en-US"/>
+            </a:p>
+          </p:txBody>
+        </p:sp>
+        <p:sp>
+          <p:nvSpPr>
+            <p:cNvPr id="68" name="椭圆 67"/>
+            <p:cNvSpPr/>
+            <p:nvPr/>
+          </p:nvSpPr>
+          <p:spPr>
+            <a:xfrm>
+              <a:off x="5957" y="5476"/>
+              <a:ext cx="142" cy="147"/>
+            </a:xfrm>
+            <a:prstGeom prst="ellipse">
+              <a:avLst/>
+            </a:prstGeom>
+            <a:solidFill>
+              <a:schemeClr val="bg1">
+                <a:lumMod val="65000"/>
+              </a:schemeClr>
+            </a:solidFill>
+            <a:ln>
+              <a:solidFill>
+                <a:schemeClr val="bg1"/>
+              </a:solidFill>
+            </a:ln>
+          </p:spPr>
+          <p:style>
+            <a:lnRef idx="2">
+              <a:schemeClr val="accent1">
+                <a:shade val="50000"/>
+              </a:schemeClr>
+            </a:lnRef>
+            <a:fillRef idx="1">
+              <a:schemeClr val="accent1"/>
+            </a:fillRef>
+            <a:effectRef idx="0">
+              <a:schemeClr val="accent1"/>
+            </a:effectRef>
+            <a:fontRef idx="minor">
+              <a:schemeClr val="lt1"/>
+            </a:fontRef>
+          </p:style>
+          <p:txBody>
+            <a:bodyPr rtlCol="0" anchor="ctr"/>
+            <a:p>
+              <a:pPr algn="ctr"/>
+              <a:endParaRPr lang="zh-CN" altLang="en-US"/>
+            </a:p>
+          </p:txBody>
+        </p:sp>
+        <p:sp>
+          <p:nvSpPr>
+            <p:cNvPr id="69" name="椭圆 68"/>
+            <p:cNvSpPr/>
+            <p:nvPr/>
+          </p:nvSpPr>
+          <p:spPr>
+            <a:xfrm>
+              <a:off x="3023" y="5476"/>
+              <a:ext cx="142" cy="147"/>
+            </a:xfrm>
+            <a:prstGeom prst="ellipse">
+              <a:avLst/>
+            </a:prstGeom>
+            <a:solidFill>
+              <a:schemeClr val="bg1">
+                <a:lumMod val="65000"/>
+              </a:schemeClr>
+            </a:solidFill>
+            <a:ln>
+              <a:solidFill>
+                <a:schemeClr val="bg1"/>
+              </a:solidFill>
+            </a:ln>
+          </p:spPr>
+          <p:style>
+            <a:lnRef idx="2">
+              <a:schemeClr val="accent1">
+                <a:shade val="50000"/>
+              </a:schemeClr>
+            </a:lnRef>
+            <a:fillRef idx="1">
+              <a:schemeClr val="accent1"/>
+            </a:fillRef>
+            <a:effectRef idx="0">
+              <a:schemeClr val="accent1"/>
+            </a:effectRef>
+            <a:fontRef idx="minor">
+              <a:schemeClr val="lt1"/>
+            </a:fontRef>
+          </p:style>
+          <p:txBody>
+            <a:bodyPr rtlCol="0" anchor="ctr"/>
+            <a:p>
+              <a:pPr algn="ctr"/>
+              <a:endParaRPr lang="zh-CN" altLang="en-US"/>
+            </a:p>
+          </p:txBody>
+        </p:sp>
+        <p:sp>
+          <p:nvSpPr>
+            <p:cNvPr id="70" name="椭圆 69"/>
+            <p:cNvSpPr/>
+            <p:nvPr/>
+          </p:nvSpPr>
+          <p:spPr>
+            <a:xfrm>
+              <a:off x="2831" y="7601"/>
+              <a:ext cx="142" cy="147"/>
+            </a:xfrm>
+            <a:prstGeom prst="ellipse">
+              <a:avLst/>
+            </a:prstGeom>
+            <a:solidFill>
+              <a:schemeClr val="bg1">
+                <a:lumMod val="65000"/>
+              </a:schemeClr>
+            </a:solidFill>
+            <a:ln>
+              <a:solidFill>
+                <a:schemeClr val="bg1"/>
+              </a:solidFill>
+            </a:ln>
+          </p:spPr>
+          <p:style>
+            <a:lnRef idx="2">
+              <a:schemeClr val="accent1">
+                <a:shade val="50000"/>
+              </a:schemeClr>
+            </a:lnRef>
+            <a:fillRef idx="1">
+              <a:schemeClr val="accent1"/>
+            </a:fillRef>
+            <a:effectRef idx="0">
+              <a:schemeClr val="accent1"/>
+            </a:effectRef>
+            <a:fontRef idx="minor">
+              <a:schemeClr val="lt1"/>
+            </a:fontRef>
+          </p:style>
+          <p:txBody>
+            <a:bodyPr rtlCol="0" anchor="ctr"/>
+            <a:p>
+              <a:pPr algn="ctr"/>
+              <a:endParaRPr lang="zh-CN" altLang="en-US"/>
+            </a:p>
+          </p:txBody>
+        </p:sp>
+        <p:sp>
+          <p:nvSpPr>
+            <p:cNvPr id="71" name="椭圆 70"/>
+            <p:cNvSpPr/>
+            <p:nvPr/>
+          </p:nvSpPr>
+          <p:spPr>
+            <a:xfrm>
+              <a:off x="3537" y="7600"/>
+              <a:ext cx="142" cy="147"/>
+            </a:xfrm>
+            <a:prstGeom prst="ellipse">
+              <a:avLst/>
+            </a:prstGeom>
+            <a:solidFill>
+              <a:schemeClr val="bg1">
+                <a:lumMod val="65000"/>
+              </a:schemeClr>
+            </a:solidFill>
+            <a:ln>
+              <a:solidFill>
+                <a:schemeClr val="bg1"/>
+              </a:solidFill>
+            </a:ln>
+          </p:spPr>
+          <p:style>
+            <a:lnRef idx="2">
+              <a:schemeClr val="accent1">
+                <a:shade val="50000"/>
+              </a:schemeClr>
+            </a:lnRef>
+            <a:fillRef idx="1">
+              <a:schemeClr val="accent1"/>
+            </a:fillRef>
+            <a:effectRef idx="0">
+              <a:schemeClr val="accent1"/>
+            </a:effectRef>
+            <a:fontRef idx="minor">
+              <a:schemeClr val="lt1"/>
+            </a:fontRef>
+          </p:style>
+          <p:txBody>
+            <a:bodyPr rtlCol="0" anchor="ctr"/>
+            <a:p>
+              <a:pPr algn="ctr"/>
+              <a:endParaRPr lang="zh-CN" altLang="en-US"/>
+            </a:p>
+          </p:txBody>
+        </p:sp>
+        <p:sp>
+          <p:nvSpPr>
+            <p:cNvPr id="72" name="椭圆 71"/>
+            <p:cNvSpPr/>
+            <p:nvPr/>
+          </p:nvSpPr>
+          <p:spPr>
+            <a:xfrm>
+              <a:off x="4256" y="7583"/>
+              <a:ext cx="142" cy="147"/>
+            </a:xfrm>
+            <a:prstGeom prst="ellipse">
+              <a:avLst/>
+            </a:prstGeom>
+            <a:solidFill>
+              <a:schemeClr val="bg1">
+                <a:lumMod val="65000"/>
+              </a:schemeClr>
+            </a:solidFill>
+            <a:ln>
+              <a:solidFill>
+                <a:schemeClr val="bg1"/>
+              </a:solidFill>
+            </a:ln>
+          </p:spPr>
+          <p:style>
+            <a:lnRef idx="2">
+              <a:schemeClr val="accent1">
+                <a:shade val="50000"/>
+              </a:schemeClr>
+            </a:lnRef>
+            <a:fillRef idx="1">
+              <a:schemeClr val="accent1"/>
+            </a:fillRef>
+            <a:effectRef idx="0">
+              <a:schemeClr val="accent1"/>
+            </a:effectRef>
+            <a:fontRef idx="minor">
+              <a:schemeClr val="lt1"/>
+            </a:fontRef>
+          </p:style>
+          <p:txBody>
+            <a:bodyPr rtlCol="0" anchor="ctr"/>
+            <a:p>
+              <a:pPr algn="ctr"/>
+              <a:endParaRPr lang="zh-CN" altLang="en-US"/>
+            </a:p>
+          </p:txBody>
+        </p:sp>
+        <p:grpSp>
+          <p:nvGrpSpPr>
+            <p:cNvPr id="73" name="组合 72"/>
+            <p:cNvGrpSpPr/>
+            <p:nvPr/>
+          </p:nvGrpSpPr>
+          <p:grpSpPr>
+            <a:xfrm>
+              <a:off x="2259" y="9362"/>
+              <a:ext cx="1780" cy="146"/>
+              <a:chOff x="2259" y="9374"/>
+              <a:chExt cx="1780" cy="146"/>
+            </a:xfrm>
+          </p:grpSpPr>
+          <p:sp>
+            <p:nvSpPr>
+              <p:cNvPr id="74" name="椭圆 73"/>
+              <p:cNvSpPr/>
+              <p:nvPr/>
+            </p:nvSpPr>
+            <p:spPr>
+              <a:xfrm>
+                <a:off x="2259" y="9374"/>
+                <a:ext cx="142" cy="147"/>
+              </a:xfrm>
+              <a:prstGeom prst="ellipse">
+                <a:avLst/>
+              </a:prstGeom>
+              <a:solidFill>
+                <a:schemeClr val="bg1">
+                  <a:lumMod val="65000"/>
+                </a:schemeClr>
+              </a:solidFill>
+              <a:ln>
+                <a:solidFill>
+                  <a:schemeClr val="bg1"/>
+                </a:solidFill>
+              </a:ln>
+            </p:spPr>
+            <p:style>
+              <a:lnRef idx="2">
+                <a:schemeClr val="accent1">
+                  <a:shade val="50000"/>
+                </a:schemeClr>
+              </a:lnRef>
+              <a:fillRef idx="1">
+                <a:schemeClr val="accent1"/>
+              </a:fillRef>
+              <a:effectRef idx="0">
+                <a:schemeClr val="accent1"/>
+              </a:effectRef>
+              <a:fontRef idx="minor">
+                <a:schemeClr val="lt1"/>
+              </a:fontRef>
+            </p:style>
+            <p:txBody>
+              <a:bodyPr rtlCol="0" anchor="ctr"/>
+              <a:p>
+                <a:pPr algn="ctr"/>
+                <a:endParaRPr lang="zh-CN" altLang="en-US"/>
+              </a:p>
+            </p:txBody>
+          </p:sp>
+          <p:sp>
+            <p:nvSpPr>
+              <p:cNvPr id="75" name="椭圆 74"/>
+              <p:cNvSpPr/>
+              <p:nvPr/>
+            </p:nvSpPr>
+            <p:spPr>
+              <a:xfrm>
+                <a:off x="3120" y="9374"/>
+                <a:ext cx="142" cy="147"/>
+              </a:xfrm>
+              <a:prstGeom prst="ellipse">
+                <a:avLst/>
+              </a:prstGeom>
+              <a:solidFill>
+                <a:schemeClr val="bg1">
+                  <a:lumMod val="65000"/>
+                </a:schemeClr>
+              </a:solidFill>
+              <a:ln>
+                <a:solidFill>
+                  <a:schemeClr val="bg1"/>
+                </a:solidFill>
+              </a:ln>
+            </p:spPr>
+            <p:style>
+              <a:lnRef idx="2">
+                <a:schemeClr val="accent1">
+                  <a:shade val="50000"/>
+                </a:schemeClr>
+              </a:lnRef>
+              <a:fillRef idx="1">
+                <a:schemeClr val="accent1"/>
+              </a:fillRef>
+              <a:effectRef idx="0">
+                <a:schemeClr val="accent1"/>
+              </a:effectRef>
+              <a:fontRef idx="minor">
+                <a:schemeClr val="lt1"/>
+              </a:fontRef>
+            </p:style>
+            <p:txBody>
+              <a:bodyPr rtlCol="0" anchor="ctr"/>
+              <a:p>
+                <a:pPr algn="ctr"/>
+                <a:endParaRPr lang="zh-CN" altLang="en-US"/>
+              </a:p>
+            </p:txBody>
+          </p:sp>
+          <p:sp>
+            <p:nvSpPr>
+              <p:cNvPr id="76" name="椭圆 75"/>
+              <p:cNvSpPr/>
+              <p:nvPr/>
+            </p:nvSpPr>
+            <p:spPr>
+              <a:xfrm>
+                <a:off x="3897" y="9374"/>
+                <a:ext cx="142" cy="147"/>
+              </a:xfrm>
+              <a:prstGeom prst="ellipse">
+                <a:avLst/>
+              </a:prstGeom>
+              <a:solidFill>
+                <a:schemeClr val="bg1">
+                  <a:lumMod val="65000"/>
+                </a:schemeClr>
+              </a:solidFill>
+              <a:ln>
+                <a:solidFill>
+                  <a:schemeClr val="bg1"/>
+                </a:solidFill>
+              </a:ln>
+            </p:spPr>
+            <p:style>
+              <a:lnRef idx="2">
+                <a:schemeClr val="accent1">
+                  <a:shade val="50000"/>
+                </a:schemeClr>
+              </a:lnRef>
+              <a:fillRef idx="1">
+                <a:schemeClr val="accent1"/>
+              </a:fillRef>
+              <a:effectRef idx="0">
+                <a:schemeClr val="accent1"/>
+              </a:effectRef>
+              <a:fontRef idx="minor">
+                <a:schemeClr val="lt1"/>
+              </a:fontRef>
+            </p:style>
+            <p:txBody>
+              <a:bodyPr rtlCol="0" anchor="ctr"/>
+              <a:p>
+                <a:pPr algn="ctr"/>
+                <a:endParaRPr lang="zh-CN" altLang="en-US"/>
+              </a:p>
+            </p:txBody>
+          </p:sp>
+        </p:grpSp>
+        <p:sp>
+          <p:nvSpPr>
+            <p:cNvPr id="77" name="椭圆 76"/>
+            <p:cNvSpPr/>
+            <p:nvPr/>
+          </p:nvSpPr>
+          <p:spPr>
+            <a:xfrm>
+              <a:off x="4841" y="9364"/>
+              <a:ext cx="142" cy="147"/>
+            </a:xfrm>
+            <a:prstGeom prst="ellipse">
+              <a:avLst/>
+            </a:prstGeom>
+            <a:solidFill>
+              <a:schemeClr val="bg1">
+                <a:lumMod val="65000"/>
+              </a:schemeClr>
+            </a:solidFill>
+            <a:ln>
+              <a:solidFill>
+                <a:schemeClr val="bg1"/>
+              </a:solidFill>
+            </a:ln>
+          </p:spPr>
+          <p:style>
+            <a:lnRef idx="2">
+              <a:schemeClr val="accent1">
+                <a:shade val="50000"/>
+              </a:schemeClr>
+            </a:lnRef>
+            <a:fillRef idx="1">
+              <a:schemeClr val="accent1"/>
+            </a:fillRef>
+            <a:effectRef idx="0">
+              <a:schemeClr val="accent1"/>
+            </a:effectRef>
+            <a:fontRef idx="minor">
+              <a:schemeClr val="lt1"/>
+            </a:fontRef>
+          </p:style>
+          <p:txBody>
+            <a:bodyPr rtlCol="0" anchor="ctr"/>
+            <a:p>
+              <a:pPr algn="ctr"/>
+              <a:endParaRPr lang="zh-CN" altLang="en-US"/>
+            </a:p>
+          </p:txBody>
+        </p:sp>
+        <p:sp>
+          <p:nvSpPr>
+            <p:cNvPr id="78" name="椭圆 77"/>
+            <p:cNvSpPr/>
+            <p:nvPr/>
+          </p:nvSpPr>
+          <p:spPr>
+            <a:xfrm>
+              <a:off x="4851" y="6905"/>
+              <a:ext cx="142" cy="147"/>
+            </a:xfrm>
+            <a:prstGeom prst="ellipse">
+              <a:avLst/>
+            </a:prstGeom>
+            <a:solidFill>
+              <a:schemeClr val="bg1">
+                <a:lumMod val="65000"/>
+              </a:schemeClr>
+            </a:solidFill>
+            <a:ln>
+              <a:solidFill>
+                <a:schemeClr val="bg1"/>
+              </a:solidFill>
+            </a:ln>
+          </p:spPr>
+          <p:style>
+            <a:lnRef idx="2">
+              <a:schemeClr val="accent1">
+                <a:shade val="50000"/>
+              </a:schemeClr>
+            </a:lnRef>
+            <a:fillRef idx="1">
+              <a:schemeClr val="accent1"/>
+            </a:fillRef>
+            <a:effectRef idx="0">
+              <a:schemeClr val="accent1"/>
+            </a:effectRef>
+            <a:fontRef idx="minor">
+              <a:schemeClr val="lt1"/>
+            </a:fontRef>
+          </p:style>
+          <p:txBody>
+            <a:bodyPr rtlCol="0" anchor="ctr"/>
+            <a:p>
+              <a:pPr algn="ctr"/>
+              <a:endParaRPr lang="zh-CN" altLang="en-US"/>
+            </a:p>
+          </p:txBody>
+        </p:sp>
+        <p:sp>
+          <p:nvSpPr>
+            <p:cNvPr id="79" name="椭圆 78"/>
+            <p:cNvSpPr/>
+            <p:nvPr/>
+          </p:nvSpPr>
+          <p:spPr>
+            <a:xfrm>
+              <a:off x="4233" y="6317"/>
+              <a:ext cx="142" cy="147"/>
+            </a:xfrm>
+            <a:prstGeom prst="ellipse">
+              <a:avLst/>
+            </a:prstGeom>
+            <a:solidFill>
+              <a:schemeClr val="bg1">
+                <a:lumMod val="65000"/>
+              </a:schemeClr>
+            </a:solidFill>
+            <a:ln>
+              <a:solidFill>
+                <a:schemeClr val="bg1"/>
+              </a:solidFill>
+            </a:ln>
+          </p:spPr>
+          <p:style>
+            <a:lnRef idx="2">
+              <a:schemeClr val="accent1">
+                <a:shade val="50000"/>
+              </a:schemeClr>
+            </a:lnRef>
+            <a:fillRef idx="1">
+              <a:schemeClr val="accent1"/>
+            </a:fillRef>
+            <a:effectRef idx="0">
+              <a:schemeClr val="accent1"/>
+            </a:effectRef>
+            <a:fontRef idx="minor">
+              <a:schemeClr val="lt1"/>
+            </a:fontRef>
+          </p:style>
+          <p:txBody>
+            <a:bodyPr rtlCol="0" anchor="ctr"/>
+            <a:p>
+              <a:pPr algn="ctr"/>
+              <a:endParaRPr lang="zh-CN" altLang="en-US"/>
+            </a:p>
+          </p:txBody>
+        </p:sp>
+        <p:sp>
+          <p:nvSpPr>
+            <p:cNvPr id="80" name="椭圆 79"/>
+            <p:cNvSpPr/>
+            <p:nvPr/>
+          </p:nvSpPr>
+          <p:spPr>
+            <a:xfrm>
+              <a:off x="7636" y="7009"/>
+              <a:ext cx="142" cy="147"/>
+            </a:xfrm>
+            <a:prstGeom prst="ellipse">
+              <a:avLst/>
+            </a:prstGeom>
+            <a:solidFill>
+              <a:schemeClr val="bg1">
+                <a:lumMod val="65000"/>
+              </a:schemeClr>
+            </a:solidFill>
+            <a:ln>
+              <a:solidFill>
+                <a:schemeClr val="bg1"/>
+              </a:solidFill>
+            </a:ln>
+          </p:spPr>
+          <p:style>
+            <a:lnRef idx="2">
+              <a:schemeClr val="accent1">
+                <a:shade val="50000"/>
+              </a:schemeClr>
+            </a:lnRef>
+            <a:fillRef idx="1">
+              <a:schemeClr val="accent1"/>
+            </a:fillRef>
+            <a:effectRef idx="0">
+              <a:schemeClr val="accent1"/>
+            </a:effectRef>
+            <a:fontRef idx="minor">
+              <a:schemeClr val="lt1"/>
+            </a:fontRef>
+          </p:style>
+          <p:txBody>
+            <a:bodyPr rtlCol="0" anchor="ctr"/>
+            <a:p>
+              <a:pPr algn="ctr"/>
+              <a:endParaRPr lang="zh-CN" altLang="en-US"/>
+            </a:p>
+          </p:txBody>
+        </p:sp>
+        <p:sp>
+          <p:nvSpPr>
+            <p:cNvPr id="81" name="椭圆 80"/>
+            <p:cNvSpPr/>
+            <p:nvPr/>
+          </p:nvSpPr>
+          <p:spPr>
+            <a:xfrm>
+              <a:off x="8613" y="7009"/>
+              <a:ext cx="142" cy="147"/>
+            </a:xfrm>
+            <a:prstGeom prst="ellipse">
+              <a:avLst/>
+            </a:prstGeom>
+            <a:solidFill>
+              <a:schemeClr val="bg1">
+                <a:lumMod val="65000"/>
+              </a:schemeClr>
+            </a:solidFill>
+            <a:ln>
+              <a:solidFill>
+                <a:schemeClr val="bg1"/>
+              </a:solidFill>
+            </a:ln>
+          </p:spPr>
+          <p:style>
+            <a:lnRef idx="2">
+              <a:schemeClr val="accent1">
+                <a:shade val="50000"/>
+              </a:schemeClr>
+            </a:lnRef>
+            <a:fillRef idx="1">
+              <a:schemeClr val="accent1"/>
+            </a:fillRef>
+            <a:effectRef idx="0">
+              <a:schemeClr val="accent1"/>
+            </a:effectRef>
+            <a:fontRef idx="minor">
+              <a:schemeClr val="lt1"/>
+            </a:fontRef>
+          </p:style>
+          <p:txBody>
+            <a:bodyPr rtlCol="0" anchor="ctr"/>
+            <a:p>
+              <a:pPr algn="ctr"/>
+              <a:endParaRPr lang="zh-CN" altLang="en-US"/>
+            </a:p>
+          </p:txBody>
+        </p:sp>
+        <p:sp>
+          <p:nvSpPr>
+            <p:cNvPr id="82" name="椭圆 81"/>
+            <p:cNvSpPr/>
+            <p:nvPr/>
+          </p:nvSpPr>
+          <p:spPr>
+            <a:xfrm>
+              <a:off x="7974" y="7581"/>
+              <a:ext cx="142" cy="147"/>
+            </a:xfrm>
+            <a:prstGeom prst="ellipse">
+              <a:avLst/>
+            </a:prstGeom>
+            <a:solidFill>
+              <a:schemeClr val="bg1">
+                <a:lumMod val="65000"/>
+              </a:schemeClr>
+            </a:solidFill>
+            <a:ln>
+              <a:solidFill>
+                <a:schemeClr val="bg1"/>
+              </a:solidFill>
+            </a:ln>
+          </p:spPr>
+          <p:style>
+            <a:lnRef idx="2">
+              <a:schemeClr val="accent1">
+                <a:shade val="50000"/>
+              </a:schemeClr>
+            </a:lnRef>
+            <a:fillRef idx="1">
+              <a:schemeClr val="accent1"/>
+            </a:fillRef>
+            <a:effectRef idx="0">
+              <a:schemeClr val="accent1"/>
+            </a:effectRef>
+            <a:fontRef idx="minor">
+              <a:schemeClr val="lt1"/>
+            </a:fontRef>
+          </p:style>
+          <p:txBody>
+            <a:bodyPr rtlCol="0" anchor="ctr"/>
+            <a:p>
+              <a:pPr algn="ctr"/>
+              <a:endParaRPr lang="zh-CN" altLang="en-US"/>
+            </a:p>
+          </p:txBody>
+        </p:sp>
+        <p:sp>
+          <p:nvSpPr>
+            <p:cNvPr id="83" name="椭圆 82"/>
+            <p:cNvSpPr/>
+            <p:nvPr/>
+          </p:nvSpPr>
+          <p:spPr>
+            <a:xfrm>
+              <a:off x="9024" y="7581"/>
+              <a:ext cx="142" cy="147"/>
+            </a:xfrm>
+            <a:prstGeom prst="ellipse">
+              <a:avLst/>
+            </a:prstGeom>
+            <a:solidFill>
+              <a:schemeClr val="bg1">
+                <a:lumMod val="65000"/>
+              </a:schemeClr>
+            </a:solidFill>
+            <a:ln>
+              <a:solidFill>
+                <a:schemeClr val="bg1"/>
+              </a:solidFill>
+            </a:ln>
+          </p:spPr>
+          <p:style>
+            <a:lnRef idx="2">
+              <a:schemeClr val="accent1">
+                <a:shade val="50000"/>
+              </a:schemeClr>
+            </a:lnRef>
+            <a:fillRef idx="1">
+              <a:schemeClr val="accent1"/>
+            </a:fillRef>
+            <a:effectRef idx="0">
+              <a:schemeClr val="accent1"/>
+            </a:effectRef>
+            <a:fontRef idx="minor">
+              <a:schemeClr val="lt1"/>
+            </a:fontRef>
+          </p:style>
+          <p:txBody>
+            <a:bodyPr rtlCol="0" anchor="ctr"/>
+            <a:p>
+              <a:pPr algn="ctr"/>
+              <a:endParaRPr lang="zh-CN" altLang="en-US"/>
+            </a:p>
+          </p:txBody>
+        </p:sp>
+        <p:sp>
+          <p:nvSpPr>
+            <p:cNvPr id="84" name="椭圆 83"/>
+            <p:cNvSpPr/>
+            <p:nvPr/>
+          </p:nvSpPr>
+          <p:spPr>
+            <a:xfrm>
+              <a:off x="6828" y="5691"/>
+              <a:ext cx="142" cy="147"/>
+            </a:xfrm>
+            <a:prstGeom prst="ellipse">
+              <a:avLst/>
+            </a:prstGeom>
+            <a:solidFill>
+              <a:schemeClr val="bg1">
+                <a:lumMod val="65000"/>
+              </a:schemeClr>
+            </a:solidFill>
+            <a:ln>
+              <a:solidFill>
+                <a:schemeClr val="bg1"/>
+              </a:solidFill>
+            </a:ln>
+          </p:spPr>
+          <p:style>
+            <a:lnRef idx="2">
+              <a:schemeClr val="accent1">
+                <a:shade val="50000"/>
+              </a:schemeClr>
+            </a:lnRef>
+            <a:fillRef idx="1">
+              <a:schemeClr val="accent1"/>
+            </a:fillRef>
+            <a:effectRef idx="0">
+              <a:schemeClr val="accent1"/>
+            </a:effectRef>
+            <a:fontRef idx="minor">
+              <a:schemeClr val="lt1"/>
+            </a:fontRef>
+          </p:style>
+          <p:txBody>
+            <a:bodyPr rtlCol="0" anchor="ctr"/>
+            <a:p>
+              <a:pPr algn="ctr"/>
+              <a:endParaRPr lang="zh-CN" altLang="en-US"/>
+            </a:p>
+          </p:txBody>
+        </p:sp>
+        <p:sp>
+          <p:nvSpPr>
+            <p:cNvPr id="85" name="椭圆 84"/>
+            <p:cNvSpPr/>
+            <p:nvPr/>
+          </p:nvSpPr>
+          <p:spPr>
+            <a:xfrm>
+              <a:off x="6828" y="6383"/>
+              <a:ext cx="142" cy="147"/>
+            </a:xfrm>
+            <a:prstGeom prst="ellipse">
+              <a:avLst/>
+            </a:prstGeom>
+            <a:solidFill>
+              <a:schemeClr val="bg1">
+                <a:lumMod val="65000"/>
+              </a:schemeClr>
+            </a:solidFill>
+            <a:ln>
+              <a:solidFill>
+                <a:schemeClr val="bg1"/>
+              </a:solidFill>
+            </a:ln>
+          </p:spPr>
+          <p:style>
+            <a:lnRef idx="2">
+              <a:schemeClr val="accent1">
+                <a:shade val="50000"/>
+              </a:schemeClr>
+            </a:lnRef>
+            <a:fillRef idx="1">
+              <a:schemeClr val="accent1"/>
+            </a:fillRef>
+            <a:effectRef idx="0">
+              <a:schemeClr val="accent1"/>
+            </a:effectRef>
+            <a:fontRef idx="minor">
+              <a:schemeClr val="lt1"/>
+            </a:fontRef>
+          </p:style>
+          <p:txBody>
+            <a:bodyPr rtlCol="0" anchor="ctr"/>
+            <a:p>
+              <a:pPr algn="ctr"/>
+              <a:endParaRPr lang="zh-CN" altLang="en-US"/>
+            </a:p>
+          </p:txBody>
+        </p:sp>
+        <p:sp>
+          <p:nvSpPr>
+            <p:cNvPr id="86" name="椭圆 85"/>
+            <p:cNvSpPr/>
+            <p:nvPr/>
+          </p:nvSpPr>
+          <p:spPr>
+            <a:xfrm>
+              <a:off x="6828" y="8376"/>
+              <a:ext cx="142" cy="147"/>
+            </a:xfrm>
+            <a:prstGeom prst="ellipse">
+              <a:avLst/>
+            </a:prstGeom>
+            <a:solidFill>
+              <a:schemeClr val="bg1">
+                <a:lumMod val="65000"/>
+              </a:schemeClr>
+            </a:solidFill>
+            <a:ln>
+              <a:solidFill>
+                <a:schemeClr val="bg1"/>
+              </a:solidFill>
+            </a:ln>
+          </p:spPr>
+          <p:style>
+            <a:lnRef idx="2">
+              <a:schemeClr val="accent1">
+                <a:shade val="50000"/>
+              </a:schemeClr>
+            </a:lnRef>
+            <a:fillRef idx="1">
+              <a:schemeClr val="accent1"/>
+            </a:fillRef>
+            <a:effectRef idx="0">
+              <a:schemeClr val="accent1"/>
+            </a:effectRef>
+            <a:fontRef idx="minor">
+              <a:schemeClr val="lt1"/>
+            </a:fontRef>
+          </p:style>
+          <p:txBody>
+            <a:bodyPr rtlCol="0" anchor="ctr"/>
+            <a:p>
+              <a:pPr algn="ctr"/>
+              <a:endParaRPr lang="zh-CN" altLang="en-US"/>
+            </a:p>
+          </p:txBody>
+        </p:sp>
+        <p:sp>
+          <p:nvSpPr>
+            <p:cNvPr id="87" name="椭圆 86"/>
+            <p:cNvSpPr/>
+            <p:nvPr/>
+          </p:nvSpPr>
+          <p:spPr>
+            <a:xfrm>
+              <a:off x="6828" y="9243"/>
+              <a:ext cx="142" cy="147"/>
+            </a:xfrm>
+            <a:prstGeom prst="ellipse">
+              <a:avLst/>
+            </a:prstGeom>
+            <a:solidFill>
+              <a:schemeClr val="bg1">
+                <a:lumMod val="65000"/>
+              </a:schemeClr>
+            </a:solidFill>
+            <a:ln>
+              <a:solidFill>
+                <a:schemeClr val="bg1"/>
+              </a:solidFill>
+            </a:ln>
+          </p:spPr>
+          <p:style>
+            <a:lnRef idx="2">
+              <a:schemeClr val="accent1">
+                <a:shade val="50000"/>
+              </a:schemeClr>
+            </a:lnRef>
+            <a:fillRef idx="1">
+              <a:schemeClr val="accent1"/>
+            </a:fillRef>
+            <a:effectRef idx="0">
+              <a:schemeClr val="accent1"/>
+            </a:effectRef>
+            <a:fontRef idx="minor">
+              <a:schemeClr val="lt1"/>
+            </a:fontRef>
+          </p:style>
+          <p:txBody>
+            <a:bodyPr rtlCol="0" anchor="ctr"/>
+            <a:p>
+              <a:pPr algn="ctr"/>
+              <a:endParaRPr lang="zh-CN" altLang="en-US"/>
+            </a:p>
+          </p:txBody>
+        </p:sp>
+        <p:sp>
+          <p:nvSpPr>
+            <p:cNvPr id="88" name="椭圆 87"/>
+            <p:cNvSpPr/>
+            <p:nvPr/>
+          </p:nvSpPr>
+          <p:spPr>
+            <a:xfrm>
+              <a:off x="5682" y="8523"/>
+              <a:ext cx="142" cy="147"/>
+            </a:xfrm>
+            <a:prstGeom prst="ellipse">
+              <a:avLst/>
+            </a:prstGeom>
+            <a:solidFill>
+              <a:schemeClr val="bg1">
+                <a:lumMod val="65000"/>
+              </a:schemeClr>
+            </a:solidFill>
+            <a:ln>
+              <a:solidFill>
+                <a:schemeClr val="bg1"/>
+              </a:solidFill>
+            </a:ln>
+          </p:spPr>
+          <p:style>
+            <a:lnRef idx="2">
+              <a:schemeClr val="accent1">
+                <a:shade val="50000"/>
+              </a:schemeClr>
+            </a:lnRef>
+            <a:fillRef idx="1">
+              <a:schemeClr val="accent1"/>
+            </a:fillRef>
+            <a:effectRef idx="0">
+              <a:schemeClr val="accent1"/>
+            </a:effectRef>
+            <a:fontRef idx="minor">
+              <a:schemeClr val="lt1"/>
+            </a:fontRef>
+          </p:style>
+          <p:txBody>
+            <a:bodyPr rtlCol="0" anchor="ctr"/>
+            <a:p>
+              <a:pPr algn="ctr"/>
+              <a:endParaRPr lang="zh-CN" altLang="en-US"/>
+            </a:p>
+          </p:txBody>
+        </p:sp>
+      </p:grpSp>
+      <p:sp>
+        <p:nvSpPr>
+          <p:cNvPr id="89" name="文本框 88"/>
+          <p:cNvSpPr txBox="1"/>
+          <p:nvPr/>
+        </p:nvSpPr>
+        <p:spPr>
+          <a:xfrm>
+            <a:off x="4303395" y="60960"/>
+            <a:ext cx="323850" cy="306705"/>
+          </a:xfrm>
+          <a:prstGeom prst="rect">
+            <a:avLst/>
+          </a:prstGeom>
+          <a:noFill/>
+        </p:spPr>
+        <p:txBody>
+          <a:bodyPr wrap="square" rtlCol="0" anchor="t">
+            <a:spAutoFit/>
+          </a:bodyPr>
+          <a:p>
+            <a:pPr algn="l">
+              <a:buClrTx/>
+              <a:buSzTx/>
+              <a:buFontTx/>
+            </a:pPr>
+            <a:r>
+              <a:rPr lang="en-US" altLang="zh-CN" sz="1400">
+                <a:solidFill>
+                  <a:srgbClr val="002060"/>
+                </a:solidFill>
+                <a:effectLst>
+                  <a:outerShdw blurRad="38100" dist="25400" dir="5400000" algn="ctr" rotWithShape="0">
+                    <a:srgbClr val="6E747A">
+                      <a:alpha val="43000"/>
+                    </a:srgbClr>
+                  </a:outerShdw>
+                </a:effectLst>
+                <a:sym typeface="+mn-ea"/>
+              </a:rPr>
+              <a:t>C</a:t>
+            </a:r>
+            <a:endParaRPr lang="en-US" altLang="zh-CN" sz="1400">
+              <a:solidFill>
+                <a:srgbClr val="002060"/>
+              </a:solidFill>
+              <a:effectLst>
+                <a:outerShdw blurRad="38100" dist="25400" dir="5400000" algn="ctr" rotWithShape="0">
+                  <a:srgbClr val="6E747A">
+                    <a:alpha val="43000"/>
+                  </a:srgbClr>
+                </a:outerShdw>
+              </a:effectLst>
+              <a:sym typeface="+mn-ea"/>
+            </a:endParaRPr>
+          </a:p>
+        </p:txBody>
+      </p:sp>
+      <p:sp>
+        <p:nvSpPr>
+          <p:cNvPr id="90" name="文本框 89"/>
+          <p:cNvSpPr txBox="1"/>
+          <p:nvPr/>
+        </p:nvSpPr>
+        <p:spPr>
+          <a:xfrm>
+            <a:off x="5690235" y="1317625"/>
+            <a:ext cx="323850" cy="306705"/>
+          </a:xfrm>
+          <a:prstGeom prst="rect">
+            <a:avLst/>
+          </a:prstGeom>
+          <a:noFill/>
+        </p:spPr>
+        <p:txBody>
+          <a:bodyPr wrap="square" rtlCol="0" anchor="t">
+            <a:spAutoFit/>
+          </a:bodyPr>
+          <a:p>
+            <a:pPr algn="l">
+              <a:buClrTx/>
+              <a:buSzTx/>
+              <a:buFontTx/>
+            </a:pPr>
+            <a:r>
+              <a:rPr lang="en-US" altLang="zh-CN" sz="1400">
+                <a:solidFill>
+                  <a:srgbClr val="002060"/>
+                </a:solidFill>
+                <a:effectLst>
+                  <a:outerShdw blurRad="38100" dist="25400" dir="5400000" algn="ctr" rotWithShape="0">
+                    <a:srgbClr val="6E747A">
+                      <a:alpha val="43000"/>
+                    </a:srgbClr>
+                  </a:outerShdw>
+                </a:effectLst>
+                <a:sym typeface="+mn-ea"/>
+              </a:rPr>
+              <a:t>D</a:t>
+            </a:r>
+            <a:endParaRPr lang="en-US" altLang="zh-CN" sz="1400">
+              <a:solidFill>
+                <a:srgbClr val="002060"/>
+              </a:solidFill>
+              <a:effectLst>
+                <a:outerShdw blurRad="38100" dist="25400" dir="5400000" algn="ctr" rotWithShape="0">
+                  <a:srgbClr val="6E747A">
+                    <a:alpha val="43000"/>
+                  </a:srgbClr>
+                </a:outerShdw>
+              </a:effectLst>
+              <a:sym typeface="+mn-ea"/>
+            </a:endParaRPr>
+          </a:p>
+        </p:txBody>
+      </p:sp>
+    </p:spTree>
+    <p:custDataLst>
+      <p:tags r:id="rId3"/>
+    </p:custDataLst>
+  </p:cSld>
+  <p:clrMapOvr>
+    <a:masterClrMapping/>
+  </p:clrMapOvr>
+</p:sld>
+</file>
+
+<file path=ppt/slides/slide4.xml><?xml version="1.0" encoding="utf-8"?>
+<p:sld xmlns:a="http://schemas.openxmlformats.org/drawingml/2006/main" xmlns:r="http://schemas.openxmlformats.org/officeDocument/2006/relationships" xmlns:p="http://schemas.openxmlformats.org/presentationml/2006/main">
+  <p:cSld>
+    <p:spTree>
+      <p:nvGrpSpPr>
+        <p:cNvPr id="1" name=""/>
+        <p:cNvGrpSpPr/>
+        <p:nvPr/>
+      </p:nvGrpSpPr>
+      <p:grpSpPr/>
+      <p:sp>
+        <p:nvSpPr>
+          <p:cNvPr id="2" name="标题 1"/>
+          <p:cNvSpPr>
+            <a:spLocks noGrp="1"/>
+          </p:cNvSpPr>
+          <p:nvPr>
+            <p:ph type="title"/>
+          </p:nvPr>
+        </p:nvSpPr>
+        <p:spPr/>
+        <p:txBody>
+          <a:bodyPr/>
+          <a:p>
+            <a:endParaRPr lang="zh-CN" altLang="en-US"/>
+          </a:p>
+        </p:txBody>
+      </p:sp>
+      <p:grpSp>
+        <p:nvGrpSpPr>
+          <p:cNvPr id="5" name="组合 4"/>
+          <p:cNvGrpSpPr/>
+          <p:nvPr/>
+        </p:nvGrpSpPr>
+        <p:grpSpPr>
+          <a:xfrm>
+            <a:off x="775970" y="3168015"/>
+            <a:ext cx="5207635" cy="3117850"/>
+            <a:chOff x="1222" y="4989"/>
+            <a:chExt cx="8201" cy="4910"/>
+          </a:xfrm>
+        </p:grpSpPr>
+        <p:cxnSp>
+          <p:nvCxnSpPr>
+            <p:cNvPr id="6" name="肘形连接符 5"/>
+            <p:cNvCxnSpPr/>
+            <p:nvPr/>
+          </p:nvCxnSpPr>
+          <p:spPr>
+            <a:xfrm>
+              <a:off x="2524" y="5536"/>
+              <a:ext cx="4380" cy="4270"/>
+            </a:xfrm>
+            <a:prstGeom prst="bentConnector3">
+              <a:avLst>
+                <a:gd name="adj1" fmla="val 99908"/>
+              </a:avLst>
+            </a:prstGeom>
+            <a:ln w="63500" cap="rnd">
+              <a:round/>
+            </a:ln>
+          </p:spPr>
+          <p:style>
+            <a:lnRef idx="1">
+              <a:schemeClr val="accent1"/>
+            </a:lnRef>
+            <a:fillRef idx="0">
+              <a:schemeClr val="accent1"/>
+            </a:fillRef>
+            <a:effectRef idx="0">
+              <a:schemeClr val="accent1"/>
+            </a:effectRef>
+            <a:fontRef idx="minor">
+              <a:schemeClr val="tx1"/>
+            </a:fontRef>
+          </p:style>
+        </p:cxnSp>
+        <p:cxnSp>
+          <p:nvCxnSpPr>
+            <p:cNvPr id="8" name="肘形连接符 7"/>
+            <p:cNvCxnSpPr/>
+            <p:nvPr/>
+          </p:nvCxnSpPr>
+          <p:spPr>
+            <a:xfrm flipV="1">
+              <a:off x="1222" y="7653"/>
+              <a:ext cx="8092" cy="4"/>
+            </a:xfrm>
+            <a:prstGeom prst="bentConnector3">
+              <a:avLst>
+                <a:gd name="adj1" fmla="val 50004"/>
+              </a:avLst>
+            </a:prstGeom>
+            <a:ln w="63500" cap="rnd">
+              <a:solidFill>
+                <a:srgbClr val="C00000"/>
+              </a:solidFill>
+              <a:round/>
+            </a:ln>
+          </p:spPr>
+          <p:style>
+            <a:lnRef idx="1">
+              <a:schemeClr val="accent1"/>
+            </a:lnRef>
+            <a:fillRef idx="0">
+              <a:schemeClr val="accent1"/>
+            </a:fillRef>
+            <a:effectRef idx="0">
+              <a:schemeClr val="accent1"/>
+            </a:effectRef>
+            <a:fontRef idx="minor">
+              <a:schemeClr val="tx1"/>
+            </a:fontRef>
+          </p:style>
+        </p:cxnSp>
+        <p:cxnSp>
+          <p:nvCxnSpPr>
+            <p:cNvPr id="9" name="肘形连接符 8"/>
+            <p:cNvCxnSpPr/>
+            <p:nvPr/>
+          </p:nvCxnSpPr>
+          <p:spPr>
+            <a:xfrm rot="5400000" flipV="1">
+              <a:off x="2156" y="7140"/>
+              <a:ext cx="4910" cy="608"/>
+            </a:xfrm>
+            <a:prstGeom prst="bentConnector3">
+              <a:avLst>
+                <a:gd name="adj1" fmla="val 32695"/>
+              </a:avLst>
+            </a:prstGeom>
+            <a:ln w="63500" cap="rnd">
+              <a:solidFill>
+                <a:schemeClr val="accent4">
+                  <a:lumMod val="75000"/>
+                </a:schemeClr>
+              </a:solidFill>
+              <a:round/>
+            </a:ln>
+          </p:spPr>
+          <p:style>
+            <a:lnRef idx="1">
+              <a:schemeClr val="accent1"/>
+            </a:lnRef>
+            <a:fillRef idx="0">
+              <a:schemeClr val="accent1"/>
+            </a:fillRef>
+            <a:effectRef idx="0">
+              <a:schemeClr val="accent1"/>
+            </a:effectRef>
+            <a:fontRef idx="minor">
+              <a:schemeClr val="tx1"/>
+            </a:fontRef>
+          </p:style>
+        </p:cxnSp>
+        <p:cxnSp>
+          <p:nvCxnSpPr>
+            <p:cNvPr id="10" name="肘形连接符 9"/>
+            <p:cNvCxnSpPr/>
+            <p:nvPr/>
+          </p:nvCxnSpPr>
+          <p:spPr>
+            <a:xfrm flipV="1">
+              <a:off x="2063" y="7075"/>
+              <a:ext cx="7360" cy="2359"/>
+            </a:xfrm>
+            <a:prstGeom prst="bentConnector3">
+              <a:avLst>
+                <a:gd name="adj1" fmla="val 50014"/>
+              </a:avLst>
+            </a:prstGeom>
+            <a:ln w="63500" cap="rnd">
+              <a:solidFill>
+                <a:schemeClr val="accent3">
+                  <a:lumMod val="75000"/>
+                </a:schemeClr>
+              </a:solidFill>
+              <a:round/>
+            </a:ln>
+          </p:spPr>
+          <p:style>
+            <a:lnRef idx="1">
+              <a:schemeClr val="accent1"/>
+            </a:lnRef>
+            <a:fillRef idx="0">
+              <a:schemeClr val="accent1"/>
+            </a:fillRef>
+            <a:effectRef idx="0">
+              <a:schemeClr val="accent1"/>
+            </a:effectRef>
+            <a:fontRef idx="minor">
+              <a:schemeClr val="tx1"/>
+            </a:fontRef>
+          </p:style>
+        </p:cxnSp>
+        <p:sp>
+          <p:nvSpPr>
+            <p:cNvPr id="11" name="椭圆 10"/>
+            <p:cNvSpPr/>
+            <p:nvPr/>
+          </p:nvSpPr>
+          <p:spPr>
+            <a:xfrm>
+              <a:off x="1845" y="7581"/>
+              <a:ext cx="142" cy="147"/>
+            </a:xfrm>
+            <a:prstGeom prst="ellipse">
+              <a:avLst/>
+            </a:prstGeom>
+            <a:solidFill>
+              <a:schemeClr val="bg1">
+                <a:lumMod val="65000"/>
+              </a:schemeClr>
+            </a:solidFill>
+            <a:ln>
+              <a:solidFill>
+                <a:schemeClr val="bg1"/>
+              </a:solidFill>
+            </a:ln>
+          </p:spPr>
+          <p:style>
+            <a:lnRef idx="2">
+              <a:schemeClr val="accent1">
+                <a:shade val="50000"/>
+              </a:schemeClr>
+            </a:lnRef>
+            <a:fillRef idx="1">
+              <a:schemeClr val="accent1"/>
+            </a:fillRef>
+            <a:effectRef idx="0">
+              <a:schemeClr val="accent1"/>
+            </a:effectRef>
+            <a:fontRef idx="minor">
+              <a:schemeClr val="lt1"/>
+            </a:fontRef>
+          </p:style>
+          <p:txBody>
+            <a:bodyPr rtlCol="0" anchor="ctr"/>
+            <a:p>
+              <a:pPr algn="ctr"/>
+              <a:endParaRPr lang="zh-CN" altLang="en-US"/>
+            </a:p>
+          </p:txBody>
+        </p:sp>
+        <p:sp>
+          <p:nvSpPr>
+            <p:cNvPr id="12" name="椭圆 11"/>
+            <p:cNvSpPr/>
+            <p:nvPr/>
+          </p:nvSpPr>
+          <p:spPr>
+            <a:xfrm>
+              <a:off x="4851" y="7583"/>
+              <a:ext cx="142" cy="147"/>
+            </a:xfrm>
+            <a:prstGeom prst="ellipse">
+              <a:avLst/>
+            </a:prstGeom>
+            <a:solidFill>
+              <a:schemeClr val="bg1">
+                <a:lumMod val="65000"/>
+              </a:schemeClr>
+            </a:solidFill>
+            <a:ln>
+              <a:solidFill>
+                <a:schemeClr val="bg1"/>
+              </a:solidFill>
+            </a:ln>
+          </p:spPr>
+          <p:style>
+            <a:lnRef idx="2">
+              <a:schemeClr val="accent1">
+                <a:shade val="50000"/>
+              </a:schemeClr>
+            </a:lnRef>
+            <a:fillRef idx="1">
+              <a:schemeClr val="accent1"/>
+            </a:fillRef>
+            <a:effectRef idx="0">
+              <a:schemeClr val="accent1"/>
+            </a:effectRef>
+            <a:fontRef idx="minor">
+              <a:schemeClr val="lt1"/>
+            </a:fontRef>
+          </p:style>
+          <p:txBody>
+            <a:bodyPr rtlCol="0" anchor="ctr"/>
+            <a:p>
+              <a:pPr algn="ctr"/>
+              <a:endParaRPr lang="zh-CN" altLang="en-US"/>
+            </a:p>
+          </p:txBody>
+        </p:sp>
+        <p:sp>
+          <p:nvSpPr>
+            <p:cNvPr id="13" name="椭圆 12"/>
+            <p:cNvSpPr/>
+            <p:nvPr/>
+          </p:nvSpPr>
+          <p:spPr>
+            <a:xfrm>
+              <a:off x="4845" y="8427"/>
+              <a:ext cx="142" cy="147"/>
+            </a:xfrm>
+            <a:prstGeom prst="ellipse">
+              <a:avLst/>
+            </a:prstGeom>
+            <a:solidFill>
+              <a:schemeClr val="bg1">
+                <a:lumMod val="65000"/>
+              </a:schemeClr>
+            </a:solidFill>
+            <a:ln>
+              <a:solidFill>
+                <a:schemeClr val="bg1"/>
+              </a:solidFill>
+            </a:ln>
+          </p:spPr>
+          <p:style>
+            <a:lnRef idx="2">
+              <a:schemeClr val="accent1">
+                <a:shade val="50000"/>
+              </a:schemeClr>
+            </a:lnRef>
+            <a:fillRef idx="1">
+              <a:schemeClr val="accent1"/>
+            </a:fillRef>
+            <a:effectRef idx="0">
+              <a:schemeClr val="accent1"/>
+            </a:effectRef>
+            <a:fontRef idx="minor">
+              <a:schemeClr val="lt1"/>
+            </a:fontRef>
+          </p:style>
+          <p:txBody>
+            <a:bodyPr rtlCol="0" anchor="ctr"/>
+            <a:p>
+              <a:pPr algn="ctr"/>
+              <a:endParaRPr lang="zh-CN" altLang="en-US"/>
+            </a:p>
+          </p:txBody>
+        </p:sp>
+        <p:sp>
+          <p:nvSpPr>
+            <p:cNvPr id="14" name="椭圆 13"/>
+            <p:cNvSpPr/>
+            <p:nvPr/>
+          </p:nvSpPr>
+          <p:spPr>
+            <a:xfrm>
+              <a:off x="5682" y="7601"/>
+              <a:ext cx="142" cy="147"/>
+            </a:xfrm>
+            <a:prstGeom prst="ellipse">
+              <a:avLst/>
+            </a:prstGeom>
+            <a:solidFill>
+              <a:schemeClr val="bg1">
+                <a:lumMod val="65000"/>
+              </a:schemeClr>
+            </a:solidFill>
+            <a:ln>
+              <a:solidFill>
+                <a:schemeClr val="bg1"/>
+              </a:solidFill>
+            </a:ln>
+          </p:spPr>
+          <p:style>
+            <a:lnRef idx="2">
+              <a:schemeClr val="accent1">
+                <a:shade val="50000"/>
+              </a:schemeClr>
+            </a:lnRef>
+            <a:fillRef idx="1">
+              <a:schemeClr val="accent1"/>
+            </a:fillRef>
+            <a:effectRef idx="0">
+              <a:schemeClr val="accent1"/>
+            </a:effectRef>
+            <a:fontRef idx="minor">
+              <a:schemeClr val="lt1"/>
+            </a:fontRef>
+          </p:style>
+          <p:txBody>
+            <a:bodyPr rtlCol="0" anchor="ctr"/>
+            <a:p>
+              <a:pPr algn="ctr"/>
+              <a:endParaRPr lang="zh-CN" altLang="en-US"/>
+            </a:p>
+          </p:txBody>
+        </p:sp>
+        <p:sp>
+          <p:nvSpPr>
+            <p:cNvPr id="15" name="椭圆 14"/>
+            <p:cNvSpPr/>
+            <p:nvPr/>
+          </p:nvSpPr>
+          <p:spPr>
+            <a:xfrm>
+              <a:off x="6828" y="7009"/>
+              <a:ext cx="142" cy="147"/>
+            </a:xfrm>
+            <a:prstGeom prst="ellipse">
+              <a:avLst/>
+            </a:prstGeom>
+            <a:solidFill>
+              <a:schemeClr val="bg1">
+                <a:lumMod val="65000"/>
+              </a:schemeClr>
+            </a:solidFill>
+            <a:ln>
+              <a:solidFill>
+                <a:schemeClr val="bg1"/>
+              </a:solidFill>
+            </a:ln>
+          </p:spPr>
+          <p:style>
+            <a:lnRef idx="2">
+              <a:schemeClr val="accent1">
+                <a:shade val="50000"/>
+              </a:schemeClr>
+            </a:lnRef>
+            <a:fillRef idx="1">
+              <a:schemeClr val="accent1"/>
+            </a:fillRef>
+            <a:effectRef idx="0">
+              <a:schemeClr val="accent1"/>
+            </a:effectRef>
+            <a:fontRef idx="minor">
+              <a:schemeClr val="lt1"/>
+            </a:fontRef>
+          </p:style>
+          <p:txBody>
+            <a:bodyPr rtlCol="0" anchor="ctr"/>
+            <a:p>
+              <a:pPr algn="ctr"/>
+              <a:endParaRPr lang="zh-CN" altLang="en-US"/>
+            </a:p>
+          </p:txBody>
+        </p:sp>
+        <p:sp>
+          <p:nvSpPr>
+            <p:cNvPr id="16" name="椭圆 15"/>
+            <p:cNvSpPr/>
+            <p:nvPr/>
+          </p:nvSpPr>
+          <p:spPr>
+            <a:xfrm>
+              <a:off x="6828" y="7583"/>
+              <a:ext cx="142" cy="147"/>
+            </a:xfrm>
+            <a:prstGeom prst="ellipse">
+              <a:avLst/>
+            </a:prstGeom>
+            <a:solidFill>
+              <a:schemeClr val="bg1">
+                <a:lumMod val="65000"/>
+              </a:schemeClr>
+            </a:solidFill>
+            <a:ln>
+              <a:solidFill>
+                <a:schemeClr val="bg1"/>
+              </a:solidFill>
+            </a:ln>
+          </p:spPr>
+          <p:style>
+            <a:lnRef idx="2">
+              <a:schemeClr val="accent1">
+                <a:shade val="50000"/>
+              </a:schemeClr>
+            </a:lnRef>
+            <a:fillRef idx="1">
+              <a:schemeClr val="accent1"/>
+            </a:fillRef>
+            <a:effectRef idx="0">
+              <a:schemeClr val="accent1"/>
+            </a:effectRef>
+            <a:fontRef idx="minor">
+              <a:schemeClr val="lt1"/>
+            </a:fontRef>
+          </p:style>
+          <p:txBody>
+            <a:bodyPr rtlCol="0" anchor="ctr"/>
+            <a:p>
+              <a:pPr algn="ctr"/>
+              <a:endParaRPr lang="zh-CN" altLang="en-US"/>
+            </a:p>
+          </p:txBody>
+        </p:sp>
+        <p:sp>
+          <p:nvSpPr>
+            <p:cNvPr id="18" name="椭圆 17"/>
+            <p:cNvSpPr/>
+            <p:nvPr/>
+          </p:nvSpPr>
+          <p:spPr>
+            <a:xfrm>
+              <a:off x="4233" y="5476"/>
+              <a:ext cx="142" cy="147"/>
+            </a:xfrm>
+            <a:prstGeom prst="ellipse">
+              <a:avLst/>
+            </a:prstGeom>
+            <a:solidFill>
+              <a:schemeClr val="bg1">
+                <a:lumMod val="65000"/>
+              </a:schemeClr>
+            </a:solidFill>
+            <a:ln>
+              <a:solidFill>
+                <a:schemeClr val="bg1"/>
+              </a:solidFill>
+            </a:ln>
+          </p:spPr>
+          <p:style>
+            <a:lnRef idx="2">
+              <a:schemeClr val="accent1">
+                <a:shade val="50000"/>
+              </a:schemeClr>
+            </a:lnRef>
+            <a:fillRef idx="1">
+              <a:schemeClr val="accent1"/>
+            </a:fillRef>
+            <a:effectRef idx="0">
+              <a:schemeClr val="accent1"/>
+            </a:effectRef>
+            <a:fontRef idx="minor">
+              <a:schemeClr val="lt1"/>
+            </a:fontRef>
+          </p:style>
+          <p:txBody>
+            <a:bodyPr rtlCol="0" anchor="ctr"/>
+            <a:p>
+              <a:pPr algn="ctr"/>
+              <a:endParaRPr lang="zh-CN" altLang="en-US"/>
+            </a:p>
+          </p:txBody>
+        </p:sp>
+        <p:sp>
+          <p:nvSpPr>
+            <p:cNvPr id="19" name="椭圆 18"/>
+            <p:cNvSpPr/>
+            <p:nvPr/>
+          </p:nvSpPr>
+          <p:spPr>
+            <a:xfrm>
+              <a:off x="5050" y="5476"/>
+              <a:ext cx="142" cy="147"/>
+            </a:xfrm>
+            <a:prstGeom prst="ellipse">
+              <a:avLst/>
+            </a:prstGeom>
+            <a:solidFill>
+              <a:schemeClr val="bg1">
+                <a:lumMod val="65000"/>
+              </a:schemeClr>
+            </a:solidFill>
+            <a:ln>
+              <a:solidFill>
+                <a:schemeClr val="bg1"/>
+              </a:solidFill>
+            </a:ln>
+          </p:spPr>
+          <p:style>
+            <a:lnRef idx="2">
+              <a:schemeClr val="accent1">
+                <a:shade val="50000"/>
+              </a:schemeClr>
+            </a:lnRef>
+            <a:fillRef idx="1">
+              <a:schemeClr val="accent1"/>
+            </a:fillRef>
+            <a:effectRef idx="0">
+              <a:schemeClr val="accent1"/>
+            </a:effectRef>
+            <a:fontRef idx="minor">
+              <a:schemeClr val="lt1"/>
+            </a:fontRef>
+          </p:style>
+          <p:txBody>
+            <a:bodyPr rtlCol="0" anchor="ctr"/>
+            <a:p>
+              <a:pPr algn="ctr"/>
+              <a:endParaRPr lang="zh-CN" altLang="en-US"/>
+            </a:p>
+          </p:txBody>
+        </p:sp>
+        <p:sp>
+          <p:nvSpPr>
+            <p:cNvPr id="20" name="椭圆 19"/>
+            <p:cNvSpPr/>
+            <p:nvPr/>
+          </p:nvSpPr>
+          <p:spPr>
+            <a:xfrm>
+              <a:off x="5957" y="5476"/>
+              <a:ext cx="142" cy="147"/>
+            </a:xfrm>
+            <a:prstGeom prst="ellipse">
+              <a:avLst/>
+            </a:prstGeom>
+            <a:solidFill>
+              <a:schemeClr val="bg1">
+                <a:lumMod val="65000"/>
+              </a:schemeClr>
+            </a:solidFill>
+            <a:ln>
+              <a:solidFill>
+                <a:schemeClr val="bg1"/>
+              </a:solidFill>
+            </a:ln>
+          </p:spPr>
+          <p:style>
+            <a:lnRef idx="2">
+              <a:schemeClr val="accent1">
+                <a:shade val="50000"/>
+              </a:schemeClr>
+            </a:lnRef>
+            <a:fillRef idx="1">
+              <a:schemeClr val="accent1"/>
+            </a:fillRef>
+            <a:effectRef idx="0">
+              <a:schemeClr val="accent1"/>
+            </a:effectRef>
+            <a:fontRef idx="minor">
+              <a:schemeClr val="lt1"/>
+            </a:fontRef>
+          </p:style>
+          <p:txBody>
+            <a:bodyPr rtlCol="0" anchor="ctr"/>
+            <a:p>
+              <a:pPr algn="ctr"/>
+              <a:endParaRPr lang="zh-CN" altLang="en-US"/>
+            </a:p>
+          </p:txBody>
+        </p:sp>
+        <p:sp>
+          <p:nvSpPr>
+            <p:cNvPr id="21" name="椭圆 20"/>
+            <p:cNvSpPr/>
+            <p:nvPr/>
+          </p:nvSpPr>
+          <p:spPr>
+            <a:xfrm>
+              <a:off x="3023" y="5476"/>
+              <a:ext cx="142" cy="147"/>
+            </a:xfrm>
+            <a:prstGeom prst="ellipse">
+              <a:avLst/>
+            </a:prstGeom>
+            <a:solidFill>
+              <a:schemeClr val="bg1">
+                <a:lumMod val="65000"/>
+              </a:schemeClr>
+            </a:solidFill>
+            <a:ln>
+              <a:solidFill>
+                <a:schemeClr val="bg1"/>
+              </a:solidFill>
+            </a:ln>
+          </p:spPr>
+          <p:style>
+            <a:lnRef idx="2">
+              <a:schemeClr val="accent1">
+                <a:shade val="50000"/>
+              </a:schemeClr>
+            </a:lnRef>
+            <a:fillRef idx="1">
+              <a:schemeClr val="accent1"/>
+            </a:fillRef>
+            <a:effectRef idx="0">
+              <a:schemeClr val="accent1"/>
+            </a:effectRef>
+            <a:fontRef idx="minor">
+              <a:schemeClr val="lt1"/>
+            </a:fontRef>
+          </p:style>
+          <p:txBody>
+            <a:bodyPr rtlCol="0" anchor="ctr"/>
+            <a:p>
+              <a:pPr algn="ctr"/>
+              <a:endParaRPr lang="zh-CN" altLang="en-US"/>
+            </a:p>
+          </p:txBody>
+        </p:sp>
+        <p:sp>
+          <p:nvSpPr>
+            <p:cNvPr id="22" name="椭圆 21"/>
+            <p:cNvSpPr/>
+            <p:nvPr/>
+          </p:nvSpPr>
+          <p:spPr>
+            <a:xfrm>
+              <a:off x="2831" y="7601"/>
+              <a:ext cx="142" cy="147"/>
+            </a:xfrm>
+            <a:prstGeom prst="ellipse">
+              <a:avLst/>
+            </a:prstGeom>
+            <a:solidFill>
+              <a:schemeClr val="bg1">
+                <a:lumMod val="65000"/>
+              </a:schemeClr>
+            </a:solidFill>
+            <a:ln>
+              <a:solidFill>
+                <a:schemeClr val="bg1"/>
+              </a:solidFill>
+            </a:ln>
+          </p:spPr>
+          <p:style>
+            <a:lnRef idx="2">
+              <a:schemeClr val="accent1">
+                <a:shade val="50000"/>
+              </a:schemeClr>
+            </a:lnRef>
+            <a:fillRef idx="1">
+              <a:schemeClr val="accent1"/>
+            </a:fillRef>
+            <a:effectRef idx="0">
+              <a:schemeClr val="accent1"/>
+            </a:effectRef>
+            <a:fontRef idx="minor">
+              <a:schemeClr val="lt1"/>
+            </a:fontRef>
+          </p:style>
+          <p:txBody>
+            <a:bodyPr rtlCol="0" anchor="ctr"/>
+            <a:p>
+              <a:pPr algn="ctr"/>
+              <a:endParaRPr lang="zh-CN" altLang="en-US"/>
+            </a:p>
+          </p:txBody>
+        </p:sp>
+        <p:sp>
+          <p:nvSpPr>
+            <p:cNvPr id="23" name="椭圆 22"/>
+            <p:cNvSpPr/>
+            <p:nvPr/>
+          </p:nvSpPr>
+          <p:spPr>
+            <a:xfrm>
+              <a:off x="3537" y="7600"/>
+              <a:ext cx="142" cy="147"/>
+            </a:xfrm>
+            <a:prstGeom prst="ellipse">
+              <a:avLst/>
+            </a:prstGeom>
+            <a:solidFill>
+              <a:schemeClr val="bg1">
+                <a:lumMod val="65000"/>
+              </a:schemeClr>
+            </a:solidFill>
+            <a:ln>
+              <a:solidFill>
+                <a:schemeClr val="bg1"/>
+              </a:solidFill>
+            </a:ln>
+          </p:spPr>
+          <p:style>
+            <a:lnRef idx="2">
+              <a:schemeClr val="accent1">
+                <a:shade val="50000"/>
+              </a:schemeClr>
+            </a:lnRef>
+            <a:fillRef idx="1">
+              <a:schemeClr val="accent1"/>
+            </a:fillRef>
+            <a:effectRef idx="0">
+              <a:schemeClr val="accent1"/>
+            </a:effectRef>
+            <a:fontRef idx="minor">
+              <a:schemeClr val="lt1"/>
+            </a:fontRef>
+          </p:style>
+          <p:txBody>
+            <a:bodyPr rtlCol="0" anchor="ctr"/>
+            <a:p>
+              <a:pPr algn="ctr"/>
+              <a:endParaRPr lang="zh-CN" altLang="en-US"/>
+            </a:p>
+          </p:txBody>
+        </p:sp>
+        <p:sp>
+          <p:nvSpPr>
+            <p:cNvPr id="24" name="椭圆 23"/>
+            <p:cNvSpPr/>
+            <p:nvPr/>
+          </p:nvSpPr>
+          <p:spPr>
+            <a:xfrm>
+              <a:off x="4256" y="7583"/>
+              <a:ext cx="142" cy="147"/>
+            </a:xfrm>
+            <a:prstGeom prst="ellipse">
+              <a:avLst/>
+            </a:prstGeom>
+            <a:solidFill>
+              <a:schemeClr val="bg1">
+                <a:lumMod val="65000"/>
+              </a:schemeClr>
+            </a:solidFill>
+            <a:ln>
+              <a:solidFill>
+                <a:schemeClr val="bg1"/>
+              </a:solidFill>
+            </a:ln>
+          </p:spPr>
+          <p:style>
+            <a:lnRef idx="2">
+              <a:schemeClr val="accent1">
+                <a:shade val="50000"/>
+              </a:schemeClr>
+            </a:lnRef>
+            <a:fillRef idx="1">
+              <a:schemeClr val="accent1"/>
+            </a:fillRef>
+            <a:effectRef idx="0">
+              <a:schemeClr val="accent1"/>
+            </a:effectRef>
+            <a:fontRef idx="minor">
+              <a:schemeClr val="lt1"/>
+            </a:fontRef>
+          </p:style>
+          <p:txBody>
+            <a:bodyPr rtlCol="0" anchor="ctr"/>
+            <a:p>
+              <a:pPr algn="ctr"/>
+              <a:endParaRPr lang="zh-CN" altLang="en-US"/>
+            </a:p>
+          </p:txBody>
+        </p:sp>
+        <p:grpSp>
+          <p:nvGrpSpPr>
+            <p:cNvPr id="3" name="组合 2"/>
+            <p:cNvGrpSpPr/>
+            <p:nvPr/>
+          </p:nvGrpSpPr>
+          <p:grpSpPr>
+            <a:xfrm>
+              <a:off x="2259" y="9362"/>
+              <a:ext cx="1780" cy="146"/>
+              <a:chOff x="2259" y="9374"/>
+              <a:chExt cx="1780" cy="146"/>
+            </a:xfrm>
+          </p:grpSpPr>
+          <p:sp>
+            <p:nvSpPr>
+              <p:cNvPr id="25" name="椭圆 24"/>
+              <p:cNvSpPr/>
+              <p:nvPr/>
+            </p:nvSpPr>
+            <p:spPr>
+              <a:xfrm>
+                <a:off x="2259" y="9374"/>
+                <a:ext cx="142" cy="147"/>
+              </a:xfrm>
+              <a:prstGeom prst="ellipse">
+                <a:avLst/>
+              </a:prstGeom>
+              <a:solidFill>
+                <a:schemeClr val="bg1">
+                  <a:lumMod val="65000"/>
+                </a:schemeClr>
+              </a:solidFill>
+              <a:ln>
+                <a:solidFill>
+                  <a:schemeClr val="bg1"/>
+                </a:solidFill>
+              </a:ln>
+            </p:spPr>
+            <p:style>
+              <a:lnRef idx="2">
+                <a:schemeClr val="accent1">
+                  <a:shade val="50000"/>
+                </a:schemeClr>
+              </a:lnRef>
+              <a:fillRef idx="1">
+                <a:schemeClr val="accent1"/>
+              </a:fillRef>
+              <a:effectRef idx="0">
+                <a:schemeClr val="accent1"/>
+              </a:effectRef>
+              <a:fontRef idx="minor">
+                <a:schemeClr val="lt1"/>
+              </a:fontRef>
+            </p:style>
+            <p:txBody>
+              <a:bodyPr rtlCol="0" anchor="ctr"/>
+              <a:p>
+                <a:pPr algn="ctr"/>
+                <a:endParaRPr lang="zh-CN" altLang="en-US"/>
+              </a:p>
+            </p:txBody>
+          </p:sp>
+          <p:sp>
+            <p:nvSpPr>
+              <p:cNvPr id="26" name="椭圆 25"/>
+              <p:cNvSpPr/>
+              <p:nvPr/>
+            </p:nvSpPr>
+            <p:spPr>
+              <a:xfrm>
+                <a:off x="3120" y="9374"/>
+                <a:ext cx="142" cy="147"/>
+              </a:xfrm>
+              <a:prstGeom prst="ellipse">
+                <a:avLst/>
+              </a:prstGeom>
+              <a:solidFill>
+                <a:schemeClr val="bg1">
+                  <a:lumMod val="65000"/>
+                </a:schemeClr>
+              </a:solidFill>
+              <a:ln>
+                <a:solidFill>
+                  <a:schemeClr val="bg1"/>
+                </a:solidFill>
+              </a:ln>
+            </p:spPr>
+            <p:style>
+              <a:lnRef idx="2">
+                <a:schemeClr val="accent1">
+                  <a:shade val="50000"/>
+                </a:schemeClr>
+              </a:lnRef>
+              <a:fillRef idx="1">
+                <a:schemeClr val="accent1"/>
+              </a:fillRef>
+              <a:effectRef idx="0">
+                <a:schemeClr val="accent1"/>
+              </a:effectRef>
+              <a:fontRef idx="minor">
+                <a:schemeClr val="lt1"/>
+              </a:fontRef>
+            </p:style>
+            <p:txBody>
+              <a:bodyPr rtlCol="0" anchor="ctr"/>
+              <a:p>
+                <a:pPr algn="ctr"/>
+                <a:endParaRPr lang="zh-CN" altLang="en-US"/>
+              </a:p>
+            </p:txBody>
+          </p:sp>
+          <p:sp>
+            <p:nvSpPr>
+              <p:cNvPr id="27" name="椭圆 26"/>
+              <p:cNvSpPr/>
+              <p:nvPr/>
+            </p:nvSpPr>
+            <p:spPr>
+              <a:xfrm>
+                <a:off x="3897" y="9374"/>
+                <a:ext cx="142" cy="147"/>
+              </a:xfrm>
+              <a:prstGeom prst="ellipse">
+                <a:avLst/>
+              </a:prstGeom>
+              <a:solidFill>
+                <a:schemeClr val="bg1">
+                  <a:lumMod val="65000"/>
+                </a:schemeClr>
+              </a:solidFill>
+              <a:ln>
+                <a:solidFill>
+                  <a:schemeClr val="bg1"/>
+                </a:solidFill>
+              </a:ln>
+            </p:spPr>
+            <p:style>
+              <a:lnRef idx="2">
+                <a:schemeClr val="accent1">
+                  <a:shade val="50000"/>
+                </a:schemeClr>
+              </a:lnRef>
+              <a:fillRef idx="1">
+                <a:schemeClr val="accent1"/>
+              </a:fillRef>
+              <a:effectRef idx="0">
+                <a:schemeClr val="accent1"/>
+              </a:effectRef>
+              <a:fontRef idx="minor">
+                <a:schemeClr val="lt1"/>
+              </a:fontRef>
+            </p:style>
+            <p:txBody>
+              <a:bodyPr rtlCol="0" anchor="ctr"/>
+              <a:p>
+                <a:pPr algn="ctr"/>
+                <a:endParaRPr lang="zh-CN" altLang="en-US"/>
+              </a:p>
+            </p:txBody>
+          </p:sp>
+        </p:grpSp>
+        <p:sp>
+          <p:nvSpPr>
+            <p:cNvPr id="28" name="椭圆 27"/>
+            <p:cNvSpPr/>
+            <p:nvPr/>
+          </p:nvSpPr>
+          <p:spPr>
+            <a:xfrm>
+              <a:off x="4841" y="9364"/>
+              <a:ext cx="142" cy="147"/>
+            </a:xfrm>
+            <a:prstGeom prst="ellipse">
+              <a:avLst/>
+            </a:prstGeom>
+            <a:solidFill>
+              <a:schemeClr val="bg1">
+                <a:lumMod val="65000"/>
+              </a:schemeClr>
+            </a:solidFill>
+            <a:ln>
+              <a:solidFill>
+                <a:schemeClr val="bg1"/>
+              </a:solidFill>
+            </a:ln>
+          </p:spPr>
+          <p:style>
+            <a:lnRef idx="2">
+              <a:schemeClr val="accent1">
+                <a:shade val="50000"/>
+              </a:schemeClr>
+            </a:lnRef>
+            <a:fillRef idx="1">
+              <a:schemeClr val="accent1"/>
+            </a:fillRef>
+            <a:effectRef idx="0">
+              <a:schemeClr val="accent1"/>
+            </a:effectRef>
+            <a:fontRef idx="minor">
+              <a:schemeClr val="lt1"/>
+            </a:fontRef>
+          </p:style>
+          <p:txBody>
+            <a:bodyPr rtlCol="0" anchor="ctr"/>
+            <a:p>
+              <a:pPr algn="ctr"/>
+              <a:endParaRPr lang="zh-CN" altLang="en-US"/>
+            </a:p>
+          </p:txBody>
+        </p:sp>
+        <p:sp>
+          <p:nvSpPr>
+            <p:cNvPr id="29" name="椭圆 28"/>
+            <p:cNvSpPr/>
+            <p:nvPr/>
+          </p:nvSpPr>
+          <p:spPr>
+            <a:xfrm>
+              <a:off x="4851" y="6905"/>
+              <a:ext cx="142" cy="147"/>
+            </a:xfrm>
+            <a:prstGeom prst="ellipse">
+              <a:avLst/>
+            </a:prstGeom>
+            <a:solidFill>
+              <a:schemeClr val="bg1">
+                <a:lumMod val="65000"/>
+              </a:schemeClr>
+            </a:solidFill>
+            <a:ln>
+              <a:solidFill>
+                <a:schemeClr val="bg1"/>
+              </a:solidFill>
+            </a:ln>
+          </p:spPr>
+          <p:style>
+            <a:lnRef idx="2">
+              <a:schemeClr val="accent1">
+                <a:shade val="50000"/>
+              </a:schemeClr>
+            </a:lnRef>
+            <a:fillRef idx="1">
+              <a:schemeClr val="accent1"/>
+            </a:fillRef>
+            <a:effectRef idx="0">
+              <a:schemeClr val="accent1"/>
+            </a:effectRef>
+            <a:fontRef idx="minor">
+              <a:schemeClr val="lt1"/>
+            </a:fontRef>
+          </p:style>
+          <p:txBody>
+            <a:bodyPr rtlCol="0" anchor="ctr"/>
+            <a:p>
+              <a:pPr algn="ctr"/>
+              <a:endParaRPr lang="zh-CN" altLang="en-US"/>
+            </a:p>
+          </p:txBody>
+        </p:sp>
+        <p:sp>
+          <p:nvSpPr>
+            <p:cNvPr id="30" name="椭圆 29"/>
+            <p:cNvSpPr/>
+            <p:nvPr/>
+          </p:nvSpPr>
+          <p:spPr>
+            <a:xfrm>
+              <a:off x="4233" y="6317"/>
+              <a:ext cx="142" cy="147"/>
+            </a:xfrm>
+            <a:prstGeom prst="ellipse">
+              <a:avLst/>
+            </a:prstGeom>
+            <a:solidFill>
+              <a:schemeClr val="bg1">
+                <a:lumMod val="65000"/>
+              </a:schemeClr>
+            </a:solidFill>
+            <a:ln>
+              <a:solidFill>
+                <a:schemeClr val="bg1"/>
+              </a:solidFill>
+            </a:ln>
+          </p:spPr>
+          <p:style>
+            <a:lnRef idx="2">
+              <a:schemeClr val="accent1">
+                <a:shade val="50000"/>
+              </a:schemeClr>
+            </a:lnRef>
+            <a:fillRef idx="1">
+              <a:schemeClr val="accent1"/>
+            </a:fillRef>
+            <a:effectRef idx="0">
+              <a:schemeClr val="accent1"/>
+            </a:effectRef>
+            <a:fontRef idx="minor">
+              <a:schemeClr val="lt1"/>
+            </a:fontRef>
+          </p:style>
+          <p:txBody>
+            <a:bodyPr rtlCol="0" anchor="ctr"/>
+            <a:p>
+              <a:pPr algn="ctr"/>
+              <a:endParaRPr lang="zh-CN" altLang="en-US"/>
+            </a:p>
+          </p:txBody>
+        </p:sp>
+        <p:sp>
+          <p:nvSpPr>
+            <p:cNvPr id="31" name="椭圆 30"/>
+            <p:cNvSpPr/>
+            <p:nvPr/>
+          </p:nvSpPr>
+          <p:spPr>
+            <a:xfrm>
+              <a:off x="7636" y="7009"/>
+              <a:ext cx="142" cy="147"/>
+            </a:xfrm>
+            <a:prstGeom prst="ellipse">
+              <a:avLst/>
+            </a:prstGeom>
+            <a:solidFill>
+              <a:schemeClr val="bg1">
+                <a:lumMod val="65000"/>
+              </a:schemeClr>
+            </a:solidFill>
+            <a:ln>
+              <a:solidFill>
+                <a:schemeClr val="bg1"/>
+              </a:solidFill>
+            </a:ln>
+          </p:spPr>
+          <p:style>
+            <a:lnRef idx="2">
+              <a:schemeClr val="accent1">
+                <a:shade val="50000"/>
+              </a:schemeClr>
+            </a:lnRef>
+            <a:fillRef idx="1">
+              <a:schemeClr val="accent1"/>
+            </a:fillRef>
+            <a:effectRef idx="0">
+              <a:schemeClr val="accent1"/>
+            </a:effectRef>
+            <a:fontRef idx="minor">
+              <a:schemeClr val="lt1"/>
+            </a:fontRef>
+          </p:style>
+          <p:txBody>
+            <a:bodyPr rtlCol="0" anchor="ctr"/>
+            <a:p>
+              <a:pPr algn="ctr"/>
+              <a:endParaRPr lang="zh-CN" altLang="en-US"/>
+            </a:p>
+          </p:txBody>
+        </p:sp>
+        <p:sp>
+          <p:nvSpPr>
+            <p:cNvPr id="32" name="椭圆 31"/>
+            <p:cNvSpPr/>
+            <p:nvPr/>
+          </p:nvSpPr>
+          <p:spPr>
+            <a:xfrm>
+              <a:off x="8613" y="7009"/>
+              <a:ext cx="142" cy="147"/>
+            </a:xfrm>
+            <a:prstGeom prst="ellipse">
+              <a:avLst/>
+            </a:prstGeom>
+            <a:solidFill>
+              <a:schemeClr val="bg1">
+                <a:lumMod val="65000"/>
+              </a:schemeClr>
+            </a:solidFill>
+            <a:ln>
+              <a:solidFill>
+                <a:schemeClr val="bg1"/>
+              </a:solidFill>
+            </a:ln>
+          </p:spPr>
+          <p:style>
+            <a:lnRef idx="2">
+              <a:schemeClr val="accent1">
+                <a:shade val="50000"/>
+              </a:schemeClr>
+            </a:lnRef>
+            <a:fillRef idx="1">
+              <a:schemeClr val="accent1"/>
+            </a:fillRef>
+            <a:effectRef idx="0">
+              <a:schemeClr val="accent1"/>
+            </a:effectRef>
+            <a:fontRef idx="minor">
+              <a:schemeClr val="lt1"/>
+            </a:fontRef>
+          </p:style>
+          <p:txBody>
+            <a:bodyPr rtlCol="0" anchor="ctr"/>
+            <a:p>
+              <a:pPr algn="ctr"/>
+              <a:endParaRPr lang="zh-CN" altLang="en-US"/>
+            </a:p>
+          </p:txBody>
+        </p:sp>
+        <p:sp>
+          <p:nvSpPr>
+            <p:cNvPr id="33" name="椭圆 32"/>
+            <p:cNvSpPr/>
+            <p:nvPr/>
+          </p:nvSpPr>
+          <p:spPr>
+            <a:xfrm>
+              <a:off x="7974" y="7581"/>
+              <a:ext cx="142" cy="147"/>
+            </a:xfrm>
+            <a:prstGeom prst="ellipse">
+              <a:avLst/>
+            </a:prstGeom>
+            <a:solidFill>
+              <a:schemeClr val="bg1">
+                <a:lumMod val="65000"/>
+              </a:schemeClr>
+            </a:solidFill>
+            <a:ln>
+              <a:solidFill>
+                <a:schemeClr val="bg1"/>
+              </a:solidFill>
+            </a:ln>
+          </p:spPr>
+          <p:style>
+            <a:lnRef idx="2">
+              <a:schemeClr val="accent1">
+                <a:shade val="50000"/>
+              </a:schemeClr>
+            </a:lnRef>
+            <a:fillRef idx="1">
+              <a:schemeClr val="accent1"/>
+            </a:fillRef>
+            <a:effectRef idx="0">
+              <a:schemeClr val="accent1"/>
+            </a:effectRef>
+            <a:fontRef idx="minor">
+              <a:schemeClr val="lt1"/>
+            </a:fontRef>
+          </p:style>
+          <p:txBody>
+            <a:bodyPr rtlCol="0" anchor="ctr"/>
+            <a:p>
+              <a:pPr algn="ctr"/>
+              <a:endParaRPr lang="zh-CN" altLang="en-US"/>
+            </a:p>
+          </p:txBody>
+        </p:sp>
+        <p:sp>
+          <p:nvSpPr>
+            <p:cNvPr id="34" name="椭圆 33"/>
+            <p:cNvSpPr/>
+            <p:nvPr/>
+          </p:nvSpPr>
+          <p:spPr>
+            <a:xfrm>
+              <a:off x="9024" y="7581"/>
+              <a:ext cx="142" cy="147"/>
+            </a:xfrm>
+            <a:prstGeom prst="ellipse">
+              <a:avLst/>
+            </a:prstGeom>
+            <a:solidFill>
+              <a:schemeClr val="bg1">
+                <a:lumMod val="65000"/>
+              </a:schemeClr>
+            </a:solidFill>
+            <a:ln>
+              <a:solidFill>
+                <a:schemeClr val="bg1"/>
+              </a:solidFill>
+            </a:ln>
+          </p:spPr>
+          <p:style>
+            <a:lnRef idx="2">
+              <a:schemeClr val="accent1">
+                <a:shade val="50000"/>
+              </a:schemeClr>
+            </a:lnRef>
+            <a:fillRef idx="1">
+              <a:schemeClr val="accent1"/>
+            </a:fillRef>
+            <a:effectRef idx="0">
+              <a:schemeClr val="accent1"/>
+            </a:effectRef>
+            <a:fontRef idx="minor">
+              <a:schemeClr val="lt1"/>
+            </a:fontRef>
+          </p:style>
+          <p:txBody>
+            <a:bodyPr rtlCol="0" anchor="ctr"/>
+            <a:p>
+              <a:pPr algn="ctr"/>
+              <a:endParaRPr lang="zh-CN" altLang="en-US"/>
+            </a:p>
+          </p:txBody>
+        </p:sp>
+        <p:sp>
+          <p:nvSpPr>
+            <p:cNvPr id="35" name="椭圆 34"/>
+            <p:cNvSpPr/>
+            <p:nvPr/>
+          </p:nvSpPr>
+          <p:spPr>
+            <a:xfrm>
+              <a:off x="6828" y="5691"/>
+              <a:ext cx="142" cy="147"/>
+            </a:xfrm>
+            <a:prstGeom prst="ellipse">
+              <a:avLst/>
+            </a:prstGeom>
+            <a:solidFill>
+              <a:schemeClr val="bg1">
+                <a:lumMod val="65000"/>
+              </a:schemeClr>
+            </a:solidFill>
+            <a:ln>
+              <a:solidFill>
+                <a:schemeClr val="bg1"/>
+              </a:solidFill>
+            </a:ln>
+          </p:spPr>
+          <p:style>
+            <a:lnRef idx="2">
+              <a:schemeClr val="accent1">
+                <a:shade val="50000"/>
+              </a:schemeClr>
+            </a:lnRef>
+            <a:fillRef idx="1">
+              <a:schemeClr val="accent1"/>
+            </a:fillRef>
+            <a:effectRef idx="0">
+              <a:schemeClr val="accent1"/>
+            </a:effectRef>
+            <a:fontRef idx="minor">
+              <a:schemeClr val="lt1"/>
+            </a:fontRef>
+          </p:style>
+          <p:txBody>
+            <a:bodyPr rtlCol="0" anchor="ctr"/>
+            <a:p>
+              <a:pPr algn="ctr"/>
+              <a:endParaRPr lang="zh-CN" altLang="en-US"/>
+            </a:p>
+          </p:txBody>
+        </p:sp>
+        <p:sp>
+          <p:nvSpPr>
+            <p:cNvPr id="36" name="椭圆 35"/>
+            <p:cNvSpPr/>
+            <p:nvPr/>
+          </p:nvSpPr>
+          <p:spPr>
+            <a:xfrm>
+              <a:off x="6828" y="6383"/>
+              <a:ext cx="142" cy="147"/>
+            </a:xfrm>
+            <a:prstGeom prst="ellipse">
+              <a:avLst/>
+            </a:prstGeom>
+            <a:solidFill>
+              <a:schemeClr val="bg1">
+                <a:lumMod val="65000"/>
+              </a:schemeClr>
+            </a:solidFill>
+            <a:ln>
+              <a:solidFill>
+                <a:schemeClr val="bg1"/>
+              </a:solidFill>
+            </a:ln>
+          </p:spPr>
+          <p:style>
+            <a:lnRef idx="2">
+              <a:schemeClr val="accent1">
+                <a:shade val="50000"/>
+              </a:schemeClr>
+            </a:lnRef>
+            <a:fillRef idx="1">
+              <a:schemeClr val="accent1"/>
+            </a:fillRef>
+            <a:effectRef idx="0">
+              <a:schemeClr val="accent1"/>
+            </a:effectRef>
+            <a:fontRef idx="minor">
+              <a:schemeClr val="lt1"/>
+            </a:fontRef>
+          </p:style>
+          <p:txBody>
+            <a:bodyPr rtlCol="0" anchor="ctr"/>
+            <a:p>
+              <a:pPr algn="ctr"/>
+              <a:endParaRPr lang="zh-CN" altLang="en-US"/>
+            </a:p>
+          </p:txBody>
+        </p:sp>
+        <p:sp>
+          <p:nvSpPr>
+            <p:cNvPr id="37" name="椭圆 36"/>
+            <p:cNvSpPr/>
+            <p:nvPr/>
+          </p:nvSpPr>
+          <p:spPr>
+            <a:xfrm>
+              <a:off x="6828" y="8376"/>
+              <a:ext cx="142" cy="147"/>
+            </a:xfrm>
+            <a:prstGeom prst="ellipse">
+              <a:avLst/>
+            </a:prstGeom>
+            <a:solidFill>
+              <a:schemeClr val="bg1">
+                <a:lumMod val="65000"/>
+              </a:schemeClr>
+            </a:solidFill>
+            <a:ln>
+              <a:solidFill>
+                <a:schemeClr val="bg1"/>
+              </a:solidFill>
+            </a:ln>
+          </p:spPr>
+          <p:style>
+            <a:lnRef idx="2">
+              <a:schemeClr val="accent1">
+                <a:shade val="50000"/>
+              </a:schemeClr>
+            </a:lnRef>
+            <a:fillRef idx="1">
+              <a:schemeClr val="accent1"/>
+            </a:fillRef>
+            <a:effectRef idx="0">
+              <a:schemeClr val="accent1"/>
+            </a:effectRef>
+            <a:fontRef idx="minor">
+              <a:schemeClr val="lt1"/>
+            </a:fontRef>
+          </p:style>
+          <p:txBody>
+            <a:bodyPr rtlCol="0" anchor="ctr"/>
+            <a:p>
+              <a:pPr algn="ctr"/>
+              <a:endParaRPr lang="zh-CN" altLang="en-US"/>
+            </a:p>
+          </p:txBody>
+        </p:sp>
+        <p:sp>
+          <p:nvSpPr>
+            <p:cNvPr id="38" name="椭圆 37"/>
+            <p:cNvSpPr/>
+            <p:nvPr/>
+          </p:nvSpPr>
+          <p:spPr>
+            <a:xfrm>
+              <a:off x="6828" y="9243"/>
+              <a:ext cx="142" cy="147"/>
+            </a:xfrm>
+            <a:prstGeom prst="ellipse">
+              <a:avLst/>
+            </a:prstGeom>
+            <a:solidFill>
+              <a:schemeClr val="bg1">
+                <a:lumMod val="65000"/>
+              </a:schemeClr>
+            </a:solidFill>
+            <a:ln>
+              <a:solidFill>
+                <a:schemeClr val="bg1"/>
+              </a:solidFill>
+            </a:ln>
+          </p:spPr>
+          <p:style>
+            <a:lnRef idx="2">
+              <a:schemeClr val="accent1">
+                <a:shade val="50000"/>
+              </a:schemeClr>
+            </a:lnRef>
+            <a:fillRef idx="1">
+              <a:schemeClr val="accent1"/>
+            </a:fillRef>
+            <a:effectRef idx="0">
+              <a:schemeClr val="accent1"/>
+            </a:effectRef>
+            <a:fontRef idx="minor">
+              <a:schemeClr val="lt1"/>
+            </a:fontRef>
+          </p:style>
+          <p:txBody>
+            <a:bodyPr rtlCol="0" anchor="ctr"/>
+            <a:p>
+              <a:pPr algn="ctr"/>
+              <a:endParaRPr lang="zh-CN" altLang="en-US"/>
+            </a:p>
+          </p:txBody>
+        </p:sp>
+        <p:sp>
+          <p:nvSpPr>
+            <p:cNvPr id="4" name="椭圆 3"/>
+            <p:cNvSpPr/>
+            <p:nvPr/>
+          </p:nvSpPr>
+          <p:spPr>
+            <a:xfrm>
+              <a:off x="5682" y="8523"/>
+              <a:ext cx="142" cy="147"/>
+            </a:xfrm>
+            <a:prstGeom prst="ellipse">
+              <a:avLst/>
+            </a:prstGeom>
+            <a:solidFill>
+              <a:schemeClr val="bg1">
+                <a:lumMod val="65000"/>
+              </a:schemeClr>
+            </a:solidFill>
+            <a:ln>
+              <a:solidFill>
+                <a:schemeClr val="bg1"/>
+              </a:solidFill>
+            </a:ln>
+          </p:spPr>
+          <p:style>
+            <a:lnRef idx="2">
+              <a:schemeClr val="accent1">
+                <a:shade val="50000"/>
+              </a:schemeClr>
+            </a:lnRef>
+            <a:fillRef idx="1">
+              <a:schemeClr val="accent1"/>
+            </a:fillRef>
+            <a:effectRef idx="0">
+              <a:schemeClr val="accent1"/>
+            </a:effectRef>
+            <a:fontRef idx="minor">
+              <a:schemeClr val="lt1"/>
+            </a:fontRef>
+          </p:style>
+          <p:txBody>
+            <a:bodyPr rtlCol="0" anchor="ctr"/>
+            <a:p>
+              <a:pPr algn="ctr"/>
+              <a:endParaRPr lang="zh-CN" altLang="en-US"/>
+            </a:p>
+          </p:txBody>
+        </p:sp>
+      </p:grpSp>
     </p:spTree>
     <p:custDataLst>
       <p:tags r:id="rId1"/>
@@ -5609,15 +12396,48 @@
 
 <file path=ppt/tags/tag66.xml><?xml version="1.0" encoding="utf-8"?>
 <p:tagLst xmlns:p="http://schemas.openxmlformats.org/presentationml/2006/main">
+  <p:tag name="KSO_WM_UNIT_TABLE_BEAUTIFY" val="smartTable{247f367c-0ed7-446e-ac67-8395746bd5d7}"/>
+  <p:tag name="TABLE_ENDDRAG_ORIGIN_RECT" val="386*124"/>
+  <p:tag name="TABLE_ENDDRAG_RECT" val="572*0*386*124"/>
+  <p:tag name="TABLE_RECT" val="377.667*137.283*532.45*122.7"/>
+  <p:tag name="TABLE_EMPHASIZE_COLOR" val="240117"/>
+  <p:tag name="TABLE_ONEKEY_SKIN_IDX" val="3"/>
+  <p:tag name="TABLE_SKINIDX" val="0"/>
+  <p:tag name="TABLE_COLORIDX" val="9"/>
+</p:tagLst>
+</file>
+
+<file path=ppt/tags/tag67.xml><?xml version="1.0" encoding="utf-8"?>
+<p:tagLst xmlns:p="http://schemas.openxmlformats.org/presentationml/2006/main">
+  <p:tag name="KSO_WM_UNIT_TABLE_BEAUTIFY" val="smartTable{f3ce0b19-33db-4a1c-ab4d-32ee9390ccb4}"/>
+  <p:tag name="TABLE_ENDDRAG_ORIGIN_RECT" val="386*124"/>
+  <p:tag name="TABLE_ENDDRAG_RECT" val="572*0*386*124"/>
+  <p:tag name="TABLE_RECT" val="377.667*137.283*532.45*122.7"/>
+  <p:tag name="TABLE_EMPHASIZE_COLOR" val="240117"/>
+  <p:tag name="TABLE_ONEKEY_SKIN_IDX" val="3"/>
+  <p:tag name="TABLE_SKINIDX" val="0"/>
+  <p:tag name="TABLE_COLORIDX" val="9"/>
+</p:tagLst>
+</file>
+
+<file path=ppt/tags/tag68.xml><?xml version="1.0" encoding="utf-8"?>
+<p:tagLst xmlns:p="http://schemas.openxmlformats.org/presentationml/2006/main">
   <p:tag name="KSO_WM_BEAUTIFY_FLAG" val="#wm#"/>
   <p:tag name="KSO_WM_TEMPLATE_CATEGORY" val="custom"/>
   <p:tag name="KSO_WM_TEMPLATE_INDEX" val="20205176"/>
 </p:tagLst>
 </file>
 
-<file path=ppt/tags/tag67.xml><?xml version="1.0" encoding="utf-8"?>
+<file path=ppt/tags/tag69.xml><?xml version="1.0" encoding="utf-8"?>
 <p:tagLst xmlns:p="http://schemas.openxmlformats.org/presentationml/2006/main">
-  <p:tag name="COMMONDATA" val="eyJoZGlkIjoiZjA3NGY2ODkwZDA3YjVmZWEyYTE3ZmI4ZGIxODI5ZWEifQ=="/>
+  <p:tag name="KSO_WM_UNIT_TABLE_BEAUTIFY" val="smartTable{247f367c-0ed7-446e-ac67-8395746bd5d7}"/>
+  <p:tag name="TABLE_ENDDRAG_ORIGIN_RECT" val="386*124"/>
+  <p:tag name="TABLE_ENDDRAG_RECT" val="572*0*386*124"/>
+  <p:tag name="TABLE_RECT" val="377.667*137.283*532.45*122.7"/>
+  <p:tag name="TABLE_EMPHASIZE_COLOR" val="240117"/>
+  <p:tag name="TABLE_ONEKEY_SKIN_IDX" val="3"/>
+  <p:tag name="TABLE_SKINIDX" val="0"/>
+  <p:tag name="TABLE_COLORIDX" val="9"/>
 </p:tagLst>
 </file>
 
@@ -5631,6 +12451,41 @@
   <p:tag name="KSO_WM_UNIT_LAYERLEVEL" val="1"/>
   <p:tag name="KSO_WM_TAG_VERSION" val="1.0"/>
   <p:tag name="KSO_WM_BEAUTIFY_FLAG" val="#wm#"/>
+</p:tagLst>
+</file>
+
+<file path=ppt/tags/tag70.xml><?xml version="1.0" encoding="utf-8"?>
+<p:tagLst xmlns:p="http://schemas.openxmlformats.org/presentationml/2006/main">
+  <p:tag name="KSO_WM_UNIT_TABLE_BEAUTIFY" val="smartTable{f3ce0b19-33db-4a1c-ab4d-32ee9390ccb4}"/>
+  <p:tag name="TABLE_ENDDRAG_ORIGIN_RECT" val="386*124"/>
+  <p:tag name="TABLE_ENDDRAG_RECT" val="572*0*386*124"/>
+  <p:tag name="TABLE_RECT" val="377.667*137.283*532.45*122.7"/>
+  <p:tag name="TABLE_EMPHASIZE_COLOR" val="240117"/>
+  <p:tag name="TABLE_ONEKEY_SKIN_IDX" val="3"/>
+  <p:tag name="TABLE_SKINIDX" val="0"/>
+  <p:tag name="TABLE_COLORIDX" val="9"/>
+</p:tagLst>
+</file>
+
+<file path=ppt/tags/tag71.xml><?xml version="1.0" encoding="utf-8"?>
+<p:tagLst xmlns:p="http://schemas.openxmlformats.org/presentationml/2006/main">
+  <p:tag name="KSO_WM_BEAUTIFY_FLAG" val="#wm#"/>
+  <p:tag name="KSO_WM_TEMPLATE_CATEGORY" val="custom"/>
+  <p:tag name="KSO_WM_TEMPLATE_INDEX" val="20205176"/>
+</p:tagLst>
+</file>
+
+<file path=ppt/tags/tag72.xml><?xml version="1.0" encoding="utf-8"?>
+<p:tagLst xmlns:p="http://schemas.openxmlformats.org/presentationml/2006/main">
+  <p:tag name="KSO_WM_BEAUTIFY_FLAG" val="#wm#"/>
+  <p:tag name="KSO_WM_TEMPLATE_CATEGORY" val="custom"/>
+  <p:tag name="KSO_WM_TEMPLATE_INDEX" val="20205176"/>
+</p:tagLst>
+</file>
+
+<file path=ppt/tags/tag73.xml><?xml version="1.0" encoding="utf-8"?>
+<p:tagLst xmlns:p="http://schemas.openxmlformats.org/presentationml/2006/main">
+  <p:tag name="COMMONDATA" val="eyJoZGlkIjoiZjA3NGY2ODkwZDA3YjVmZWEyYTE3ZmI4ZGIxODI5ZWEifQ=="/>
 </p:tagLst>
 </file>
 

--- a/隧道检测.pptx
+++ b/隧道检测.pptx
@@ -110,6 +110,22 @@
       </a:defRPr>
     </a:lvl9pPr>
   </p:defaultTextStyle>
+  <p:extLst>
+    <p:ext uri="{EFAFB233-063F-42B5-8137-9DF3F51BA10A}">
+      <p15:sldGuideLst xmlns:p15="http://schemas.microsoft.com/office/powerpoint/2012/main">
+        <p15:guide id="1" orient="horz" pos="2243" userDrawn="1">
+          <p15:clr>
+            <a:srgbClr val="A4A3A4"/>
+          </p15:clr>
+        </p15:guide>
+        <p15:guide id="2" pos="3788" userDrawn="1">
+          <p15:clr>
+            <a:srgbClr val="A4A3A4"/>
+          </p15:clr>
+        </p15:guide>
+      </p15:sldGuideLst>
+    </p:ext>
+  </p:extLst>
 </p:presentation>
 </file>
 
@@ -6677,7 +6693,7 @@
                         <a:buNone/>
                       </a:pPr>
                       <a:r>
-                        <a:rPr lang="zh-CN" altLang="en-US" sz="1800" b="0" spc="130">
+                        <a:rPr lang="zh-CN" altLang="en-US" sz="1600" b="0" spc="130">
                           <a:solidFill>
                             <a:srgbClr val="002060"/>
                           </a:solidFill>
@@ -6686,7 +6702,7 @@
                         </a:rPr>
                         <a:t>异常概率</a:t>
                       </a:r>
-                      <a:endParaRPr lang="zh-CN" altLang="en-US" sz="1800" b="0" spc="130">
+                      <a:endParaRPr lang="zh-CN" altLang="en-US" sz="1600" b="0" spc="130">
                         <a:solidFill>
                           <a:srgbClr val="002060"/>
                         </a:solidFill>
@@ -6741,9 +6757,19 @@
                         </a:spcAft>
                         <a:buNone/>
                       </a:pPr>
-                      <a:endParaRPr lang="zh-CN" altLang="en-US" sz="1800" b="0" spc="130">
+                      <a:r>
+                        <a:rPr lang="zh-CN" altLang="en-US" sz="1600" b="0" spc="130">
+                          <a:solidFill>
+                            <a:srgbClr val="002060"/>
+                          </a:solidFill>
+                          <a:latin typeface="微软雅黑" panose="020B0503020204020204" charset="-122"/>
+                          <a:ea typeface="微软雅黑" panose="020B0503020204020204" charset="-122"/>
+                        </a:rPr>
+                        <a:t>0.8%</a:t>
+                      </a:r>
+                      <a:endParaRPr lang="zh-CN" altLang="en-US" sz="1600" b="0" spc="130">
                         <a:solidFill>
-                          <a:srgbClr val="404040"/>
+                          <a:srgbClr val="002060"/>
                         </a:solidFill>
                         <a:latin typeface="微软雅黑" panose="020B0503020204020204" charset="-122"/>
                         <a:ea typeface="微软雅黑" panose="020B0503020204020204" charset="-122"/>
@@ -6796,9 +6822,19 @@
                         </a:spcAft>
                         <a:buNone/>
                       </a:pPr>
-                      <a:endParaRPr lang="zh-CN" altLang="en-US" sz="1800" b="0" spc="130">
+                      <a:r>
+                        <a:rPr lang="zh-CN" altLang="en-US" sz="1600" b="0" spc="130">
+                          <a:solidFill>
+                            <a:srgbClr val="002060"/>
+                          </a:solidFill>
+                          <a:latin typeface="微软雅黑" panose="020B0503020204020204" charset="-122"/>
+                          <a:ea typeface="微软雅黑" panose="020B0503020204020204" charset="-122"/>
+                        </a:rPr>
+                        <a:t>2.4%</a:t>
+                      </a:r>
+                      <a:endParaRPr lang="zh-CN" altLang="en-US" sz="1600" b="0" spc="130">
                         <a:solidFill>
-                          <a:srgbClr val="404040"/>
+                          <a:srgbClr val="002060"/>
                         </a:solidFill>
                         <a:latin typeface="微软雅黑" panose="020B0503020204020204" charset="-122"/>
                         <a:ea typeface="微软雅黑" panose="020B0503020204020204" charset="-122"/>
@@ -6851,7 +6887,17 @@
                         </a:spcAft>
                         <a:buNone/>
                       </a:pPr>
-                      <a:endParaRPr lang="zh-CN" altLang="en-US" sz="1800" b="0" spc="130">
+                      <a:r>
+                        <a:rPr lang="zh-CN" altLang="en-US" sz="1600" b="0" spc="130">
+                          <a:solidFill>
+                            <a:srgbClr val="002060"/>
+                          </a:solidFill>
+                          <a:latin typeface="微软雅黑" panose="020B0503020204020204" charset="-122"/>
+                          <a:ea typeface="微软雅黑" panose="020B0503020204020204" charset="-122"/>
+                        </a:rPr>
+                        <a:t>7.6%</a:t>
+                      </a:r>
+                      <a:endParaRPr lang="en-US" altLang="zh-CN" sz="1800" b="0" spc="130">
                         <a:solidFill>
                           <a:srgbClr val="404040"/>
                         </a:solidFill>
@@ -6906,7 +6952,17 @@
                         </a:spcAft>
                         <a:buNone/>
                       </a:pPr>
-                      <a:endParaRPr lang="zh-CN" altLang="en-US" sz="1800" b="0" spc="130">
+                      <a:r>
+                        <a:rPr lang="zh-CN" altLang="en-US" sz="1600" b="0" spc="130">
+                          <a:solidFill>
+                            <a:srgbClr val="002060"/>
+                          </a:solidFill>
+                          <a:latin typeface="微软雅黑" panose="020B0503020204020204" charset="-122"/>
+                          <a:ea typeface="微软雅黑" panose="020B0503020204020204" charset="-122"/>
+                        </a:rPr>
+                        <a:t>25.3%</a:t>
+                      </a:r>
+                      <a:endParaRPr lang="en-US" altLang="zh-CN" sz="1800" b="0" spc="130">
                         <a:solidFill>
                           <a:srgbClr val="404040"/>
                         </a:solidFill>
@@ -6961,8 +7017,8 @@
           </p:nvPr>
         </p:nvGraphicFramePr>
         <p:xfrm>
-          <a:off x="7282815" y="2999105"/>
-          <a:ext cx="4909185" cy="1577340"/>
+          <a:off x="7282180" y="2829560"/>
+          <a:ext cx="4924425" cy="1699895"/>
         </p:xfrm>
         <a:graphic>
           <a:graphicData uri="http://schemas.openxmlformats.org/drawingml/2006/table">
@@ -6971,13 +7027,15 @@
                 <a:tableStyleId>{5C22544A-7EE6-4342-B048-85BDC9FD1C3A}</a:tableStyleId>
               </a:tblPr>
               <a:tblGrid>
-                <a:gridCol w="1341120"/>
-                <a:gridCol w="892016"/>
-                <a:gridCol w="892016"/>
-                <a:gridCol w="892016"/>
-                <a:gridCol w="892016"/>
+                <a:gridCol w="1143635"/>
+                <a:gridCol w="630131"/>
+                <a:gridCol w="630131"/>
+                <a:gridCol w="630131"/>
+                <a:gridCol w="630131"/>
+                <a:gridCol w="630131"/>
+                <a:gridCol w="630131"/>
               </a:tblGrid>
-              <a:tr h="753110">
+              <a:tr h="760730">
                 <a:tc>
                   <a:txBody>
                     <a:bodyPr/>
@@ -6995,7 +7053,7 @@
                         <a:buNone/>
                       </a:pPr>
                       <a:r>
-                        <a:rPr lang="zh-CN" altLang="en-US" sz="1600" b="1" spc="130">
+                        <a:rPr lang="zh-CN" altLang="en-US" sz="1700" b="1" spc="130">
                           <a:solidFill>
                             <a:srgbClr val="FFFFFF"/>
                           </a:solidFill>
@@ -7004,7 +7062,7 @@
                         </a:rPr>
                         <a:t>点位</a:t>
                       </a:r>
-                      <a:endParaRPr lang="zh-CN" altLang="en-US" sz="1600" b="1" spc="130">
+                      <a:endParaRPr lang="zh-CN" altLang="en-US" sz="1700" b="1" spc="130">
                         <a:solidFill>
                           <a:srgbClr val="FFFFFF"/>
                         </a:solidFill>
@@ -7069,7 +7127,7 @@
                         </a:rPr>
                         <a:t>A</a:t>
                       </a:r>
-                      <a:endParaRPr lang="en-US" altLang="zh-CN" sz="1600" b="1" spc="130">
+                      <a:endParaRPr lang="en-US" altLang="zh-CN" sz="1700" b="1" spc="130">
                         <a:solidFill>
                           <a:srgbClr val="FFFFFF"/>
                         </a:solidFill>
@@ -7125,7 +7183,7 @@
                         <a:buNone/>
                       </a:pPr>
                       <a:r>
-                        <a:rPr lang="en-US" altLang="zh-CN" sz="1400" b="1" spc="130">
+                        <a:rPr lang="en-US" altLang="zh-CN" sz="1600" b="1" spc="130">
                           <a:solidFill>
                             <a:srgbClr val="FFFFFF"/>
                           </a:solidFill>
@@ -7134,7 +7192,7 @@
                         </a:rPr>
                         <a:t>B</a:t>
                       </a:r>
-                      <a:endParaRPr lang="en-US" altLang="zh-CN" sz="1400" b="1" spc="130">
+                      <a:endParaRPr lang="en-US" altLang="zh-CN" sz="1700" b="1" spc="130">
                         <a:solidFill>
                           <a:srgbClr val="FFFFFF"/>
                         </a:solidFill>
@@ -7177,7 +7235,7 @@
                   <a:txBody>
                     <a:bodyPr/>
                     <a:p>
-                      <a:pPr algn="ctr">
+                      <a:pPr indent="0" algn="ctr">
                         <a:lnSpc>
                           <a:spcPct val="120000"/>
                         </a:lnSpc>
@@ -7193,7 +7251,7 @@
                         <a:buNone/>
                       </a:pPr>
                       <a:r>
-                        <a:rPr lang="en-US" altLang="zh-CN" sz="1400" b="1" spc="130">
+                        <a:rPr lang="en-US" altLang="zh-CN" sz="1600" b="1" spc="130">
                           <a:solidFill>
                             <a:srgbClr val="FFFFFF"/>
                           </a:solidFill>
@@ -7202,7 +7260,7 @@
                         </a:rPr>
                         <a:t>C</a:t>
                       </a:r>
-                      <a:endParaRPr lang="en-US" altLang="zh-CN" sz="1400" b="1" spc="130">
+                      <a:endParaRPr lang="en-US" altLang="zh-CN" sz="1600" b="1" spc="130">
                         <a:solidFill>
                           <a:srgbClr val="FFFFFF"/>
                         </a:solidFill>
@@ -7245,7 +7303,7 @@
                   <a:txBody>
                     <a:bodyPr/>
                     <a:p>
-                      <a:pPr algn="ctr">
+                      <a:pPr indent="0" algn="ctr">
                         <a:lnSpc>
                           <a:spcPct val="120000"/>
                         </a:lnSpc>
@@ -7261,22 +7319,18 @@
                         <a:buNone/>
                       </a:pPr>
                       <a:r>
-                        <a:rPr lang="en-US" altLang="zh-CN" sz="1400" b="1" spc="130">
+                        <a:rPr lang="en-US" altLang="zh-CN" sz="1600" b="1" spc="130">
                           <a:solidFill>
-                            <a:schemeClr val="accent4">
-                              <a:lumMod val="75000"/>
-                            </a:schemeClr>
+                            <a:srgbClr val="FFFFFF"/>
                           </a:solidFill>
                           <a:latin typeface="微软雅黑" panose="020B0503020204020204" charset="-122"/>
                           <a:ea typeface="微软雅黑" panose="020B0503020204020204" charset="-122"/>
                         </a:rPr>
                         <a:t>D</a:t>
                       </a:r>
-                      <a:endParaRPr lang="en-US" altLang="zh-CN" sz="1400" b="1" spc="130">
+                      <a:endParaRPr lang="en-US" altLang="zh-CN" sz="1600" b="1" spc="130">
                         <a:solidFill>
-                          <a:schemeClr val="accent4">
-                            <a:lumMod val="75000"/>
-                          </a:schemeClr>
+                          <a:srgbClr val="FFFFFF"/>
                         </a:solidFill>
                         <a:latin typeface="微软雅黑" panose="020B0503020204020204" charset="-122"/>
                         <a:ea typeface="微软雅黑" panose="020B0503020204020204" charset="-122"/>
@@ -7290,6 +7344,142 @@
                       </a:solidFill>
                       <a:prstDash val="dot"/>
                     </a:lnL>
+                    <a:lnR w="3175">
+                      <a:solidFill>
+                        <a:srgbClr val="FFFFFF"/>
+                      </a:solidFill>
+                      <a:prstDash val="dot"/>
+                    </a:lnR>
+                    <a:lnT w="19050" cap="rnd">
+                      <a:solidFill>
+                        <a:srgbClr val="03A9F5"/>
+                      </a:solidFill>
+                      <a:prstDash val="solid"/>
+                    </a:lnT>
+                    <a:lnB w="19050">
+                      <a:solidFill>
+                        <a:srgbClr val="03A9F5"/>
+                      </a:solidFill>
+                      <a:prstDash val="solid"/>
+                    </a:lnB>
+                    <a:solidFill>
+                      <a:srgbClr val="03A9F5"/>
+                    </a:solidFill>
+                  </a:tcPr>
+                </a:tc>
+                <a:tc>
+                  <a:txBody>
+                    <a:bodyPr/>
+                    <a:p>
+                      <a:pPr indent="0" algn="ctr">
+                        <a:lnSpc>
+                          <a:spcPct val="120000"/>
+                        </a:lnSpc>
+                        <a:spcBef>
+                          <a:spcPts val="0"/>
+                        </a:spcBef>
+                        <a:spcAft>
+                          <a:spcPts val="0"/>
+                        </a:spcAft>
+                        <a:buClrTx/>
+                        <a:buSzTx/>
+                        <a:buFontTx/>
+                        <a:buNone/>
+                      </a:pPr>
+                      <a:r>
+                        <a:rPr lang="en-US" altLang="zh-CN" sz="1600" b="1" spc="130">
+                          <a:solidFill>
+                            <a:srgbClr val="FFFFFF"/>
+                          </a:solidFill>
+                          <a:latin typeface="微软雅黑" panose="020B0503020204020204" charset="-122"/>
+                          <a:ea typeface="微软雅黑" panose="020B0503020204020204" charset="-122"/>
+                        </a:rPr>
+                        <a:t>E</a:t>
+                      </a:r>
+                      <a:endParaRPr lang="en-US" altLang="zh-CN" sz="1700" b="1" spc="130">
+                        <a:solidFill>
+                          <a:srgbClr val="FFFFFF"/>
+                        </a:solidFill>
+                        <a:latin typeface="微软雅黑" panose="020B0503020204020204" charset="-122"/>
+                        <a:ea typeface="微软雅黑" panose="020B0503020204020204" charset="-122"/>
+                      </a:endParaRPr>
+                    </a:p>
+                  </a:txBody>
+                  <a:tcPr marL="45720" marR="45720" anchor="ctr">
+                    <a:lnL w="3175">
+                      <a:solidFill>
+                        <a:srgbClr val="FFFFFF"/>
+                      </a:solidFill>
+                      <a:prstDash val="dot"/>
+                    </a:lnL>
+                    <a:lnR w="3175">
+                      <a:solidFill>
+                        <a:srgbClr val="FFFFFF"/>
+                      </a:solidFill>
+                      <a:prstDash val="dot"/>
+                    </a:lnR>
+                    <a:lnT w="19050" cap="rnd">
+                      <a:solidFill>
+                        <a:srgbClr val="03A9F5"/>
+                      </a:solidFill>
+                      <a:prstDash val="solid"/>
+                    </a:lnT>
+                    <a:lnB w="19050">
+                      <a:solidFill>
+                        <a:srgbClr val="03A9F5"/>
+                      </a:solidFill>
+                      <a:prstDash val="solid"/>
+                    </a:lnB>
+                    <a:solidFill>
+                      <a:srgbClr val="03A9F5"/>
+                    </a:solidFill>
+                  </a:tcPr>
+                </a:tc>
+                <a:tc>
+                  <a:txBody>
+                    <a:bodyPr/>
+                    <a:p>
+                      <a:pPr indent="0" algn="ctr">
+                        <a:lnSpc>
+                          <a:spcPct val="120000"/>
+                        </a:lnSpc>
+                        <a:spcBef>
+                          <a:spcPts val="0"/>
+                        </a:spcBef>
+                        <a:spcAft>
+                          <a:spcPts val="0"/>
+                        </a:spcAft>
+                        <a:buClrTx/>
+                        <a:buSzTx/>
+                        <a:buFontTx/>
+                        <a:buNone/>
+                      </a:pPr>
+                      <a:r>
+                        <a:rPr lang="en-US" altLang="zh-CN" sz="1600" b="1" spc="130">
+                          <a:solidFill>
+                            <a:srgbClr val="FFFFFF"/>
+                          </a:solidFill>
+                          <a:latin typeface="微软雅黑" panose="020B0503020204020204" charset="-122"/>
+                          <a:ea typeface="微软雅黑" panose="020B0503020204020204" charset="-122"/>
+                        </a:rPr>
+                        <a:t>F</a:t>
+                      </a:r>
+                      <a:endParaRPr lang="en-US" altLang="zh-CN" sz="1600" b="1" spc="130">
+                        <a:solidFill>
+                          <a:srgbClr val="FFFFFF"/>
+                        </a:solidFill>
+                        <a:latin typeface="微软雅黑" panose="020B0503020204020204" charset="-122"/>
+                        <a:ea typeface="微软雅黑" panose="020B0503020204020204" charset="-122"/>
+                      </a:endParaRPr>
+                    </a:p>
+                  </a:txBody>
+                  <a:tcPr marL="45720" marR="45720" anchor="ctr">
+                    <a:lnL w="3175">
+                      <a:solidFill>
+                        <a:srgbClr val="FFFFFF"/>
+                      </a:solidFill>
+                      <a:prstDash val="dot"/>
+                    </a:lnL>
                     <a:lnR w="19050" cap="rnd">
                       <a:solidFill>
                         <a:srgbClr val="03A9F5"/>
@@ -7314,7 +7504,7 @@
                   </a:tcPr>
                 </a:tc>
               </a:tr>
-              <a:tr h="824230">
+              <a:tr h="939165">
                 <a:tc>
                   <a:txBody>
                     <a:bodyPr/>
@@ -7332,31 +7522,22 @@
                         <a:buNone/>
                       </a:pPr>
                       <a:r>
-                        <a:rPr lang="zh-CN" altLang="en-US" sz="1800" b="0" spc="130">
+                        <a:rPr lang="zh-CN" altLang="en-US" sz="1600" b="0" spc="130">
                           <a:solidFill>
                             <a:srgbClr val="002060"/>
                           </a:solidFill>
                           <a:latin typeface="微软雅黑" panose="020B0503020204020204" charset="-122"/>
                           <a:ea typeface="微软雅黑" panose="020B0503020204020204" charset="-122"/>
                         </a:rPr>
-                        <a:t>异常概率</a:t>
+                        <a:t>异常概率β</a:t>
                       </a:r>
-                      <a:r>
-                        <a:rPr lang="en-US" altLang="zh-CN" sz="1800" b="0" spc="130">
-                          <a:solidFill>
-                            <a:srgbClr val="002060"/>
-                          </a:solidFill>
-                          <a:latin typeface="微软雅黑" panose="020B0503020204020204" charset="-122"/>
-                          <a:ea typeface="微软雅黑" panose="020B0503020204020204" charset="-122"/>
-                        </a:rPr>
-                        <a:t>β</a:t>
-                      </a:r>
-                      <a:endParaRPr lang="en-US" altLang="zh-CN" sz="1800" b="0" spc="130">
+                      <a:endParaRPr lang="zh-CN" altLang="en-US" sz="1600" b="0" spc="130">
                         <a:solidFill>
                           <a:srgbClr val="002060"/>
                         </a:solidFill>
                         <a:latin typeface="微软雅黑" panose="020B0503020204020204" charset="-122"/>
                         <a:ea typeface="微软雅黑" panose="020B0503020204020204" charset="-122"/>
+                        <a:cs typeface="微软雅黑" panose="020B0503020204020204" charset="-122"/>
                       </a:endParaRPr>
                     </a:p>
                   </a:txBody>
@@ -7406,7 +7587,17 @@
                         </a:spcAft>
                         <a:buNone/>
                       </a:pPr>
-                      <a:endParaRPr lang="zh-CN" altLang="en-US" sz="1800" b="0" spc="130">
+                      <a:r>
+                        <a:rPr lang="en-US" altLang="zh-CN" sz="1400" b="0" spc="120">
+                          <a:solidFill>
+                            <a:srgbClr val="404040"/>
+                          </a:solidFill>
+                          <a:latin typeface="微软雅黑" panose="020B0503020204020204" charset="-122"/>
+                          <a:ea typeface="微软雅黑" panose="020B0503020204020204" charset="-122"/>
+                        </a:rPr>
+                        <a:t>0.3%</a:t>
+                      </a:r>
+                      <a:endParaRPr lang="en-US" altLang="zh-CN" sz="1400" b="0" spc="120">
                         <a:solidFill>
                           <a:srgbClr val="404040"/>
                         </a:solidFill>
@@ -7461,7 +7652,17 @@
                         </a:spcAft>
                         <a:buNone/>
                       </a:pPr>
-                      <a:endParaRPr lang="zh-CN" altLang="en-US" sz="1800" b="0" spc="130">
+                      <a:r>
+                        <a:rPr lang="en-US" altLang="zh-CN" sz="1400" b="0" spc="120">
+                          <a:solidFill>
+                            <a:srgbClr val="404040"/>
+                          </a:solidFill>
+                          <a:latin typeface="微软雅黑" panose="020B0503020204020204" charset="-122"/>
+                          <a:ea typeface="微软雅黑" panose="020B0503020204020204" charset="-122"/>
+                        </a:rPr>
+                        <a:t>0.8%</a:t>
+                      </a:r>
+                      <a:endParaRPr lang="en-US" altLang="zh-CN" sz="1400" b="0" spc="120">
                         <a:solidFill>
                           <a:srgbClr val="404040"/>
                         </a:solidFill>
@@ -7516,7 +7717,17 @@
                         </a:spcAft>
                         <a:buNone/>
                       </a:pPr>
-                      <a:endParaRPr lang="zh-CN" altLang="en-US" sz="1800" b="0" spc="130">
+                      <a:r>
+                        <a:rPr lang="en-US" altLang="zh-CN" sz="1400" b="0" spc="120">
+                          <a:solidFill>
+                            <a:srgbClr val="404040"/>
+                          </a:solidFill>
+                          <a:latin typeface="微软雅黑" panose="020B0503020204020204" charset="-122"/>
+                          <a:ea typeface="微软雅黑" panose="020B0503020204020204" charset="-122"/>
+                        </a:rPr>
+                        <a:t>1.2%</a:t>
+                      </a:r>
+                      <a:endParaRPr lang="en-US" altLang="zh-CN" sz="1400" b="0" spc="120">
                         <a:solidFill>
                           <a:srgbClr val="404040"/>
                         </a:solidFill>
@@ -7571,7 +7782,147 @@
                         </a:spcAft>
                         <a:buNone/>
                       </a:pPr>
-                      <a:endParaRPr lang="zh-CN" altLang="en-US" sz="1800" b="0" spc="130">
+                      <a:r>
+                        <a:rPr lang="en-US" altLang="zh-CN" sz="1400" b="0" spc="120">
+                          <a:solidFill>
+                            <a:srgbClr val="404040"/>
+                          </a:solidFill>
+                          <a:latin typeface="微软雅黑" panose="020B0503020204020204" charset="-122"/>
+                          <a:ea typeface="微软雅黑" panose="020B0503020204020204" charset="-122"/>
+                        </a:rPr>
+                        <a:t>18.3%</a:t>
+                      </a:r>
+                      <a:endParaRPr lang="en-US" altLang="zh-CN" sz="1400" b="0" spc="120">
+                        <a:solidFill>
+                          <a:srgbClr val="404040"/>
+                        </a:solidFill>
+                        <a:latin typeface="微软雅黑" panose="020B0503020204020204" charset="-122"/>
+                        <a:ea typeface="微软雅黑" panose="020B0503020204020204" charset="-122"/>
+                      </a:endParaRPr>
+                    </a:p>
+                  </a:txBody>
+                  <a:tcPr marL="45720" marR="45720" anchor="ctr">
+                    <a:lnL w="3175">
+                      <a:solidFill>
+                        <a:srgbClr val="03A9F5"/>
+                      </a:solidFill>
+                      <a:prstDash val="dot"/>
+                    </a:lnL>
+                    <a:lnR w="3175">
+                      <a:solidFill>
+                        <a:srgbClr val="03A9F5"/>
+                      </a:solidFill>
+                      <a:prstDash val="dot"/>
+                    </a:lnR>
+                    <a:lnT w="19050">
+                      <a:solidFill>
+                        <a:srgbClr val="03A9F5"/>
+                      </a:solidFill>
+                      <a:prstDash val="solid"/>
+                    </a:lnT>
+                    <a:lnB w="19050" cap="rnd">
+                      <a:solidFill>
+                        <a:srgbClr val="03A9F5"/>
+                      </a:solidFill>
+                      <a:prstDash val="solid"/>
+                    </a:lnB>
+                    <a:solidFill>
+                      <a:srgbClr val="F2F2F2"/>
+                    </a:solidFill>
+                  </a:tcPr>
+                </a:tc>
+                <a:tc>
+                  <a:txBody>
+                    <a:bodyPr/>
+                    <a:p>
+                      <a:pPr indent="0" algn="ctr">
+                        <a:lnSpc>
+                          <a:spcPct val="120000"/>
+                        </a:lnSpc>
+                        <a:spcBef>
+                          <a:spcPts val="0"/>
+                        </a:spcBef>
+                        <a:spcAft>
+                          <a:spcPts val="0"/>
+                        </a:spcAft>
+                        <a:buNone/>
+                      </a:pPr>
+                      <a:r>
+                        <a:rPr lang="en-US" altLang="zh-CN" sz="1400" b="0" spc="120">
+                          <a:solidFill>
+                            <a:srgbClr val="404040"/>
+                          </a:solidFill>
+                          <a:latin typeface="微软雅黑" panose="020B0503020204020204" charset="-122"/>
+                          <a:ea typeface="微软雅黑" panose="020B0503020204020204" charset="-122"/>
+                        </a:rPr>
+                        <a:t>3.0%</a:t>
+                      </a:r>
+                      <a:endParaRPr lang="en-US" altLang="zh-CN" sz="1400" b="0" spc="120">
+                        <a:solidFill>
+                          <a:srgbClr val="404040"/>
+                        </a:solidFill>
+                        <a:latin typeface="微软雅黑" panose="020B0503020204020204" charset="-122"/>
+                        <a:ea typeface="微软雅黑" panose="020B0503020204020204" charset="-122"/>
+                      </a:endParaRPr>
+                    </a:p>
+                  </a:txBody>
+                  <a:tcPr marL="45720" marR="45720" anchor="ctr">
+                    <a:lnL w="3175">
+                      <a:solidFill>
+                        <a:srgbClr val="03A9F5"/>
+                      </a:solidFill>
+                      <a:prstDash val="dot"/>
+                    </a:lnL>
+                    <a:lnR w="3175">
+                      <a:solidFill>
+                        <a:srgbClr val="03A9F5"/>
+                      </a:solidFill>
+                      <a:prstDash val="dot"/>
+                    </a:lnR>
+                    <a:lnT w="19050">
+                      <a:solidFill>
+                        <a:srgbClr val="03A9F5"/>
+                      </a:solidFill>
+                      <a:prstDash val="solid"/>
+                    </a:lnT>
+                    <a:lnB w="19050" cap="rnd">
+                      <a:solidFill>
+                        <a:srgbClr val="03A9F5"/>
+                      </a:solidFill>
+                      <a:prstDash val="solid"/>
+                    </a:lnB>
+                    <a:solidFill>
+                      <a:srgbClr val="F2F2F2"/>
+                    </a:solidFill>
+                  </a:tcPr>
+                </a:tc>
+                <a:tc>
+                  <a:txBody>
+                    <a:bodyPr/>
+                    <a:p>
+                      <a:pPr indent="0" algn="ctr">
+                        <a:lnSpc>
+                          <a:spcPct val="120000"/>
+                        </a:lnSpc>
+                        <a:spcBef>
+                          <a:spcPts val="0"/>
+                        </a:spcBef>
+                        <a:spcAft>
+                          <a:spcPts val="0"/>
+                        </a:spcAft>
+                        <a:buNone/>
+                      </a:pPr>
+                      <a:r>
+                        <a:rPr lang="en-US" altLang="zh-CN" sz="1400" b="0" spc="120">
+                          <a:solidFill>
+                            <a:srgbClr val="404040"/>
+                          </a:solidFill>
+                          <a:latin typeface="微软雅黑" panose="020B0503020204020204" charset="-122"/>
+                          <a:ea typeface="微软雅黑" panose="020B0503020204020204" charset="-122"/>
+                        </a:rPr>
+                        <a:t>1.7%</a:t>
+                      </a:r>
+                      <a:endParaRPr lang="en-US" altLang="zh-CN" sz="1400" b="0" spc="120">
                         <a:solidFill>
                           <a:srgbClr val="404040"/>
                         </a:solidFill>
@@ -7935,7 +8286,7 @@
         </p:nvSpPr>
         <p:spPr>
           <a:xfrm>
-            <a:off x="858520" y="2099945"/>
+            <a:off x="434340" y="2099945"/>
             <a:ext cx="292735" cy="236855"/>
           </a:xfrm>
           <a:prstGeom prst="rect">
@@ -9952,9 +10303,215 @@
           </a:p>
         </p:txBody>
       </p:sp>
+      <p:sp>
+        <p:nvSpPr>
+          <p:cNvPr id="13" name="文本框 12"/>
+          <p:cNvSpPr txBox="1"/>
+          <p:nvPr>
+            <p:custDataLst>
+              <p:tags r:id="rId3"/>
+            </p:custDataLst>
+          </p:nvPr>
+        </p:nvSpPr>
+        <p:spPr>
+          <a:xfrm>
+            <a:off x="5408295" y="2750820"/>
+            <a:ext cx="323850" cy="306705"/>
+          </a:xfrm>
+          <a:prstGeom prst="rect">
+            <a:avLst/>
+          </a:prstGeom>
+          <a:noFill/>
+        </p:spPr>
+        <p:txBody>
+          <a:bodyPr wrap="square" rtlCol="0" anchor="t">
+            <a:spAutoFit/>
+          </a:bodyPr>
+          <a:p>
+            <a:pPr algn="l">
+              <a:buClrTx/>
+              <a:buSzTx/>
+              <a:buFontTx/>
+            </a:pPr>
+            <a:r>
+              <a:rPr lang="en-US" altLang="zh-CN" sz="1400">
+                <a:solidFill>
+                  <a:srgbClr val="002060"/>
+                </a:solidFill>
+                <a:effectLst>
+                  <a:outerShdw blurRad="38100" dist="25400" dir="5400000" algn="ctr" rotWithShape="0">
+                    <a:srgbClr val="6E747A">
+                      <a:alpha val="43000"/>
+                    </a:srgbClr>
+                  </a:outerShdw>
+                </a:effectLst>
+                <a:sym typeface="+mn-ea"/>
+              </a:rPr>
+              <a:t>E</a:t>
+            </a:r>
+            <a:endParaRPr lang="en-US" altLang="zh-CN" sz="1400">
+              <a:solidFill>
+                <a:srgbClr val="002060"/>
+              </a:solidFill>
+              <a:effectLst>
+                <a:outerShdw blurRad="38100" dist="25400" dir="5400000" algn="ctr" rotWithShape="0">
+                  <a:srgbClr val="6E747A">
+                    <a:alpha val="43000"/>
+                  </a:srgbClr>
+                </a:outerShdw>
+              </a:effectLst>
+              <a:sym typeface="+mn-ea"/>
+            </a:endParaRPr>
+          </a:p>
+        </p:txBody>
+      </p:sp>
+      <p:sp>
+        <p:nvSpPr>
+          <p:cNvPr id="14" name="文本框 13"/>
+          <p:cNvSpPr txBox="1"/>
+          <p:nvPr>
+            <p:custDataLst>
+              <p:tags r:id="rId4"/>
+            </p:custDataLst>
+          </p:nvPr>
+        </p:nvSpPr>
+        <p:spPr>
+          <a:xfrm>
+            <a:off x="5146040" y="3406775"/>
+            <a:ext cx="323850" cy="306705"/>
+          </a:xfrm>
+          <a:prstGeom prst="rect">
+            <a:avLst/>
+          </a:prstGeom>
+          <a:noFill/>
+        </p:spPr>
+        <p:txBody>
+          <a:bodyPr wrap="square" rtlCol="0" anchor="t">
+            <a:spAutoFit/>
+          </a:bodyPr>
+          <a:p>
+            <a:pPr algn="l">
+              <a:buClrTx/>
+              <a:buSzTx/>
+              <a:buFontTx/>
+            </a:pPr>
+            <a:r>
+              <a:rPr lang="en-US" altLang="zh-CN" sz="1400">
+                <a:solidFill>
+                  <a:srgbClr val="002060"/>
+                </a:solidFill>
+                <a:effectLst>
+                  <a:outerShdw blurRad="38100" dist="25400" dir="5400000" algn="ctr" rotWithShape="0">
+                    <a:srgbClr val="6E747A">
+                      <a:alpha val="43000"/>
+                    </a:srgbClr>
+                  </a:outerShdw>
+                </a:effectLst>
+                <a:sym typeface="+mn-ea"/>
+              </a:rPr>
+              <a:t>F</a:t>
+            </a:r>
+            <a:endParaRPr lang="en-US" altLang="zh-CN" sz="1400">
+              <a:solidFill>
+                <a:srgbClr val="002060"/>
+              </a:solidFill>
+              <a:effectLst>
+                <a:outerShdw blurRad="38100" dist="25400" dir="5400000" algn="ctr" rotWithShape="0">
+                  <a:srgbClr val="6E747A">
+                    <a:alpha val="43000"/>
+                  </a:srgbClr>
+                </a:outerShdw>
+              </a:effectLst>
+              <a:sym typeface="+mn-ea"/>
+            </a:endParaRPr>
+          </a:p>
+        </p:txBody>
+      </p:sp>
+      <p:sp>
+        <p:nvSpPr>
+          <p:cNvPr id="15" name="矩形 14"/>
+          <p:cNvSpPr/>
+          <p:nvPr>
+            <p:custDataLst>
+              <p:tags r:id="rId5"/>
+            </p:custDataLst>
+          </p:nvPr>
+        </p:nvSpPr>
+        <p:spPr>
+          <a:xfrm>
+            <a:off x="1396365" y="367030"/>
+            <a:ext cx="292735" cy="236855"/>
+          </a:xfrm>
+          <a:prstGeom prst="rect">
+            <a:avLst/>
+          </a:prstGeom>
+        </p:spPr>
+        <p:style>
+          <a:lnRef idx="0">
+            <a:schemeClr val="accent1"/>
+          </a:lnRef>
+          <a:fillRef idx="3">
+            <a:schemeClr val="accent1"/>
+          </a:fillRef>
+          <a:effectRef idx="3">
+            <a:schemeClr val="accent1"/>
+          </a:effectRef>
+          <a:fontRef idx="minor">
+            <a:schemeClr val="lt1"/>
+          </a:fontRef>
+        </p:style>
+        <p:txBody>
+          <a:bodyPr rtlCol="0" anchor="ctr"/>
+          <a:p>
+            <a:pPr algn="ctr"/>
+            <a:endParaRPr lang="zh-CN" altLang="en-US"/>
+          </a:p>
+        </p:txBody>
+      </p:sp>
+      <p:sp>
+        <p:nvSpPr>
+          <p:cNvPr id="16" name="矩形 15"/>
+          <p:cNvSpPr/>
+          <p:nvPr>
+            <p:custDataLst>
+              <p:tags r:id="rId6"/>
+            </p:custDataLst>
+          </p:nvPr>
+        </p:nvSpPr>
+        <p:spPr>
+          <a:xfrm>
+            <a:off x="988695" y="3561080"/>
+            <a:ext cx="292735" cy="236855"/>
+          </a:xfrm>
+          <a:prstGeom prst="rect">
+            <a:avLst/>
+          </a:prstGeom>
+        </p:spPr>
+        <p:style>
+          <a:lnRef idx="0">
+            <a:schemeClr val="accent1"/>
+          </a:lnRef>
+          <a:fillRef idx="3">
+            <a:schemeClr val="accent1"/>
+          </a:fillRef>
+          <a:effectRef idx="3">
+            <a:schemeClr val="accent1"/>
+          </a:effectRef>
+          <a:fontRef idx="minor">
+            <a:schemeClr val="lt1"/>
+          </a:fontRef>
+        </p:style>
+        <p:txBody>
+          <a:bodyPr rtlCol="0" anchor="ctr"/>
+          <a:p>
+            <a:pPr algn="ctr"/>
+            <a:endParaRPr lang="zh-CN" altLang="en-US"/>
+          </a:p>
+        </p:txBody>
+      </p:sp>
     </p:spTree>
     <p:custDataLst>
-      <p:tags r:id="rId3"/>
+      <p:tags r:id="rId7"/>
     </p:custDataLst>
   </p:cSld>
   <p:clrMapOvr>
@@ -12457,17 +13014,42 @@
 <file path=ppt/tags/tag70.xml><?xml version="1.0" encoding="utf-8"?>
 <p:tagLst xmlns:p="http://schemas.openxmlformats.org/presentationml/2006/main">
   <p:tag name="KSO_WM_UNIT_TABLE_BEAUTIFY" val="smartTable{f3ce0b19-33db-4a1c-ab4d-32ee9390ccb4}"/>
-  <p:tag name="TABLE_ENDDRAG_ORIGIN_RECT" val="386*124"/>
-  <p:tag name="TABLE_ENDDRAG_RECT" val="572*0*386*124"/>
-  <p:tag name="TABLE_RECT" val="377.667*137.283*532.45*122.7"/>
+  <p:tag name="TABLE_ENDDRAG_ORIGIN_RECT" val="387*127"/>
+  <p:tag name="TABLE_ENDDRAG_RECT" val="573*213*387*127"/>
+  <p:tag name="TABLE_RECT" val="36*349.942*888*148.6"/>
   <p:tag name="TABLE_EMPHASIZE_COLOR" val="240117"/>
   <p:tag name="TABLE_ONEKEY_SKIN_IDX" val="3"/>
   <p:tag name="TABLE_SKINIDX" val="0"/>
   <p:tag name="TABLE_COLORIDX" val="9"/>
+  <p:tag name="TABLE_AUTOADJUST_FLAG" val="1"/>
 </p:tagLst>
 </file>
 
 <file path=ppt/tags/tag71.xml><?xml version="1.0" encoding="utf-8"?>
+<p:tagLst xmlns:p="http://schemas.openxmlformats.org/presentationml/2006/main">
+  <p:tag name="KSO_WM_BEAUTIFY_FLAG" val=""/>
+</p:tagLst>
+</file>
+
+<file path=ppt/tags/tag72.xml><?xml version="1.0" encoding="utf-8"?>
+<p:tagLst xmlns:p="http://schemas.openxmlformats.org/presentationml/2006/main">
+  <p:tag name="KSO_WM_BEAUTIFY_FLAG" val=""/>
+</p:tagLst>
+</file>
+
+<file path=ppt/tags/tag73.xml><?xml version="1.0" encoding="utf-8"?>
+<p:tagLst xmlns:p="http://schemas.openxmlformats.org/presentationml/2006/main">
+  <p:tag name="KSO_WM_BEAUTIFY_FLAG" val=""/>
+</p:tagLst>
+</file>
+
+<file path=ppt/tags/tag74.xml><?xml version="1.0" encoding="utf-8"?>
+<p:tagLst xmlns:p="http://schemas.openxmlformats.org/presentationml/2006/main">
+  <p:tag name="KSO_WM_BEAUTIFY_FLAG" val=""/>
+</p:tagLst>
+</file>
+
+<file path=ppt/tags/tag75.xml><?xml version="1.0" encoding="utf-8"?>
 <p:tagLst xmlns:p="http://schemas.openxmlformats.org/presentationml/2006/main">
   <p:tag name="KSO_WM_BEAUTIFY_FLAG" val="#wm#"/>
   <p:tag name="KSO_WM_TEMPLATE_CATEGORY" val="custom"/>
@@ -12475,7 +13057,7 @@
 </p:tagLst>
 </file>
 
-<file path=ppt/tags/tag72.xml><?xml version="1.0" encoding="utf-8"?>
+<file path=ppt/tags/tag76.xml><?xml version="1.0" encoding="utf-8"?>
 <p:tagLst xmlns:p="http://schemas.openxmlformats.org/presentationml/2006/main">
   <p:tag name="KSO_WM_BEAUTIFY_FLAG" val="#wm#"/>
   <p:tag name="KSO_WM_TEMPLATE_CATEGORY" val="custom"/>
@@ -12483,9 +13065,10 @@
 </p:tagLst>
 </file>
 
-<file path=ppt/tags/tag73.xml><?xml version="1.0" encoding="utf-8"?>
+<file path=ppt/tags/tag77.xml><?xml version="1.0" encoding="utf-8"?>
 <p:tagLst xmlns:p="http://schemas.openxmlformats.org/presentationml/2006/main">
-  <p:tag name="COMMONDATA" val="eyJoZGlkIjoiZjA3NGY2ODkwZDA3YjVmZWEyYTE3ZmI4ZGIxODI5ZWEifQ=="/>
+  <p:tag name="COMMONDATA" val="eyJoZGlkIjoiOTgyOWYzOGE3NzI5MDJiMGI0MDQ2MzhhZWRiY2IyMGIifQ=="/>
+  <p:tag name="KSO_WPP_MARK_KEY" val="f2b5f183-2a82-44a5-ac61-61dab9b10f4b"/>
 </p:tagLst>
 </file>
 
